--- a/document/와이어프레임/우학동_와이어프레임.pptx
+++ b/document/와이어프레임/우학동_와이어프레임.pptx
@@ -39,17 +39,17 @@
   <p:notesSz cx="6858000" cy="9144000"/>
   <p:embeddedFontLst>
     <p:embeddedFont>
-      <p:font typeface="10X10 Bold" panose="020D0604000000000000" pitchFamily="50" charset="-127"/>
+      <p:font typeface="아임크리수진" panose="020B0600000101010101" charset="-127"/>
       <p:regular r:id="rId29"/>
     </p:embeddedFont>
     <p:embeddedFont>
-      <p:font typeface="맑은 고딕" panose="020B0503020000020004" pitchFamily="50" charset="-127"/>
+      <p:font typeface="10X10 Bold" panose="020B0600000101010101" charset="-127"/>
       <p:regular r:id="rId30"/>
-      <p:bold r:id="rId31"/>
     </p:embeddedFont>
     <p:embeddedFont>
-      <p:font typeface="아임크리수진" panose="00000500000000000000" pitchFamily="2" charset="-127"/>
-      <p:regular r:id="rId32"/>
+      <p:font typeface="맑은 고딕" panose="020B0503020000020004" pitchFamily="50" charset="-127"/>
+      <p:regular r:id="rId31"/>
+      <p:bold r:id="rId32"/>
     </p:embeddedFont>
   </p:embeddedFontLst>
   <p:defaultTextStyle>
@@ -667,7 +667,7 @@
           <a:p>
             <a:fld id="{DD946905-D856-463D-A673-F48CB0EB0794}" type="datetimeFigureOut">
               <a:rPr lang="ko-KR" altLang="en-US" smtClean="0"/>
-              <a:t>2021-01-14</a:t>
+              <a:t>2021-01-16</a:t>
             </a:fld>
             <a:endParaRPr lang="ko-KR" altLang="en-US"/>
           </a:p>
@@ -1081,7 +1081,7 @@
           <a:p>
             <a:fld id="{1F8A5F81-C9E2-4636-AA08-E62651847CC4}" type="datetimeFigureOut">
               <a:rPr lang="ko-KR" altLang="en-US" smtClean="0"/>
-              <a:t>2021-01-14</a:t>
+              <a:t>2021-01-16</a:t>
             </a:fld>
             <a:endParaRPr lang="ko-KR" altLang="en-US"/>
           </a:p>
@@ -1279,7 +1279,7 @@
           <a:p>
             <a:fld id="{1F8A5F81-C9E2-4636-AA08-E62651847CC4}" type="datetimeFigureOut">
               <a:rPr lang="ko-KR" altLang="en-US" smtClean="0"/>
-              <a:t>2021-01-14</a:t>
+              <a:t>2021-01-16</a:t>
             </a:fld>
             <a:endParaRPr lang="ko-KR" altLang="en-US"/>
           </a:p>
@@ -1487,7 +1487,7 @@
           <a:p>
             <a:fld id="{1F8A5F81-C9E2-4636-AA08-E62651847CC4}" type="datetimeFigureOut">
               <a:rPr lang="ko-KR" altLang="en-US" smtClean="0"/>
-              <a:t>2021-01-14</a:t>
+              <a:t>2021-01-16</a:t>
             </a:fld>
             <a:endParaRPr lang="ko-KR" altLang="en-US"/>
           </a:p>
@@ -1685,7 +1685,7 @@
           <a:p>
             <a:fld id="{1F8A5F81-C9E2-4636-AA08-E62651847CC4}" type="datetimeFigureOut">
               <a:rPr lang="ko-KR" altLang="en-US" smtClean="0"/>
-              <a:t>2021-01-14</a:t>
+              <a:t>2021-01-16</a:t>
             </a:fld>
             <a:endParaRPr lang="ko-KR" altLang="en-US"/>
           </a:p>
@@ -1960,7 +1960,7 @@
           <a:p>
             <a:fld id="{1F8A5F81-C9E2-4636-AA08-E62651847CC4}" type="datetimeFigureOut">
               <a:rPr lang="ko-KR" altLang="en-US" smtClean="0"/>
-              <a:t>2021-01-14</a:t>
+              <a:t>2021-01-16</a:t>
             </a:fld>
             <a:endParaRPr lang="ko-KR" altLang="en-US"/>
           </a:p>
@@ -2225,7 +2225,7 @@
           <a:p>
             <a:fld id="{1F8A5F81-C9E2-4636-AA08-E62651847CC4}" type="datetimeFigureOut">
               <a:rPr lang="ko-KR" altLang="en-US" smtClean="0"/>
-              <a:t>2021-01-14</a:t>
+              <a:t>2021-01-16</a:t>
             </a:fld>
             <a:endParaRPr lang="ko-KR" altLang="en-US"/>
           </a:p>
@@ -2637,7 +2637,7 @@
           <a:p>
             <a:fld id="{1F8A5F81-C9E2-4636-AA08-E62651847CC4}" type="datetimeFigureOut">
               <a:rPr lang="ko-KR" altLang="en-US" smtClean="0"/>
-              <a:t>2021-01-14</a:t>
+              <a:t>2021-01-16</a:t>
             </a:fld>
             <a:endParaRPr lang="ko-KR" altLang="en-US"/>
           </a:p>
@@ -2778,7 +2778,7 @@
           <a:p>
             <a:fld id="{1F8A5F81-C9E2-4636-AA08-E62651847CC4}" type="datetimeFigureOut">
               <a:rPr lang="ko-KR" altLang="en-US" smtClean="0"/>
-              <a:t>2021-01-14</a:t>
+              <a:t>2021-01-16</a:t>
             </a:fld>
             <a:endParaRPr lang="ko-KR" altLang="en-US"/>
           </a:p>
@@ -2891,7 +2891,7 @@
           <a:p>
             <a:fld id="{1F8A5F81-C9E2-4636-AA08-E62651847CC4}" type="datetimeFigureOut">
               <a:rPr lang="ko-KR" altLang="en-US" smtClean="0"/>
-              <a:t>2021-01-14</a:t>
+              <a:t>2021-01-16</a:t>
             </a:fld>
             <a:endParaRPr lang="ko-KR" altLang="en-US"/>
           </a:p>
@@ -3202,7 +3202,7 @@
           <a:p>
             <a:fld id="{1F8A5F81-C9E2-4636-AA08-E62651847CC4}" type="datetimeFigureOut">
               <a:rPr lang="ko-KR" altLang="en-US" smtClean="0"/>
-              <a:t>2021-01-14</a:t>
+              <a:t>2021-01-16</a:t>
             </a:fld>
             <a:endParaRPr lang="ko-KR" altLang="en-US"/>
           </a:p>
@@ -3490,7 +3490,7 @@
           <a:p>
             <a:fld id="{1F8A5F81-C9E2-4636-AA08-E62651847CC4}" type="datetimeFigureOut">
               <a:rPr lang="ko-KR" altLang="en-US" smtClean="0"/>
-              <a:t>2021-01-14</a:t>
+              <a:t>2021-01-16</a:t>
             </a:fld>
             <a:endParaRPr lang="ko-KR" altLang="en-US"/>
           </a:p>
@@ -3731,7 +3731,7 @@
           <a:p>
             <a:fld id="{1F8A5F81-C9E2-4636-AA08-E62651847CC4}" type="datetimeFigureOut">
               <a:rPr lang="ko-KR" altLang="en-US" smtClean="0"/>
-              <a:t>2021-01-14</a:t>
+              <a:t>2021-01-16</a:t>
             </a:fld>
             <a:endParaRPr lang="ko-KR" altLang="en-US"/>
           </a:p>
@@ -4672,6 +4672,40 @@
       </p:grpSpPr>
       <p:sp>
         <p:nvSpPr>
+          <p:cNvPr id="18" name="TextBox 17">
+            <a:extLst/>
+          </p:cNvPr>
+          <p:cNvSpPr txBox="1"/>
+          <p:nvPr/>
+        </p:nvSpPr>
+        <p:spPr>
+          <a:xfrm>
+            <a:off x="71021" y="177547"/>
+            <a:ext cx="1576804" cy="523220"/>
+          </a:xfrm>
+          <a:prstGeom prst="rect">
+            <a:avLst/>
+          </a:prstGeom>
+          <a:noFill/>
+        </p:spPr>
+        <p:txBody>
+          <a:bodyPr wrap="square" rtlCol="0">
+            <a:spAutoFit/>
+          </a:bodyPr>
+          <a:lstStyle/>
+          <a:p>
+            <a:r>
+              <a:rPr lang="ko-KR" altLang="en-US" sz="2800" dirty="0">
+                <a:latin typeface="아임크리수진" panose="00000500000000000000" pitchFamily="2" charset="-127"/>
+                <a:ea typeface="아임크리수진" panose="00000500000000000000" pitchFamily="2" charset="-127"/>
+              </a:rPr>
+              <a:t>우 학 동</a:t>
+            </a:r>
+          </a:p>
+        </p:txBody>
+      </p:sp>
+      <p:sp>
+        <p:nvSpPr>
           <p:cNvPr id="3" name="직사각형 2">
             <a:extLst>
               <a:ext uri="{FF2B5EF4-FFF2-40B4-BE49-F238E27FC236}">
@@ -5136,44 +5170,6 @@
               <a:latin typeface="아임크리수진" panose="00000500000000000000" pitchFamily="2" charset="-127"/>
               <a:ea typeface="아임크리수진" panose="00000500000000000000" pitchFamily="2" charset="-127"/>
             </a:endParaRPr>
-          </a:p>
-        </p:txBody>
-      </p:sp>
-      <p:sp>
-        <p:nvSpPr>
-          <p:cNvPr id="17" name="TextBox 16">
-            <a:extLst>
-              <a:ext uri="{FF2B5EF4-FFF2-40B4-BE49-F238E27FC236}">
-                <a16:creationId xmlns:a16="http://schemas.microsoft.com/office/drawing/2014/main" id="{D62DA48E-2BC9-438E-BBE4-C1D6796640F2}"/>
-              </a:ext>
-            </a:extLst>
-          </p:cNvPr>
-          <p:cNvSpPr txBox="1"/>
-          <p:nvPr/>
-        </p:nvSpPr>
-        <p:spPr>
-          <a:xfrm>
-            <a:off x="156182" y="177501"/>
-            <a:ext cx="1442819" cy="523220"/>
-          </a:xfrm>
-          <a:prstGeom prst="rect">
-            <a:avLst/>
-          </a:prstGeom>
-          <a:noFill/>
-        </p:spPr>
-        <p:txBody>
-          <a:bodyPr wrap="square" rtlCol="0">
-            <a:spAutoFit/>
-          </a:bodyPr>
-          <a:lstStyle/>
-          <a:p>
-            <a:r>
-              <a:rPr lang="ko-KR" altLang="en-US" sz="2800" dirty="0">
-                <a:latin typeface="아임크리수진" panose="00000500000000000000" pitchFamily="2" charset="-127"/>
-                <a:ea typeface="아임크리수진" panose="00000500000000000000" pitchFamily="2" charset="-127"/>
-              </a:rPr>
-              <a:t>우 학 동</a:t>
-            </a:r>
           </a:p>
         </p:txBody>
       </p:sp>
@@ -5761,44 +5757,6 @@
               <a:latin typeface="아임크리수진" panose="00000500000000000000" pitchFamily="2" charset="-127"/>
               <a:ea typeface="아임크리수진" panose="00000500000000000000" pitchFamily="2" charset="-127"/>
             </a:endParaRPr>
-          </a:p>
-        </p:txBody>
-      </p:sp>
-      <p:sp>
-        <p:nvSpPr>
-          <p:cNvPr id="17" name="TextBox 16">
-            <a:extLst>
-              <a:ext uri="{FF2B5EF4-FFF2-40B4-BE49-F238E27FC236}">
-                <a16:creationId xmlns:a16="http://schemas.microsoft.com/office/drawing/2014/main" id="{D62DA48E-2BC9-438E-BBE4-C1D6796640F2}"/>
-              </a:ext>
-            </a:extLst>
-          </p:cNvPr>
-          <p:cNvSpPr txBox="1"/>
-          <p:nvPr/>
-        </p:nvSpPr>
-        <p:spPr>
-          <a:xfrm>
-            <a:off x="156182" y="177501"/>
-            <a:ext cx="1442819" cy="523220"/>
-          </a:xfrm>
-          <a:prstGeom prst="rect">
-            <a:avLst/>
-          </a:prstGeom>
-          <a:noFill/>
-        </p:spPr>
-        <p:txBody>
-          <a:bodyPr wrap="square" rtlCol="0">
-            <a:spAutoFit/>
-          </a:bodyPr>
-          <a:lstStyle/>
-          <a:p>
-            <a:r>
-              <a:rPr lang="ko-KR" altLang="en-US" sz="2800" dirty="0">
-                <a:latin typeface="아임크리수진" panose="00000500000000000000" pitchFamily="2" charset="-127"/>
-                <a:ea typeface="아임크리수진" panose="00000500000000000000" pitchFamily="2" charset="-127"/>
-              </a:rPr>
-              <a:t>우 학 동</a:t>
-            </a:r>
           </a:p>
         </p:txBody>
       </p:sp>
@@ -6176,6 +6134,40 @@
           </a:p>
         </p:txBody>
       </p:sp>
+      <p:sp>
+        <p:nvSpPr>
+          <p:cNvPr id="19" name="TextBox 18">
+            <a:extLst/>
+          </p:cNvPr>
+          <p:cNvSpPr txBox="1"/>
+          <p:nvPr/>
+        </p:nvSpPr>
+        <p:spPr>
+          <a:xfrm>
+            <a:off x="71021" y="177547"/>
+            <a:ext cx="1576804" cy="523220"/>
+          </a:xfrm>
+          <a:prstGeom prst="rect">
+            <a:avLst/>
+          </a:prstGeom>
+          <a:noFill/>
+        </p:spPr>
+        <p:txBody>
+          <a:bodyPr wrap="square" rtlCol="0">
+            <a:spAutoFit/>
+          </a:bodyPr>
+          <a:lstStyle/>
+          <a:p>
+            <a:r>
+              <a:rPr lang="ko-KR" altLang="en-US" sz="2800" dirty="0">
+                <a:latin typeface="아임크리수진" panose="00000500000000000000" pitchFamily="2" charset="-127"/>
+                <a:ea typeface="아임크리수진" panose="00000500000000000000" pitchFamily="2" charset="-127"/>
+              </a:rPr>
+              <a:t>우 학 동</a:t>
+            </a:r>
+          </a:p>
+        </p:txBody>
+      </p:sp>
     </p:spTree>
     <p:extLst>
       <p:ext uri="{BB962C8B-B14F-4D97-AF65-F5344CB8AC3E}">
@@ -6519,44 +6511,6 @@
             <a:r>
               <a:rPr lang="ko-KR" altLang="en-US" dirty="0"/>
               <a:t>로그인</a:t>
-            </a:r>
-          </a:p>
-        </p:txBody>
-      </p:sp>
-      <p:sp>
-        <p:nvSpPr>
-          <p:cNvPr id="17" name="TextBox 16">
-            <a:extLst>
-              <a:ext uri="{FF2B5EF4-FFF2-40B4-BE49-F238E27FC236}">
-                <a16:creationId xmlns:a16="http://schemas.microsoft.com/office/drawing/2014/main" id="{D62DA48E-2BC9-438E-BBE4-C1D6796640F2}"/>
-              </a:ext>
-            </a:extLst>
-          </p:cNvPr>
-          <p:cNvSpPr txBox="1"/>
-          <p:nvPr/>
-        </p:nvSpPr>
-        <p:spPr>
-          <a:xfrm>
-            <a:off x="156182" y="177501"/>
-            <a:ext cx="1442819" cy="523220"/>
-          </a:xfrm>
-          <a:prstGeom prst="rect">
-            <a:avLst/>
-          </a:prstGeom>
-          <a:noFill/>
-        </p:spPr>
-        <p:txBody>
-          <a:bodyPr wrap="square" rtlCol="0">
-            <a:spAutoFit/>
-          </a:bodyPr>
-          <a:lstStyle/>
-          <a:p>
-            <a:r>
-              <a:rPr lang="ko-KR" altLang="en-US" sz="2800" dirty="0">
-                <a:latin typeface="아임크리수진" panose="00000500000000000000" pitchFamily="2" charset="-127"/>
-                <a:ea typeface="아임크리수진" panose="00000500000000000000" pitchFamily="2" charset="-127"/>
-              </a:rPr>
-              <a:t>우 학 동</a:t>
             </a:r>
           </a:p>
         </p:txBody>
@@ -6650,6 +6604,40 @@
             <a:r>
               <a:rPr lang="ko-KR" altLang="en-US" sz="1200" dirty="0"/>
               <a:t>중복확인 </a:t>
+            </a:r>
+          </a:p>
+        </p:txBody>
+      </p:sp>
+      <p:sp>
+        <p:nvSpPr>
+          <p:cNvPr id="11" name="TextBox 10">
+            <a:extLst/>
+          </p:cNvPr>
+          <p:cNvSpPr txBox="1"/>
+          <p:nvPr/>
+        </p:nvSpPr>
+        <p:spPr>
+          <a:xfrm>
+            <a:off x="71021" y="177547"/>
+            <a:ext cx="1576804" cy="523220"/>
+          </a:xfrm>
+          <a:prstGeom prst="rect">
+            <a:avLst/>
+          </a:prstGeom>
+          <a:noFill/>
+        </p:spPr>
+        <p:txBody>
+          <a:bodyPr wrap="square" rtlCol="0">
+            <a:spAutoFit/>
+          </a:bodyPr>
+          <a:lstStyle/>
+          <a:p>
+            <a:r>
+              <a:rPr lang="ko-KR" altLang="en-US" sz="2800" dirty="0">
+                <a:latin typeface="아임크리수진" panose="00000500000000000000" pitchFamily="2" charset="-127"/>
+                <a:ea typeface="아임크리수진" panose="00000500000000000000" pitchFamily="2" charset="-127"/>
+              </a:rPr>
+              <a:t>우 학 동</a:t>
             </a:r>
           </a:p>
         </p:txBody>
@@ -6783,20 +6771,16 @@
       </p:sp>
       <p:sp>
         <p:nvSpPr>
-          <p:cNvPr id="17" name="TextBox 16">
-            <a:extLst>
-              <a:ext uri="{FF2B5EF4-FFF2-40B4-BE49-F238E27FC236}">
-                <a16:creationId xmlns:a16="http://schemas.microsoft.com/office/drawing/2014/main" id="{D62DA48E-2BC9-438E-BBE4-C1D6796640F2}"/>
-              </a:ext>
-            </a:extLst>
+          <p:cNvPr id="5" name="TextBox 4">
+            <a:extLst/>
           </p:cNvPr>
           <p:cNvSpPr txBox="1"/>
           <p:nvPr/>
         </p:nvSpPr>
         <p:spPr>
           <a:xfrm>
-            <a:off x="156182" y="177501"/>
-            <a:ext cx="1442819" cy="523220"/>
+            <a:off x="71021" y="177547"/>
+            <a:ext cx="1576804" cy="523220"/>
           </a:xfrm>
           <a:prstGeom prst="rect">
             <a:avLst/>
@@ -24741,44 +24725,6 @@
           </a:graphicData>
         </a:graphic>
       </p:graphicFrame>
-      <p:sp>
-        <p:nvSpPr>
-          <p:cNvPr id="18" name="TextBox 17">
-            <a:extLst>
-              <a:ext uri="{FF2B5EF4-FFF2-40B4-BE49-F238E27FC236}">
-                <a16:creationId xmlns:a16="http://schemas.microsoft.com/office/drawing/2014/main" id="{FB38BFE4-D76A-42D6-B0B9-DBEEB1ADE991}"/>
-              </a:ext>
-            </a:extLst>
-          </p:cNvPr>
-          <p:cNvSpPr txBox="1"/>
-          <p:nvPr/>
-        </p:nvSpPr>
-        <p:spPr>
-          <a:xfrm>
-            <a:off x="206916" y="192936"/>
-            <a:ext cx="1576804" cy="523220"/>
-          </a:xfrm>
-          <a:prstGeom prst="rect">
-            <a:avLst/>
-          </a:prstGeom>
-          <a:noFill/>
-        </p:spPr>
-        <p:txBody>
-          <a:bodyPr wrap="square" rtlCol="0">
-            <a:spAutoFit/>
-          </a:bodyPr>
-          <a:lstStyle/>
-          <a:p>
-            <a:r>
-              <a:rPr lang="ko-KR" altLang="en-US" sz="2800" dirty="0">
-                <a:latin typeface="아임크리수진" panose="00000500000000000000" pitchFamily="2" charset="-127"/>
-                <a:ea typeface="아임크리수진" panose="00000500000000000000" pitchFamily="2" charset="-127"/>
-              </a:rPr>
-              <a:t>우 학 동</a:t>
-            </a:r>
-          </a:p>
-        </p:txBody>
-      </p:sp>
       <p:grpSp>
         <p:nvGrpSpPr>
           <p:cNvPr id="2" name="그룹 1">
@@ -25059,6 +25005,40 @@
           </p:txBody>
         </p:sp>
       </p:grpSp>
+      <p:sp>
+        <p:nvSpPr>
+          <p:cNvPr id="26" name="TextBox 25">
+            <a:extLst/>
+          </p:cNvPr>
+          <p:cNvSpPr txBox="1"/>
+          <p:nvPr/>
+        </p:nvSpPr>
+        <p:spPr>
+          <a:xfrm>
+            <a:off x="71021" y="177547"/>
+            <a:ext cx="1576804" cy="523220"/>
+          </a:xfrm>
+          <a:prstGeom prst="rect">
+            <a:avLst/>
+          </a:prstGeom>
+          <a:noFill/>
+        </p:spPr>
+        <p:txBody>
+          <a:bodyPr wrap="square" rtlCol="0">
+            <a:spAutoFit/>
+          </a:bodyPr>
+          <a:lstStyle/>
+          <a:p>
+            <a:r>
+              <a:rPr lang="ko-KR" altLang="en-US" sz="2800" dirty="0">
+                <a:latin typeface="아임크리수진" panose="00000500000000000000" pitchFamily="2" charset="-127"/>
+                <a:ea typeface="아임크리수진" panose="00000500000000000000" pitchFamily="2" charset="-127"/>
+              </a:rPr>
+              <a:t>우 학 동</a:t>
+            </a:r>
+          </a:p>
+        </p:txBody>
+      </p:sp>
     </p:spTree>
     <p:extLst>
       <p:ext uri="{BB962C8B-B14F-4D97-AF65-F5344CB8AC3E}">

--- a/document/와이어프레임/우학동_와이어프레임.pptx
+++ b/document/와이어프레임/우학동_와이어프레임.pptx
@@ -44,13 +44,13 @@
       <p:regular r:id="rId30"/>
     </p:embeddedFont>
     <p:embeddedFont>
-      <p:font typeface="맑은 고딕" panose="020B0503020000020004" pitchFamily="50" charset="-127"/>
+      <p:font typeface="아임크리수진" panose="020B0600000101010101" charset="-127"/>
       <p:regular r:id="rId31"/>
-      <p:bold r:id="rId32"/>
     </p:embeddedFont>
     <p:embeddedFont>
-      <p:font typeface="아임크리수진" panose="00000500000000000000" pitchFamily="2" charset="-127"/>
-      <p:regular r:id="rId33"/>
+      <p:font typeface="맑은 고딕" panose="020B0503020000020004" pitchFamily="50" charset="-127"/>
+      <p:regular r:id="rId32"/>
+      <p:bold r:id="rId33"/>
     </p:embeddedFont>
   </p:embeddedFontLst>
   <p:defaultTextStyle>
@@ -253,7 +253,7 @@
 
 <file path=ppt/commentAuthors.xml><?xml version="1.0" encoding="utf-8"?>
 <p:cmAuthorLst xmlns:a="http://schemas.openxmlformats.org/drawingml/2006/main" xmlns:r="http://schemas.openxmlformats.org/officeDocument/2006/relationships" xmlns:p="http://schemas.openxmlformats.org/presentationml/2006/main">
-  <p:cmAuthor id="1" name="현정 이" initials="현이" lastIdx="19" clrIdx="0">
+  <p:cmAuthor id="1" name="현정 이" initials="현이" lastIdx="23" clrIdx="0">
     <p:extLst>
       <p:ext uri="{19B8F6BF-5375-455C-9EA6-DF929625EA0E}">
         <p15:presenceInfo xmlns:p15="http://schemas.microsoft.com/office/powerpoint/2012/main" userId="2260549c9764b7a4" providerId="Windows Live"/>
@@ -268,6 +268,585 @@
     </p:extLst>
   </p:cmAuthor>
 </p:cmAuthorLst>
+</file>
+
+<file path=ppt/changesInfos/changesInfo1.xml><?xml version="1.0" encoding="utf-8"?>
+<pc:chgInfo xmlns:a="http://schemas.openxmlformats.org/drawingml/2006/main" xmlns:r="http://schemas.openxmlformats.org/officeDocument/2006/relationships" xmlns:ac="http://schemas.microsoft.com/office/drawing/2013/main/command" xmlns:pc="http://schemas.microsoft.com/office/powerpoint/2013/main/command">
+  <pc:docChgLst>
+    <pc:chgData name="이 현정" userId="2260549c9764b7a4" providerId="LiveId" clId="{01A99E41-209A-4154-9667-CF2A73BB7372}"/>
+    <pc:docChg chg="undo redo custSel addSld delSld modSld sldOrd modSection">
+      <pc:chgData name="이 현정" userId="2260549c9764b7a4" providerId="LiveId" clId="{01A99E41-209A-4154-9667-CF2A73BB7372}" dt="2021-01-19T12:49:55.937" v="727"/>
+      <pc:docMkLst>
+        <pc:docMk/>
+      </pc:docMkLst>
+      <pc:sldChg chg="addSp delSp modSp mod">
+        <pc:chgData name="이 현정" userId="2260549c9764b7a4" providerId="LiveId" clId="{01A99E41-209A-4154-9667-CF2A73BB7372}" dt="2021-01-19T11:39:52.832" v="220" actId="11529"/>
+        <pc:sldMkLst>
+          <pc:docMk/>
+          <pc:sldMk cId="438611795" sldId="256"/>
+        </pc:sldMkLst>
+        <pc:spChg chg="add del mod">
+          <ac:chgData name="이 현정" userId="2260549c9764b7a4" providerId="LiveId" clId="{01A99E41-209A-4154-9667-CF2A73BB7372}" dt="2021-01-19T11:39:14.241" v="212" actId="478"/>
+          <ac:spMkLst>
+            <pc:docMk/>
+            <pc:sldMk cId="438611795" sldId="256"/>
+            <ac:spMk id="2" creationId="{06DE60CB-92EC-4158-98D1-0FA8BA7B9430}"/>
+          </ac:spMkLst>
+        </pc:spChg>
+        <pc:spChg chg="add del mod">
+          <ac:chgData name="이 현정" userId="2260549c9764b7a4" providerId="LiveId" clId="{01A99E41-209A-4154-9667-CF2A73BB7372}" dt="2021-01-19T11:39:52.832" v="220" actId="11529"/>
+          <ac:spMkLst>
+            <pc:docMk/>
+            <pc:sldMk cId="438611795" sldId="256"/>
+            <ac:spMk id="4" creationId="{B681BB57-59B7-455E-B89E-74D57B43A69E}"/>
+          </ac:spMkLst>
+        </pc:spChg>
+      </pc:sldChg>
+      <pc:sldChg chg="addCm modCm">
+        <pc:chgData name="이 현정" userId="2260549c9764b7a4" providerId="LiveId" clId="{01A99E41-209A-4154-9667-CF2A73BB7372}" dt="2021-01-19T12:23:55.320" v="680"/>
+        <pc:sldMkLst>
+          <pc:docMk/>
+          <pc:sldMk cId="1007902617" sldId="257"/>
+        </pc:sldMkLst>
+      </pc:sldChg>
+      <pc:sldChg chg="modSp mod">
+        <pc:chgData name="이 현정" userId="2260549c9764b7a4" providerId="LiveId" clId="{01A99E41-209A-4154-9667-CF2A73BB7372}" dt="2021-01-19T12:49:53.050" v="723"/>
+        <pc:sldMkLst>
+          <pc:docMk/>
+          <pc:sldMk cId="517264299" sldId="259"/>
+        </pc:sldMkLst>
+        <pc:graphicFrameChg chg="mod modGraphic">
+          <ac:chgData name="이 현정" userId="2260549c9764b7a4" providerId="LiveId" clId="{01A99E41-209A-4154-9667-CF2A73BB7372}" dt="2021-01-19T12:49:53.050" v="723"/>
+          <ac:graphicFrameMkLst>
+            <pc:docMk/>
+            <pc:sldMk cId="517264299" sldId="259"/>
+            <ac:graphicFrameMk id="18" creationId="{6430F365-20DF-4F8D-8849-13EAD9AC5DB3}"/>
+          </ac:graphicFrameMkLst>
+        </pc:graphicFrameChg>
+      </pc:sldChg>
+      <pc:sldChg chg="modSp mod">
+        <pc:chgData name="이 현정" userId="2260549c9764b7a4" providerId="LiveId" clId="{01A99E41-209A-4154-9667-CF2A73BB7372}" dt="2021-01-19T12:49:55.937" v="727"/>
+        <pc:sldMkLst>
+          <pc:docMk/>
+          <pc:sldMk cId="3682748122" sldId="260"/>
+        </pc:sldMkLst>
+        <pc:graphicFrameChg chg="mod modGraphic">
+          <ac:chgData name="이 현정" userId="2260549c9764b7a4" providerId="LiveId" clId="{01A99E41-209A-4154-9667-CF2A73BB7372}" dt="2021-01-19T12:49:55.937" v="727"/>
+          <ac:graphicFrameMkLst>
+            <pc:docMk/>
+            <pc:sldMk cId="3682748122" sldId="260"/>
+            <ac:graphicFrameMk id="6" creationId="{3DE114C1-05CE-41C3-AB2D-9756A470720A}"/>
+          </ac:graphicFrameMkLst>
+        </pc:graphicFrameChg>
+      </pc:sldChg>
+      <pc:sldChg chg="modSp mod">
+        <pc:chgData name="이 현정" userId="2260549c9764b7a4" providerId="LiveId" clId="{01A99E41-209A-4154-9667-CF2A73BB7372}" dt="2021-01-19T12:02:27.944" v="468" actId="207"/>
+        <pc:sldMkLst>
+          <pc:docMk/>
+          <pc:sldMk cId="3903674954" sldId="263"/>
+        </pc:sldMkLst>
+        <pc:spChg chg="mod">
+          <ac:chgData name="이 현정" userId="2260549c9764b7a4" providerId="LiveId" clId="{01A99E41-209A-4154-9667-CF2A73BB7372}" dt="2021-01-19T12:02:27.944" v="468" actId="207"/>
+          <ac:spMkLst>
+            <pc:docMk/>
+            <pc:sldMk cId="3903674954" sldId="263"/>
+            <ac:spMk id="10" creationId="{A9A88D33-189A-4234-BD50-4EF1B35AC091}"/>
+          </ac:spMkLst>
+        </pc:spChg>
+      </pc:sldChg>
+      <pc:sldChg chg="ord">
+        <pc:chgData name="이 현정" userId="2260549c9764b7a4" providerId="LiveId" clId="{01A99E41-209A-4154-9667-CF2A73BB7372}" dt="2021-01-19T12:36:14.624" v="699" actId="20578"/>
+        <pc:sldMkLst>
+          <pc:docMk/>
+          <pc:sldMk cId="3700657093" sldId="266"/>
+        </pc:sldMkLst>
+      </pc:sldChg>
+      <pc:sldChg chg="modSp mod">
+        <pc:chgData name="이 현정" userId="2260549c9764b7a4" providerId="LiveId" clId="{01A99E41-209A-4154-9667-CF2A73BB7372}" dt="2021-01-19T12:28:45.916" v="696" actId="14734"/>
+        <pc:sldMkLst>
+          <pc:docMk/>
+          <pc:sldMk cId="1834507800" sldId="275"/>
+        </pc:sldMkLst>
+        <pc:graphicFrameChg chg="mod modGraphic">
+          <ac:chgData name="이 현정" userId="2260549c9764b7a4" providerId="LiveId" clId="{01A99E41-209A-4154-9667-CF2A73BB7372}" dt="2021-01-19T12:28:45.916" v="696" actId="14734"/>
+          <ac:graphicFrameMkLst>
+            <pc:docMk/>
+            <pc:sldMk cId="1834507800" sldId="275"/>
+            <ac:graphicFrameMk id="9" creationId="{4DC0A843-30DF-4D79-9093-69E68563F218}"/>
+          </ac:graphicFrameMkLst>
+        </pc:graphicFrameChg>
+      </pc:sldChg>
+      <pc:sldChg chg="addSp delSp modSp mod">
+        <pc:chgData name="이 현정" userId="2260549c9764b7a4" providerId="LiveId" clId="{01A99E41-209A-4154-9667-CF2A73BB7372}" dt="2021-01-19T12:40:50.519" v="719" actId="1076"/>
+        <pc:sldMkLst>
+          <pc:docMk/>
+          <pc:sldMk cId="3061038010" sldId="278"/>
+        </pc:sldMkLst>
+        <pc:spChg chg="add del">
+          <ac:chgData name="이 현정" userId="2260549c9764b7a4" providerId="LiveId" clId="{01A99E41-209A-4154-9667-CF2A73BB7372}" dt="2021-01-19T11:26:10.700" v="198" actId="478"/>
+          <ac:spMkLst>
+            <pc:docMk/>
+            <pc:sldMk cId="3061038010" sldId="278"/>
+            <ac:spMk id="2" creationId="{1771528A-037E-481A-AA6A-0EF2589F0057}"/>
+          </ac:spMkLst>
+        </pc:spChg>
+        <pc:spChg chg="add mod">
+          <ac:chgData name="이 현정" userId="2260549c9764b7a4" providerId="LiveId" clId="{01A99E41-209A-4154-9667-CF2A73BB7372}" dt="2021-01-19T12:40:28.928" v="717" actId="1076"/>
+          <ac:spMkLst>
+            <pc:docMk/>
+            <pc:sldMk cId="3061038010" sldId="278"/>
+            <ac:spMk id="4" creationId="{E2C00E24-BDD4-4305-AD6A-123C43ADE2B7}"/>
+          </ac:spMkLst>
+        </pc:spChg>
+        <pc:spChg chg="mod">
+          <ac:chgData name="이 현정" userId="2260549c9764b7a4" providerId="LiveId" clId="{01A99E41-209A-4154-9667-CF2A73BB7372}" dt="2021-01-19T12:40:50.519" v="719" actId="1076"/>
+          <ac:spMkLst>
+            <pc:docMk/>
+            <pc:sldMk cId="3061038010" sldId="278"/>
+            <ac:spMk id="12" creationId="{FF6D8AAD-43A4-4277-A387-E5AB34DBC4A4}"/>
+          </ac:spMkLst>
+        </pc:spChg>
+      </pc:sldChg>
+      <pc:sldChg chg="addSp delSp modSp mod addCm delCm modCm">
+        <pc:chgData name="이 현정" userId="2260549c9764b7a4" providerId="LiveId" clId="{01A99E41-209A-4154-9667-CF2A73BB7372}" dt="2021-01-19T12:14:29.841" v="676"/>
+        <pc:sldMkLst>
+          <pc:docMk/>
+          <pc:sldMk cId="1043422170" sldId="284"/>
+        </pc:sldMkLst>
+        <pc:spChg chg="add del mod">
+          <ac:chgData name="이 현정" userId="2260549c9764b7a4" providerId="LiveId" clId="{01A99E41-209A-4154-9667-CF2A73BB7372}" dt="2021-01-19T11:16:29.922" v="136" actId="478"/>
+          <ac:spMkLst>
+            <pc:docMk/>
+            <pc:sldMk cId="1043422170" sldId="284"/>
+            <ac:spMk id="2" creationId="{9B2B39F6-8DFA-4F29-813D-92CFF3DEFC8E}"/>
+          </ac:spMkLst>
+        </pc:spChg>
+        <pc:spChg chg="del mod topLvl">
+          <ac:chgData name="이 현정" userId="2260549c9764b7a4" providerId="LiveId" clId="{01A99E41-209A-4154-9667-CF2A73BB7372}" dt="2021-01-19T11:41:22.633" v="223" actId="478"/>
+          <ac:spMkLst>
+            <pc:docMk/>
+            <pc:sldMk cId="1043422170" sldId="284"/>
+            <ac:spMk id="3" creationId="{7B88E93A-757D-4A29-8839-43EDC7248301}"/>
+          </ac:spMkLst>
+        </pc:spChg>
+        <pc:spChg chg="del topLvl">
+          <ac:chgData name="이 현정" userId="2260549c9764b7a4" providerId="LiveId" clId="{01A99E41-209A-4154-9667-CF2A73BB7372}" dt="2021-01-19T11:41:23.740" v="224" actId="478"/>
+          <ac:spMkLst>
+            <pc:docMk/>
+            <pc:sldMk cId="1043422170" sldId="284"/>
+            <ac:spMk id="8" creationId="{65034AF3-88CD-4888-9345-9AFD1B3B402F}"/>
+          </ac:spMkLst>
+        </pc:spChg>
+        <pc:spChg chg="add mod">
+          <ac:chgData name="이 현정" userId="2260549c9764b7a4" providerId="LiveId" clId="{01A99E41-209A-4154-9667-CF2A73BB7372}" dt="2021-01-19T12:03:23.765" v="482" actId="1076"/>
+          <ac:spMkLst>
+            <pc:docMk/>
+            <pc:sldMk cId="1043422170" sldId="284"/>
+            <ac:spMk id="9" creationId="{7C30E079-BB5F-4C0D-91FC-58DEFCB0EAEB}"/>
+          </ac:spMkLst>
+        </pc:spChg>
+        <pc:spChg chg="mod">
+          <ac:chgData name="이 현정" userId="2260549c9764b7a4" providerId="LiveId" clId="{01A99E41-209A-4154-9667-CF2A73BB7372}" dt="2021-01-19T12:03:23.765" v="482" actId="1076"/>
+          <ac:spMkLst>
+            <pc:docMk/>
+            <pc:sldMk cId="1043422170" sldId="284"/>
+            <ac:spMk id="10" creationId="{D269B59D-204B-4C34-A668-D4945DB3BD96}"/>
+          </ac:spMkLst>
+        </pc:spChg>
+        <pc:spChg chg="add del mod">
+          <ac:chgData name="이 현정" userId="2260549c9764b7a4" providerId="LiveId" clId="{01A99E41-209A-4154-9667-CF2A73BB7372}" dt="2021-01-19T11:26:37.001" v="199" actId="478"/>
+          <ac:spMkLst>
+            <pc:docMk/>
+            <pc:sldMk cId="1043422170" sldId="284"/>
+            <ac:spMk id="11" creationId="{0A48284D-2C61-4E9D-81F4-1D131BC35EFE}"/>
+          </ac:spMkLst>
+        </pc:spChg>
+        <pc:spChg chg="add del mod">
+          <ac:chgData name="이 현정" userId="2260549c9764b7a4" providerId="LiveId" clId="{01A99E41-209A-4154-9667-CF2A73BB7372}" dt="2021-01-19T11:43:44.390" v="315" actId="21"/>
+          <ac:spMkLst>
+            <pc:docMk/>
+            <pc:sldMk cId="1043422170" sldId="284"/>
+            <ac:spMk id="12" creationId="{C00DDA00-5ED5-472E-8496-10753FC20304}"/>
+          </ac:spMkLst>
+        </pc:spChg>
+        <pc:spChg chg="add del mod">
+          <ac:chgData name="이 현정" userId="2260549c9764b7a4" providerId="LiveId" clId="{01A99E41-209A-4154-9667-CF2A73BB7372}" dt="2021-01-19T11:41:26.677" v="226" actId="478"/>
+          <ac:spMkLst>
+            <pc:docMk/>
+            <pc:sldMk cId="1043422170" sldId="284"/>
+            <ac:spMk id="13" creationId="{4B5EF216-C8A6-422F-AA59-F854AB5F6303}"/>
+          </ac:spMkLst>
+        </pc:spChg>
+        <pc:spChg chg="mod">
+          <ac:chgData name="이 현정" userId="2260549c9764b7a4" providerId="LiveId" clId="{01A99E41-209A-4154-9667-CF2A73BB7372}" dt="2021-01-19T12:03:23.765" v="482" actId="1076"/>
+          <ac:spMkLst>
+            <pc:docMk/>
+            <pc:sldMk cId="1043422170" sldId="284"/>
+            <ac:spMk id="14" creationId="{CF135ACE-233B-4E8C-8CBA-71393F6FD676}"/>
+          </ac:spMkLst>
+        </pc:spChg>
+        <pc:spChg chg="mod">
+          <ac:chgData name="이 현정" userId="2260549c9764b7a4" providerId="LiveId" clId="{01A99E41-209A-4154-9667-CF2A73BB7372}" dt="2021-01-19T11:24:29.048" v="196" actId="1076"/>
+          <ac:spMkLst>
+            <pc:docMk/>
+            <pc:sldMk cId="1043422170" sldId="284"/>
+            <ac:spMk id="15" creationId="{EAFA08E2-3179-4A8E-B982-8A18E69C3B82}"/>
+          </ac:spMkLst>
+        </pc:spChg>
+        <pc:spChg chg="add del mod">
+          <ac:chgData name="이 현정" userId="2260549c9764b7a4" providerId="LiveId" clId="{01A99E41-209A-4154-9667-CF2A73BB7372}" dt="2021-01-19T11:41:25.524" v="225" actId="478"/>
+          <ac:spMkLst>
+            <pc:docMk/>
+            <pc:sldMk cId="1043422170" sldId="284"/>
+            <ac:spMk id="17" creationId="{CC947600-4F6F-44F8-A2BA-E49F77513057}"/>
+          </ac:spMkLst>
+        </pc:spChg>
+        <pc:spChg chg="add del mod">
+          <ac:chgData name="이 현정" userId="2260549c9764b7a4" providerId="LiveId" clId="{01A99E41-209A-4154-9667-CF2A73BB7372}" dt="2021-01-19T11:41:28.287" v="227" actId="478"/>
+          <ac:spMkLst>
+            <pc:docMk/>
+            <pc:sldMk cId="1043422170" sldId="284"/>
+            <ac:spMk id="18" creationId="{64A10309-573B-4E49-9FE2-B2A7C06A1848}"/>
+          </ac:spMkLst>
+        </pc:spChg>
+        <pc:spChg chg="add del mod">
+          <ac:chgData name="이 현정" userId="2260549c9764b7a4" providerId="LiveId" clId="{01A99E41-209A-4154-9667-CF2A73BB7372}" dt="2021-01-19T11:17:04.610" v="151" actId="478"/>
+          <ac:spMkLst>
+            <pc:docMk/>
+            <pc:sldMk cId="1043422170" sldId="284"/>
+            <ac:spMk id="21" creationId="{3DD0E30D-E478-4363-8327-B1BA6BC051E0}"/>
+          </ac:spMkLst>
+        </pc:spChg>
+        <pc:spChg chg="add del mod">
+          <ac:chgData name="이 현정" userId="2260549c9764b7a4" providerId="LiveId" clId="{01A99E41-209A-4154-9667-CF2A73BB7372}" dt="2021-01-19T11:58:13.680" v="415" actId="478"/>
+          <ac:spMkLst>
+            <pc:docMk/>
+            <pc:sldMk cId="1043422170" sldId="284"/>
+            <ac:spMk id="22" creationId="{EB640976-23A2-47CE-9781-3F7D30C9DB7D}"/>
+          </ac:spMkLst>
+        </pc:spChg>
+        <pc:spChg chg="add del">
+          <ac:chgData name="이 현정" userId="2260549c9764b7a4" providerId="LiveId" clId="{01A99E41-209A-4154-9667-CF2A73BB7372}" dt="2021-01-19T11:43:45.738" v="317"/>
+          <ac:spMkLst>
+            <pc:docMk/>
+            <pc:sldMk cId="1043422170" sldId="284"/>
+            <ac:spMk id="23" creationId="{838A0976-6C74-44A8-8523-175A38D979A4}"/>
+          </ac:spMkLst>
+        </pc:spChg>
+        <pc:spChg chg="add del mod">
+          <ac:chgData name="이 현정" userId="2260549c9764b7a4" providerId="LiveId" clId="{01A99E41-209A-4154-9667-CF2A73BB7372}" dt="2021-01-19T11:50:19.850" v="355" actId="478"/>
+          <ac:spMkLst>
+            <pc:docMk/>
+            <pc:sldMk cId="1043422170" sldId="284"/>
+            <ac:spMk id="24" creationId="{B822F5B6-7359-4D1E-9194-8F9B79968A85}"/>
+          </ac:spMkLst>
+        </pc:spChg>
+        <pc:spChg chg="add mod">
+          <ac:chgData name="이 현정" userId="2260549c9764b7a4" providerId="LiveId" clId="{01A99E41-209A-4154-9667-CF2A73BB7372}" dt="2021-01-19T12:03:23.765" v="482" actId="1076"/>
+          <ac:spMkLst>
+            <pc:docMk/>
+            <pc:sldMk cId="1043422170" sldId="284"/>
+            <ac:spMk id="26" creationId="{244EDD32-A41F-44A2-829C-81E81DD53183}"/>
+          </ac:spMkLst>
+        </pc:spChg>
+        <pc:spChg chg="add mod">
+          <ac:chgData name="이 현정" userId="2260549c9764b7a4" providerId="LiveId" clId="{01A99E41-209A-4154-9667-CF2A73BB7372}" dt="2021-01-19T12:03:23.765" v="482" actId="1076"/>
+          <ac:spMkLst>
+            <pc:docMk/>
+            <pc:sldMk cId="1043422170" sldId="284"/>
+            <ac:spMk id="27" creationId="{9B6C4DE8-62A8-4DAE-922A-7506B2581CCB}"/>
+          </ac:spMkLst>
+        </pc:spChg>
+        <pc:spChg chg="add del mod">
+          <ac:chgData name="이 현정" userId="2260549c9764b7a4" providerId="LiveId" clId="{01A99E41-209A-4154-9667-CF2A73BB7372}" dt="2021-01-19T11:58:15.173" v="416" actId="478"/>
+          <ac:spMkLst>
+            <pc:docMk/>
+            <pc:sldMk cId="1043422170" sldId="284"/>
+            <ac:spMk id="28" creationId="{C6E27AA6-9DD1-4D03-BD29-28DA167DCBBA}"/>
+          </ac:spMkLst>
+        </pc:spChg>
+        <pc:spChg chg="add del mod">
+          <ac:chgData name="이 현정" userId="2260549c9764b7a4" providerId="LiveId" clId="{01A99E41-209A-4154-9667-CF2A73BB7372}" dt="2021-01-19T12:03:23.765" v="482" actId="1076"/>
+          <ac:spMkLst>
+            <pc:docMk/>
+            <pc:sldMk cId="1043422170" sldId="284"/>
+            <ac:spMk id="29" creationId="{A383AC06-A8C0-4C7C-BA6D-0AACE0EB914F}"/>
+          </ac:spMkLst>
+        </pc:spChg>
+        <pc:spChg chg="add mod">
+          <ac:chgData name="이 현정" userId="2260549c9764b7a4" providerId="LiveId" clId="{01A99E41-209A-4154-9667-CF2A73BB7372}" dt="2021-01-19T12:03:23.765" v="482" actId="1076"/>
+          <ac:spMkLst>
+            <pc:docMk/>
+            <pc:sldMk cId="1043422170" sldId="284"/>
+            <ac:spMk id="30" creationId="{ADF02965-C601-4643-959E-0852D23DE01D}"/>
+          </ac:spMkLst>
+        </pc:spChg>
+        <pc:spChg chg="add mod">
+          <ac:chgData name="이 현정" userId="2260549c9764b7a4" providerId="LiveId" clId="{01A99E41-209A-4154-9667-CF2A73BB7372}" dt="2021-01-19T12:03:23.765" v="482" actId="1076"/>
+          <ac:spMkLst>
+            <pc:docMk/>
+            <pc:sldMk cId="1043422170" sldId="284"/>
+            <ac:spMk id="31" creationId="{3A1B2F2A-242B-46EF-993F-9ABE4FC1ABD8}"/>
+          </ac:spMkLst>
+        </pc:spChg>
+        <pc:spChg chg="add del mod">
+          <ac:chgData name="이 현정" userId="2260549c9764b7a4" providerId="LiveId" clId="{01A99E41-209A-4154-9667-CF2A73BB7372}" dt="2021-01-19T11:58:26.526" v="421"/>
+          <ac:spMkLst>
+            <pc:docMk/>
+            <pc:sldMk cId="1043422170" sldId="284"/>
+            <ac:spMk id="32" creationId="{4835A07F-9831-4E3E-B3F8-4101CC34DA56}"/>
+          </ac:spMkLst>
+        </pc:spChg>
+        <pc:spChg chg="add del">
+          <ac:chgData name="이 현정" userId="2260549c9764b7a4" providerId="LiveId" clId="{01A99E41-209A-4154-9667-CF2A73BB7372}" dt="2021-01-19T11:58:28.046" v="423"/>
+          <ac:spMkLst>
+            <pc:docMk/>
+            <pc:sldMk cId="1043422170" sldId="284"/>
+            <ac:spMk id="33" creationId="{878D799B-A0A9-447D-B2AC-45472520C336}"/>
+          </ac:spMkLst>
+        </pc:spChg>
+        <pc:spChg chg="add mod">
+          <ac:chgData name="이 현정" userId="2260549c9764b7a4" providerId="LiveId" clId="{01A99E41-209A-4154-9667-CF2A73BB7372}" dt="2021-01-19T12:03:23.765" v="482" actId="1076"/>
+          <ac:spMkLst>
+            <pc:docMk/>
+            <pc:sldMk cId="1043422170" sldId="284"/>
+            <ac:spMk id="34" creationId="{9AD7F53E-4684-4A50-AFA4-4B30C8974057}"/>
+          </ac:spMkLst>
+        </pc:spChg>
+        <pc:spChg chg="add del mod">
+          <ac:chgData name="이 현정" userId="2260549c9764b7a4" providerId="LiveId" clId="{01A99E41-209A-4154-9667-CF2A73BB7372}" dt="2021-01-19T12:05:55.866" v="547" actId="478"/>
+          <ac:spMkLst>
+            <pc:docMk/>
+            <pc:sldMk cId="1043422170" sldId="284"/>
+            <ac:spMk id="35" creationId="{D156AEEA-3B87-4703-816C-8D811451697E}"/>
+          </ac:spMkLst>
+        </pc:spChg>
+        <pc:spChg chg="add del">
+          <ac:chgData name="이 현정" userId="2260549c9764b7a4" providerId="LiveId" clId="{01A99E41-209A-4154-9667-CF2A73BB7372}" dt="2021-01-19T12:07:02.496" v="574"/>
+          <ac:spMkLst>
+            <pc:docMk/>
+            <pc:sldMk cId="1043422170" sldId="284"/>
+            <ac:spMk id="36" creationId="{EA88B764-1177-46BE-8CAD-D4039097995E}"/>
+          </ac:spMkLst>
+        </pc:spChg>
+        <pc:grpChg chg="del mod">
+          <ac:chgData name="이 현정" userId="2260549c9764b7a4" providerId="LiveId" clId="{01A99E41-209A-4154-9667-CF2A73BB7372}" dt="2021-01-19T11:41:22.633" v="223" actId="478"/>
+          <ac:grpSpMkLst>
+            <pc:docMk/>
+            <pc:sldMk cId="1043422170" sldId="284"/>
+            <ac:grpSpMk id="4" creationId="{4D43C133-95F5-40D6-B675-276741D9AEE2}"/>
+          </ac:grpSpMkLst>
+        </pc:grpChg>
+        <pc:graphicFrameChg chg="mod modGraphic">
+          <ac:chgData name="이 현정" userId="2260549c9764b7a4" providerId="LiveId" clId="{01A99E41-209A-4154-9667-CF2A73BB7372}" dt="2021-01-19T12:14:29.841" v="676"/>
+          <ac:graphicFrameMkLst>
+            <pc:docMk/>
+            <pc:sldMk cId="1043422170" sldId="284"/>
+            <ac:graphicFrameMk id="16" creationId="{ECDB2BEE-C0F1-4A08-9319-B04CD99E5C60}"/>
+          </ac:graphicFrameMkLst>
+        </pc:graphicFrameChg>
+        <pc:graphicFrameChg chg="add del">
+          <ac:chgData name="이 현정" userId="2260549c9764b7a4" providerId="LiveId" clId="{01A99E41-209A-4154-9667-CF2A73BB7372}" dt="2021-01-19T11:10:18.041" v="12"/>
+          <ac:graphicFrameMkLst>
+            <pc:docMk/>
+            <pc:sldMk cId="1043422170" sldId="284"/>
+            <ac:graphicFrameMk id="19" creationId="{0A1AA254-A473-40D8-8C5C-D6A2DB064E5F}"/>
+          </ac:graphicFrameMkLst>
+        </pc:graphicFrameChg>
+        <pc:graphicFrameChg chg="add mod modGraphic">
+          <ac:chgData name="이 현정" userId="2260549c9764b7a4" providerId="LiveId" clId="{01A99E41-209A-4154-9667-CF2A73BB7372}" dt="2021-01-19T12:14:14.601" v="671" actId="14734"/>
+          <ac:graphicFrameMkLst>
+            <pc:docMk/>
+            <pc:sldMk cId="1043422170" sldId="284"/>
+            <ac:graphicFrameMk id="25" creationId="{4EB1E6E1-26DD-4593-A8B5-AF886CA5E8CC}"/>
+          </ac:graphicFrameMkLst>
+        </pc:graphicFrameChg>
+      </pc:sldChg>
+      <pc:sldChg chg="addSp delSp modSp add del mod">
+        <pc:chgData name="이 현정" userId="2260549c9764b7a4" providerId="LiveId" clId="{01A99E41-209A-4154-9667-CF2A73BB7372}" dt="2021-01-19T12:10:09.103" v="668" actId="47"/>
+        <pc:sldMkLst>
+          <pc:docMk/>
+          <pc:sldMk cId="2787528715" sldId="285"/>
+        </pc:sldMkLst>
+        <pc:spChg chg="add mod">
+          <ac:chgData name="이 현정" userId="2260549c9764b7a4" providerId="LiveId" clId="{01A99E41-209A-4154-9667-CF2A73BB7372}" dt="2021-01-19T12:09:37.309" v="666"/>
+          <ac:spMkLst>
+            <pc:docMk/>
+            <pc:sldMk cId="2787528715" sldId="285"/>
+            <ac:spMk id="2" creationId="{D00798A0-824D-4788-B3B0-6AD28A88E7A2}"/>
+          </ac:spMkLst>
+        </pc:spChg>
+        <pc:spChg chg="add mod">
+          <ac:chgData name="이 현정" userId="2260549c9764b7a4" providerId="LiveId" clId="{01A99E41-209A-4154-9667-CF2A73BB7372}" dt="2021-01-19T12:08:59.954" v="625" actId="164"/>
+          <ac:spMkLst>
+            <pc:docMk/>
+            <pc:sldMk cId="2787528715" sldId="285"/>
+            <ac:spMk id="3" creationId="{132EE415-612D-4BCA-B344-DFB64E326614}"/>
+          </ac:spMkLst>
+        </pc:spChg>
+        <pc:spChg chg="add del">
+          <ac:chgData name="이 현정" userId="2260549c9764b7a4" providerId="LiveId" clId="{01A99E41-209A-4154-9667-CF2A73BB7372}" dt="2021-01-19T12:08:24.402" v="616"/>
+          <ac:spMkLst>
+            <pc:docMk/>
+            <pc:sldMk cId="2787528715" sldId="285"/>
+            <ac:spMk id="22" creationId="{D6321E11-1325-406A-B405-67D276E380A3}"/>
+          </ac:spMkLst>
+        </pc:spChg>
+        <pc:spChg chg="add del">
+          <ac:chgData name="이 현정" userId="2260549c9764b7a4" providerId="LiveId" clId="{01A99E41-209A-4154-9667-CF2A73BB7372}" dt="2021-01-19T12:08:24.003" v="615"/>
+          <ac:spMkLst>
+            <pc:docMk/>
+            <pc:sldMk cId="2787528715" sldId="285"/>
+            <ac:spMk id="24" creationId="{548A3404-D5A8-4D23-AB70-EBA18CD47788}"/>
+          </ac:spMkLst>
+        </pc:spChg>
+        <pc:spChg chg="del">
+          <ac:chgData name="이 현정" userId="2260549c9764b7a4" providerId="LiveId" clId="{01A99E41-209A-4154-9667-CF2A73BB7372}" dt="2021-01-19T12:07:10.492" v="576" actId="478"/>
+          <ac:spMkLst>
+            <pc:docMk/>
+            <pc:sldMk cId="2787528715" sldId="285"/>
+            <ac:spMk id="26" creationId="{244EDD32-A41F-44A2-829C-81E81DD53183}"/>
+          </ac:spMkLst>
+        </pc:spChg>
+        <pc:spChg chg="mod">
+          <ac:chgData name="이 현정" userId="2260549c9764b7a4" providerId="LiveId" clId="{01A99E41-209A-4154-9667-CF2A73BB7372}" dt="2021-01-19T12:09:33.978" v="657" actId="1076"/>
+          <ac:spMkLst>
+            <pc:docMk/>
+            <pc:sldMk cId="2787528715" sldId="285"/>
+            <ac:spMk id="30" creationId="{ADF02965-C601-4643-959E-0852D23DE01D}"/>
+          </ac:spMkLst>
+        </pc:spChg>
+        <pc:spChg chg="add del">
+          <ac:chgData name="이 현정" userId="2260549c9764b7a4" providerId="LiveId" clId="{01A99E41-209A-4154-9667-CF2A73BB7372}" dt="2021-01-19T12:08:23.832" v="614"/>
+          <ac:spMkLst>
+            <pc:docMk/>
+            <pc:sldMk cId="2787528715" sldId="285"/>
+            <ac:spMk id="32" creationId="{56DFFD33-113C-4BCA-8AB2-7C28CE160C21}"/>
+          </ac:spMkLst>
+        </pc:spChg>
+        <pc:spChg chg="mod">
+          <ac:chgData name="이 현정" userId="2260549c9764b7a4" providerId="LiveId" clId="{01A99E41-209A-4154-9667-CF2A73BB7372}" dt="2021-01-19T12:09:09.877" v="635"/>
+          <ac:spMkLst>
+            <pc:docMk/>
+            <pc:sldMk cId="2787528715" sldId="285"/>
+            <ac:spMk id="38" creationId="{E67730B7-6931-4D28-BD1D-9EA90B94C815}"/>
+          </ac:spMkLst>
+        </pc:spChg>
+        <pc:spChg chg="mod">
+          <ac:chgData name="이 현정" userId="2260549c9764b7a4" providerId="LiveId" clId="{01A99E41-209A-4154-9667-CF2A73BB7372}" dt="2021-01-19T12:09:22.363" v="645"/>
+          <ac:spMkLst>
+            <pc:docMk/>
+            <pc:sldMk cId="2787528715" sldId="285"/>
+            <ac:spMk id="41" creationId="{588B5F2C-8CF4-445F-85CF-60544ED040BD}"/>
+          </ac:spMkLst>
+        </pc:spChg>
+        <pc:spChg chg="mod">
+          <ac:chgData name="이 현정" userId="2260549c9764b7a4" providerId="LiveId" clId="{01A99E41-209A-4154-9667-CF2A73BB7372}" dt="2021-01-19T12:09:31.987" v="656"/>
+          <ac:spMkLst>
+            <pc:docMk/>
+            <pc:sldMk cId="2787528715" sldId="285"/>
+            <ac:spMk id="44" creationId="{22F0FC02-8A93-4918-BE49-706B066C9191}"/>
+          </ac:spMkLst>
+        </pc:spChg>
+        <pc:grpChg chg="add mod">
+          <ac:chgData name="이 현정" userId="2260549c9764b7a4" providerId="LiveId" clId="{01A99E41-209A-4154-9667-CF2A73BB7372}" dt="2021-01-19T12:08:59.954" v="625" actId="164"/>
+          <ac:grpSpMkLst>
+            <pc:docMk/>
+            <pc:sldMk cId="2787528715" sldId="285"/>
+            <ac:grpSpMk id="11" creationId="{DA9AC542-EE99-49F2-9BC1-6E850A096D93}"/>
+          </ac:grpSpMkLst>
+        </pc:grpChg>
+        <pc:grpChg chg="add mod">
+          <ac:chgData name="이 현정" userId="2260549c9764b7a4" providerId="LiveId" clId="{01A99E41-209A-4154-9667-CF2A73BB7372}" dt="2021-01-19T12:09:05.236" v="627" actId="1076"/>
+          <ac:grpSpMkLst>
+            <pc:docMk/>
+            <pc:sldMk cId="2787528715" sldId="285"/>
+            <ac:grpSpMk id="37" creationId="{FF36D2F4-DF0F-4B94-980D-CD2D14ADDEF5}"/>
+          </ac:grpSpMkLst>
+        </pc:grpChg>
+        <pc:grpChg chg="add mod">
+          <ac:chgData name="이 현정" userId="2260549c9764b7a4" providerId="LiveId" clId="{01A99E41-209A-4154-9667-CF2A73BB7372}" dt="2021-01-19T12:09:19.256" v="639" actId="1076"/>
+          <ac:grpSpMkLst>
+            <pc:docMk/>
+            <pc:sldMk cId="2787528715" sldId="285"/>
+            <ac:grpSpMk id="40" creationId="{938901EC-CCC4-46AF-ADFC-C9C38504F27E}"/>
+          </ac:grpSpMkLst>
+        </pc:grpChg>
+        <pc:grpChg chg="add mod">
+          <ac:chgData name="이 현정" userId="2260549c9764b7a4" providerId="LiveId" clId="{01A99E41-209A-4154-9667-CF2A73BB7372}" dt="2021-01-19T12:09:28.676" v="647" actId="1076"/>
+          <ac:grpSpMkLst>
+            <pc:docMk/>
+            <pc:sldMk cId="2787528715" sldId="285"/>
+            <ac:grpSpMk id="43" creationId="{87ED04BB-B6F4-4718-A993-80BB37B22502}"/>
+          </ac:grpSpMkLst>
+        </pc:grpChg>
+        <pc:graphicFrameChg chg="del">
+          <ac:chgData name="이 현정" userId="2260549c9764b7a4" providerId="LiveId" clId="{01A99E41-209A-4154-9667-CF2A73BB7372}" dt="2021-01-19T12:07:10.492" v="576" actId="478"/>
+          <ac:graphicFrameMkLst>
+            <pc:docMk/>
+            <pc:sldMk cId="2787528715" sldId="285"/>
+            <ac:graphicFrameMk id="25" creationId="{4EB1E6E1-26DD-4593-A8B5-AF886CA5E8CC}"/>
+          </ac:graphicFrameMkLst>
+        </pc:graphicFrameChg>
+        <pc:cxnChg chg="add mod">
+          <ac:chgData name="이 현정" userId="2260549c9764b7a4" providerId="LiveId" clId="{01A99E41-209A-4154-9667-CF2A73BB7372}" dt="2021-01-19T12:09:43.416" v="667" actId="13822"/>
+          <ac:cxnSpMkLst>
+            <pc:docMk/>
+            <pc:sldMk cId="2787528715" sldId="285"/>
+            <ac:cxnSpMk id="8" creationId="{F0F867BF-E054-45A0-975D-3FDABD24D30A}"/>
+          </ac:cxnSpMkLst>
+        </pc:cxnChg>
+        <pc:cxnChg chg="add del">
+          <ac:chgData name="이 현정" userId="2260549c9764b7a4" providerId="LiveId" clId="{01A99E41-209A-4154-9667-CF2A73BB7372}" dt="2021-01-19T12:08:24.402" v="616"/>
+          <ac:cxnSpMkLst>
+            <pc:docMk/>
+            <pc:sldMk cId="2787528715" sldId="285"/>
+            <ac:cxnSpMk id="23" creationId="{01314C02-F969-49C6-AC30-80C2C3423450}"/>
+          </ac:cxnSpMkLst>
+        </pc:cxnChg>
+        <pc:cxnChg chg="add del">
+          <ac:chgData name="이 현정" userId="2260549c9764b7a4" providerId="LiveId" clId="{01A99E41-209A-4154-9667-CF2A73BB7372}" dt="2021-01-19T12:08:24.003" v="615"/>
+          <ac:cxnSpMkLst>
+            <pc:docMk/>
+            <pc:sldMk cId="2787528715" sldId="285"/>
+            <ac:cxnSpMk id="28" creationId="{FBE1391B-4CAF-4DC9-8341-4703C7D1099E}"/>
+          </ac:cxnSpMkLst>
+        </pc:cxnChg>
+        <pc:cxnChg chg="add del">
+          <ac:chgData name="이 현정" userId="2260549c9764b7a4" providerId="LiveId" clId="{01A99E41-209A-4154-9667-CF2A73BB7372}" dt="2021-01-19T12:08:23.832" v="614"/>
+          <ac:cxnSpMkLst>
+            <pc:docMk/>
+            <pc:sldMk cId="2787528715" sldId="285"/>
+            <ac:cxnSpMk id="33" creationId="{B0CBFFF7-9538-41D4-A996-A1FBC00CB0D4}"/>
+          </ac:cxnSpMkLst>
+        </pc:cxnChg>
+        <pc:cxnChg chg="add del">
+          <ac:chgData name="이 현정" userId="2260549c9764b7a4" providerId="LiveId" clId="{01A99E41-209A-4154-9667-CF2A73BB7372}" dt="2021-01-19T12:08:26.802" v="618"/>
+          <ac:cxnSpMkLst>
+            <pc:docMk/>
+            <pc:sldMk cId="2787528715" sldId="285"/>
+            <ac:cxnSpMk id="35" creationId="{C19A30CF-7C0D-4272-B356-1A600B5ACC8D}"/>
+          </ac:cxnSpMkLst>
+        </pc:cxnChg>
+        <pc:cxnChg chg="add del">
+          <ac:chgData name="이 현정" userId="2260549c9764b7a4" providerId="LiveId" clId="{01A99E41-209A-4154-9667-CF2A73BB7372}" dt="2021-01-19T12:08:26.802" v="618"/>
+          <ac:cxnSpMkLst>
+            <pc:docMk/>
+            <pc:sldMk cId="2787528715" sldId="285"/>
+            <ac:cxnSpMk id="36" creationId="{521C5A8B-A60F-4642-B02C-9D3F0CE5749C}"/>
+          </ac:cxnSpMkLst>
+        </pc:cxnChg>
+      </pc:sldChg>
+      <pc:sldChg chg="add del">
+        <pc:chgData name="이 현정" userId="2260549c9764b7a4" providerId="LiveId" clId="{01A99E41-209A-4154-9667-CF2A73BB7372}" dt="2021-01-19T11:11:37.667" v="72" actId="47"/>
+        <pc:sldMkLst>
+          <pc:docMk/>
+          <pc:sldMk cId="3125659007" sldId="285"/>
+        </pc:sldMkLst>
+      </pc:sldChg>
+    </pc:docChg>
+  </pc:docChgLst>
+</pc:chgInfo>
 </file>
 
 <file path=ppt/comments/comment1.xml><?xml version="1.0" encoding="utf-8"?>
@@ -301,10 +880,33 @@
       </p:ext>
     </p:extLst>
   </p:cm>
+  <p:cm authorId="1" dt="2021-01-19T21:22:58.699" idx="23">
+    <p:pos x="5037" y="431"/>
+    <p:text>검색 시 없는 동아리는 404 페이지로</p:text>
+    <p:extLst>
+      <p:ext uri="{C676402C-5697-4E1C-873F-D02D1690AC5C}">
+        <p15:threadingInfo xmlns:p15="http://schemas.microsoft.com/office/powerpoint/2012/main" timeZoneBias="-540"/>
+      </p:ext>
+    </p:extLst>
+  </p:cm>
 </p:cmLst>
 </file>
 
 <file path=ppt/comments/comment10.xml><?xml version="1.0" encoding="utf-8"?>
+<p:cmLst xmlns:a="http://schemas.openxmlformats.org/drawingml/2006/main" xmlns:r="http://schemas.openxmlformats.org/officeDocument/2006/relationships" xmlns:p="http://schemas.openxmlformats.org/presentationml/2006/main">
+  <p:cm authorId="1" dt="2021-01-13T21:08:38.433" idx="9">
+    <p:pos x="4743" y="845"/>
+    <p:text>제목 / 작성자 / 날짜</p:text>
+    <p:extLst>
+      <p:ext uri="{C676402C-5697-4E1C-873F-D02D1690AC5C}">
+        <p15:threadingInfo xmlns:p15="http://schemas.microsoft.com/office/powerpoint/2012/main" timeZoneBias="-540"/>
+      </p:ext>
+    </p:extLst>
+  </p:cm>
+</p:cmLst>
+</file>
+
+<file path=ppt/comments/comment11.xml><?xml version="1.0" encoding="utf-8"?>
 <p:cmLst xmlns:a="http://schemas.openxmlformats.org/drawingml/2006/main" xmlns:r="http://schemas.openxmlformats.org/officeDocument/2006/relationships" xmlns:p="http://schemas.openxmlformats.org/presentationml/2006/main">
   <p:cm authorId="2" dt="2021-01-18T20:45:38.360" idx="16">
     <p:pos x="5644" y="1270"/>
@@ -318,7 +920,7 @@
 </p:cmLst>
 </file>
 
-<file path=ppt/comments/comment11.xml><?xml version="1.0" encoding="utf-8"?>
+<file path=ppt/comments/comment12.xml><?xml version="1.0" encoding="utf-8"?>
 <p:cmLst xmlns:a="http://schemas.openxmlformats.org/drawingml/2006/main" xmlns:r="http://schemas.openxmlformats.org/officeDocument/2006/relationships" xmlns:p="http://schemas.openxmlformats.org/presentationml/2006/main">
   <p:cm authorId="1" dt="2021-01-14T20:59:38.978" idx="10">
     <p:pos x="1818" y="2707"/>
@@ -398,6 +1000,29 @@
 
 <file path=ppt/comments/comment3.xml><?xml version="1.0" encoding="utf-8"?>
 <p:cmLst xmlns:a="http://schemas.openxmlformats.org/drawingml/2006/main" xmlns:r="http://schemas.openxmlformats.org/officeDocument/2006/relationships" xmlns:p="http://schemas.openxmlformats.org/presentationml/2006/main">
+  <p:cm authorId="1" dt="2021-01-19T20:48:14.876" idx="21">
+    <p:pos x="1533" y="1399"/>
+    <p:text>default 값 넣어주기</p:text>
+    <p:extLst>
+      <p:ext uri="{C676402C-5697-4E1C-873F-D02D1690AC5C}">
+        <p15:threadingInfo xmlns:p15="http://schemas.microsoft.com/office/powerpoint/2012/main" timeZoneBias="-540"/>
+      </p:ext>
+    </p:extLst>
+  </p:cm>
+  <p:cm authorId="1" dt="2021-01-19T21:03:31.922" idx="22">
+    <p:pos x="3613" y="4069"/>
+    <p:text>제목, 설명, 링크 필수</p:text>
+    <p:extLst>
+      <p:ext uri="{C676402C-5697-4E1C-873F-D02D1690AC5C}">
+        <p15:threadingInfo xmlns:p15="http://schemas.microsoft.com/office/powerpoint/2012/main" timeZoneBias="-540"/>
+      </p:ext>
+    </p:extLst>
+  </p:cm>
+</p:cmLst>
+</file>
+
+<file path=ppt/comments/comment4.xml><?xml version="1.0" encoding="utf-8"?>
+<p:cmLst xmlns:a="http://schemas.openxmlformats.org/drawingml/2006/main" xmlns:r="http://schemas.openxmlformats.org/officeDocument/2006/relationships" xmlns:p="http://schemas.openxmlformats.org/presentationml/2006/main">
   <p:cm authorId="2" dt="2021-01-12T22:29:39.632" idx="11">
     <p:pos x="5280" y="1401"/>
     <p:text>일정 선택 시 날짜 보이고</p:text>
@@ -451,7 +1076,7 @@
 </p:cmLst>
 </file>
 
-<file path=ppt/comments/comment4.xml><?xml version="1.0" encoding="utf-8"?>
+<file path=ppt/comments/comment5.xml><?xml version="1.0" encoding="utf-8"?>
 <p:cmLst xmlns:a="http://schemas.openxmlformats.org/drawingml/2006/main" xmlns:r="http://schemas.openxmlformats.org/officeDocument/2006/relationships" xmlns:p="http://schemas.openxmlformats.org/presentationml/2006/main">
   <p:cm authorId="1" dt="2021-01-14T21:59:25.188" idx="15">
     <p:pos x="4189" y="472"/>
@@ -476,7 +1101,7 @@
 </p:cmLst>
 </file>
 
-<file path=ppt/comments/comment5.xml><?xml version="1.0" encoding="utf-8"?>
+<file path=ppt/comments/comment6.xml><?xml version="1.0" encoding="utf-8"?>
 <p:cmLst xmlns:a="http://schemas.openxmlformats.org/drawingml/2006/main" xmlns:r="http://schemas.openxmlformats.org/officeDocument/2006/relationships" xmlns:p="http://schemas.openxmlformats.org/presentationml/2006/main">
   <p:cm authorId="1" dt="2021-01-14T22:37:02.068" idx="18">
     <p:pos x="4826" y="1262"/>
@@ -490,7 +1115,7 @@
 </p:cmLst>
 </file>
 
-<file path=ppt/comments/comment6.xml><?xml version="1.0" encoding="utf-8"?>
+<file path=ppt/comments/comment7.xml><?xml version="1.0" encoding="utf-8"?>
 <p:cmLst xmlns:a="http://schemas.openxmlformats.org/drawingml/2006/main" xmlns:r="http://schemas.openxmlformats.org/officeDocument/2006/relationships" xmlns:p="http://schemas.openxmlformats.org/presentationml/2006/main">
   <p:cm authorId="1" dt="2021-01-06T22:55:00.540" idx="5">
     <p:pos x="1962" y="1584"/>
@@ -513,7 +1138,7 @@
 </p:cmLst>
 </file>
 
-<file path=ppt/comments/comment7.xml><?xml version="1.0" encoding="utf-8"?>
+<file path=ppt/comments/comment8.xml><?xml version="1.0" encoding="utf-8"?>
 <p:cmLst xmlns:a="http://schemas.openxmlformats.org/drawingml/2006/main" xmlns:r="http://schemas.openxmlformats.org/officeDocument/2006/relationships" xmlns:p="http://schemas.openxmlformats.org/presentationml/2006/main">
   <p:cm authorId="2" dt="2021-01-04T19:59:58.230" idx="2">
     <p:pos x="4938" y="3100"/>
@@ -554,7 +1179,7 @@
 </p:cmLst>
 </file>
 
-<file path=ppt/comments/comment8.xml><?xml version="1.0" encoding="utf-8"?>
+<file path=ppt/comments/comment9.xml><?xml version="1.0" encoding="utf-8"?>
 <p:cmLst xmlns:a="http://schemas.openxmlformats.org/drawingml/2006/main" xmlns:r="http://schemas.openxmlformats.org/officeDocument/2006/relationships" xmlns:p="http://schemas.openxmlformats.org/presentationml/2006/main">
   <p:cm authorId="2" dt="2021-01-12T21:05:52.544" idx="6">
     <p:pos x="7404" y="538"/>
@@ -568,20 +1193,6 @@
   <p:cm authorId="2" dt="2021-01-12T21:06:48.783" idx="7">
     <p:pos x="3311" y="2652"/>
     <p:text>최신순 limit 5개 목록</p:text>
-    <p:extLst>
-      <p:ext uri="{C676402C-5697-4E1C-873F-D02D1690AC5C}">
-        <p15:threadingInfo xmlns:p15="http://schemas.microsoft.com/office/powerpoint/2012/main" timeZoneBias="-540"/>
-      </p:ext>
-    </p:extLst>
-  </p:cm>
-</p:cmLst>
-</file>
-
-<file path=ppt/comments/comment9.xml><?xml version="1.0" encoding="utf-8"?>
-<p:cmLst xmlns:a="http://schemas.openxmlformats.org/drawingml/2006/main" xmlns:r="http://schemas.openxmlformats.org/officeDocument/2006/relationships" xmlns:p="http://schemas.openxmlformats.org/presentationml/2006/main">
-  <p:cm authorId="1" dt="2021-01-13T21:08:38.433" idx="9">
-    <p:pos x="4743" y="845"/>
-    <p:text>제목 / 작성자 / 날짜</p:text>
     <p:extLst>
       <p:ext uri="{C676402C-5697-4E1C-873F-D02D1690AC5C}">
         <p15:threadingInfo xmlns:p15="http://schemas.microsoft.com/office/powerpoint/2012/main" timeZoneBias="-540"/>
@@ -673,7 +1284,7 @@
           <a:p>
             <a:fld id="{DD946905-D856-463D-A673-F48CB0EB0794}" type="datetimeFigureOut">
               <a:rPr lang="ko-KR" altLang="en-US" smtClean="0"/>
-              <a:t>2021-01-18</a:t>
+              <a:t>2021-01-19</a:t>
             </a:fld>
             <a:endParaRPr lang="ko-KR" altLang="en-US"/>
           </a:p>
@@ -1087,7 +1698,7 @@
           <a:p>
             <a:fld id="{1F8A5F81-C9E2-4636-AA08-E62651847CC4}" type="datetimeFigureOut">
               <a:rPr lang="ko-KR" altLang="en-US" smtClean="0"/>
-              <a:t>2021-01-18</a:t>
+              <a:t>2021-01-19</a:t>
             </a:fld>
             <a:endParaRPr lang="ko-KR" altLang="en-US"/>
           </a:p>
@@ -1285,7 +1896,7 @@
           <a:p>
             <a:fld id="{1F8A5F81-C9E2-4636-AA08-E62651847CC4}" type="datetimeFigureOut">
               <a:rPr lang="ko-KR" altLang="en-US" smtClean="0"/>
-              <a:t>2021-01-18</a:t>
+              <a:t>2021-01-19</a:t>
             </a:fld>
             <a:endParaRPr lang="ko-KR" altLang="en-US"/>
           </a:p>
@@ -1493,7 +2104,7 @@
           <a:p>
             <a:fld id="{1F8A5F81-C9E2-4636-AA08-E62651847CC4}" type="datetimeFigureOut">
               <a:rPr lang="ko-KR" altLang="en-US" smtClean="0"/>
-              <a:t>2021-01-18</a:t>
+              <a:t>2021-01-19</a:t>
             </a:fld>
             <a:endParaRPr lang="ko-KR" altLang="en-US"/>
           </a:p>
@@ -1691,7 +2302,7 @@
           <a:p>
             <a:fld id="{1F8A5F81-C9E2-4636-AA08-E62651847CC4}" type="datetimeFigureOut">
               <a:rPr lang="ko-KR" altLang="en-US" smtClean="0"/>
-              <a:t>2021-01-18</a:t>
+              <a:t>2021-01-19</a:t>
             </a:fld>
             <a:endParaRPr lang="ko-KR" altLang="en-US"/>
           </a:p>
@@ -1966,7 +2577,7 @@
           <a:p>
             <a:fld id="{1F8A5F81-C9E2-4636-AA08-E62651847CC4}" type="datetimeFigureOut">
               <a:rPr lang="ko-KR" altLang="en-US" smtClean="0"/>
-              <a:t>2021-01-18</a:t>
+              <a:t>2021-01-19</a:t>
             </a:fld>
             <a:endParaRPr lang="ko-KR" altLang="en-US"/>
           </a:p>
@@ -2231,7 +2842,7 @@
           <a:p>
             <a:fld id="{1F8A5F81-C9E2-4636-AA08-E62651847CC4}" type="datetimeFigureOut">
               <a:rPr lang="ko-KR" altLang="en-US" smtClean="0"/>
-              <a:t>2021-01-18</a:t>
+              <a:t>2021-01-19</a:t>
             </a:fld>
             <a:endParaRPr lang="ko-KR" altLang="en-US"/>
           </a:p>
@@ -2643,7 +3254,7 @@
           <a:p>
             <a:fld id="{1F8A5F81-C9E2-4636-AA08-E62651847CC4}" type="datetimeFigureOut">
               <a:rPr lang="ko-KR" altLang="en-US" smtClean="0"/>
-              <a:t>2021-01-18</a:t>
+              <a:t>2021-01-19</a:t>
             </a:fld>
             <a:endParaRPr lang="ko-KR" altLang="en-US"/>
           </a:p>
@@ -2784,7 +3395,7 @@
           <a:p>
             <a:fld id="{1F8A5F81-C9E2-4636-AA08-E62651847CC4}" type="datetimeFigureOut">
               <a:rPr lang="ko-KR" altLang="en-US" smtClean="0"/>
-              <a:t>2021-01-18</a:t>
+              <a:t>2021-01-19</a:t>
             </a:fld>
             <a:endParaRPr lang="ko-KR" altLang="en-US"/>
           </a:p>
@@ -2897,7 +3508,7 @@
           <a:p>
             <a:fld id="{1F8A5F81-C9E2-4636-AA08-E62651847CC4}" type="datetimeFigureOut">
               <a:rPr lang="ko-KR" altLang="en-US" smtClean="0"/>
-              <a:t>2021-01-18</a:t>
+              <a:t>2021-01-19</a:t>
             </a:fld>
             <a:endParaRPr lang="ko-KR" altLang="en-US"/>
           </a:p>
@@ -3208,7 +3819,7 @@
           <a:p>
             <a:fld id="{1F8A5F81-C9E2-4636-AA08-E62651847CC4}" type="datetimeFigureOut">
               <a:rPr lang="ko-KR" altLang="en-US" smtClean="0"/>
-              <a:t>2021-01-18</a:t>
+              <a:t>2021-01-19</a:t>
             </a:fld>
             <a:endParaRPr lang="ko-KR" altLang="en-US"/>
           </a:p>
@@ -3496,7 +4107,7 @@
           <a:p>
             <a:fld id="{1F8A5F81-C9E2-4636-AA08-E62651847CC4}" type="datetimeFigureOut">
               <a:rPr lang="ko-KR" altLang="en-US" smtClean="0"/>
-              <a:t>2021-01-18</a:t>
+              <a:t>2021-01-19</a:t>
             </a:fld>
             <a:endParaRPr lang="ko-KR" altLang="en-US"/>
           </a:p>
@@ -3737,7 +4348,7 @@
           <a:p>
             <a:fld id="{1F8A5F81-C9E2-4636-AA08-E62651847CC4}" type="datetimeFigureOut">
               <a:rPr lang="ko-KR" altLang="en-US" smtClean="0"/>
-              <a:t>2021-01-18</a:t>
+              <a:t>2021-01-19</a:t>
             </a:fld>
             <a:endParaRPr lang="ko-KR" altLang="en-US"/>
           </a:p>
@@ -6072,7 +6683,7 @@
             <a:avLst/>
           </a:prstGeom>
           <a:solidFill>
-            <a:srgbClr val="B9B0B3"/>
+            <a:srgbClr val="B8AFB2"/>
           </a:solidFill>
           <a:ln>
             <a:solidFill>
@@ -7862,7 +8473,7 @@
           <p:nvPr>
             <p:extLst>
               <p:ext uri="{D42A27DB-BD31-4B8C-83A1-F6EECF244321}">
-                <p14:modId xmlns:p14="http://schemas.microsoft.com/office/powerpoint/2010/main" val="976046497"/>
+                <p14:modId xmlns:p14="http://schemas.microsoft.com/office/powerpoint/2010/main" val="1998161109"/>
               </p:ext>
             </p:extLst>
           </p:nvPr>
@@ -7966,7 +8577,7 @@
                       <a:pPr algn="ctr" latinLnBrk="1"/>
                       <a:r>
                         <a:rPr lang="ko-KR" altLang="en-US" dirty="0"/>
-                        <a:t>과동아리</a:t>
+                        <a:t>가동아리</a:t>
                       </a:r>
                     </a:p>
                   </a:txBody>
@@ -9089,7 +9700,7 @@
           <p:nvPr>
             <p:extLst>
               <p:ext uri="{D42A27DB-BD31-4B8C-83A1-F6EECF244321}">
-                <p14:modId xmlns:p14="http://schemas.microsoft.com/office/powerpoint/2010/main" val="1989679077"/>
+                <p14:modId xmlns:p14="http://schemas.microsoft.com/office/powerpoint/2010/main" val="3789518602"/>
               </p:ext>
             </p:extLst>
           </p:nvPr>
@@ -9193,8 +9804,13 @@
                       <a:pPr algn="ctr" latinLnBrk="1"/>
                       <a:r>
                         <a:rPr lang="ko-KR" altLang="en-US" dirty="0"/>
-                        <a:t>과동아리</a:t>
+                        <a:t>가</a:t>
                       </a:r>
+                      <a:r>
+                        <a:rPr lang="ko-KR" altLang="en-US"/>
+                        <a:t>동아리</a:t>
+                      </a:r>
+                      <a:endParaRPr lang="ko-KR" altLang="en-US" dirty="0"/>
                     </a:p>
                   </a:txBody>
                   <a:tcPr>
@@ -20367,7 +20983,7 @@
         </p:nvSpPr>
         <p:spPr>
           <a:xfrm>
-            <a:off x="2031998" y="1497296"/>
+            <a:off x="2031998" y="1529225"/>
             <a:ext cx="1353256" cy="461665"/>
           </a:xfrm>
           <a:prstGeom prst="rect">
@@ -20480,6 +21096,41 @@
             <a:r>
               <a:rPr lang="ko-KR" altLang="en-US" dirty="0"/>
               <a:t>탈퇴</a:t>
+            </a:r>
+          </a:p>
+        </p:txBody>
+      </p:sp>
+      <p:sp>
+        <p:nvSpPr>
+          <p:cNvPr id="4" name="TextBox 3">
+            <a:extLst>
+              <a:ext uri="{FF2B5EF4-FFF2-40B4-BE49-F238E27FC236}">
+                <a16:creationId xmlns:a16="http://schemas.microsoft.com/office/drawing/2014/main" id="{E2C00E24-BDD4-4305-AD6A-123C43ADE2B7}"/>
+              </a:ext>
+            </a:extLst>
+          </p:cNvPr>
+          <p:cNvSpPr txBox="1"/>
+          <p:nvPr/>
+        </p:nvSpPr>
+        <p:spPr>
+          <a:xfrm>
+            <a:off x="9497627" y="1656303"/>
+            <a:ext cx="646331" cy="369332"/>
+          </a:xfrm>
+          <a:prstGeom prst="rect">
+            <a:avLst/>
+          </a:prstGeom>
+          <a:noFill/>
+        </p:spPr>
+        <p:txBody>
+          <a:bodyPr wrap="none" rtlCol="0">
+            <a:spAutoFit/>
+          </a:bodyPr>
+          <a:lstStyle/>
+          <a:p>
+            <a:r>
+              <a:rPr lang="ko-KR" altLang="en-US" u="sng" dirty="0"/>
+              <a:t>추가</a:t>
             </a:r>
           </a:p>
         </p:txBody>
@@ -25576,143 +26227,6 @@
           <a:chExt cx="0" cy="0"/>
         </a:xfrm>
       </p:grpSpPr>
-      <p:grpSp>
-        <p:nvGrpSpPr>
-          <p:cNvPr id="4" name="그룹 3">
-            <a:extLst>
-              <a:ext uri="{FF2B5EF4-FFF2-40B4-BE49-F238E27FC236}">
-                <a16:creationId xmlns:a16="http://schemas.microsoft.com/office/drawing/2014/main" id="{4D43C133-95F5-40D6-B675-276741D9AEE2}"/>
-              </a:ext>
-            </a:extLst>
-          </p:cNvPr>
-          <p:cNvGrpSpPr/>
-          <p:nvPr/>
-        </p:nvGrpSpPr>
-        <p:grpSpPr>
-          <a:xfrm>
-            <a:off x="0" y="1598556"/>
-            <a:ext cx="12192000" cy="2612698"/>
-            <a:chOff x="0" y="1497685"/>
-            <a:chExt cx="12192000" cy="2612698"/>
-          </a:xfrm>
-        </p:grpSpPr>
-        <p:sp>
-          <p:nvSpPr>
-            <p:cNvPr id="8" name="직사각형 7">
-              <a:extLst>
-                <a:ext uri="{FF2B5EF4-FFF2-40B4-BE49-F238E27FC236}">
-                  <a16:creationId xmlns:a16="http://schemas.microsoft.com/office/drawing/2014/main" id="{65034AF3-88CD-4888-9345-9AFD1B3B402F}"/>
-                </a:ext>
-              </a:extLst>
-            </p:cNvPr>
-            <p:cNvSpPr/>
-            <p:nvPr/>
-          </p:nvSpPr>
-          <p:spPr>
-            <a:xfrm>
-              <a:off x="0" y="1497685"/>
-              <a:ext cx="12192000" cy="2603369"/>
-            </a:xfrm>
-            <a:prstGeom prst="rect">
-              <a:avLst/>
-            </a:prstGeom>
-            <a:solidFill>
-              <a:schemeClr val="accent5">
-                <a:lumMod val="60000"/>
-                <a:lumOff val="40000"/>
-              </a:schemeClr>
-            </a:solidFill>
-            <a:ln>
-              <a:solidFill>
-                <a:schemeClr val="accent1">
-                  <a:shade val="50000"/>
-                </a:schemeClr>
-              </a:solidFill>
-            </a:ln>
-          </p:spPr>
-          <p:style>
-            <a:lnRef idx="2">
-              <a:schemeClr val="accent1">
-                <a:shade val="50000"/>
-              </a:schemeClr>
-            </a:lnRef>
-            <a:fillRef idx="1">
-              <a:schemeClr val="accent1"/>
-            </a:fillRef>
-            <a:effectRef idx="0">
-              <a:schemeClr val="accent1"/>
-            </a:effectRef>
-            <a:fontRef idx="minor">
-              <a:schemeClr val="lt1"/>
-            </a:fontRef>
-          </p:style>
-          <p:txBody>
-            <a:bodyPr rtlCol="0" anchor="ctr"/>
-            <a:lstStyle/>
-            <a:p>
-              <a:pPr algn="ctr"/>
-              <a:endParaRPr lang="en-US" altLang="ko-KR" dirty="0"/>
-            </a:p>
-          </p:txBody>
-        </p:sp>
-        <p:sp>
-          <p:nvSpPr>
-            <p:cNvPr id="3" name="직사각형 2">
-              <a:extLst>
-                <a:ext uri="{FF2B5EF4-FFF2-40B4-BE49-F238E27FC236}">
-                  <a16:creationId xmlns:a16="http://schemas.microsoft.com/office/drawing/2014/main" id="{7B88E93A-757D-4A29-8839-43EDC7248301}"/>
-                </a:ext>
-              </a:extLst>
-            </p:cNvPr>
-            <p:cNvSpPr/>
-            <p:nvPr/>
-          </p:nvSpPr>
-          <p:spPr>
-            <a:xfrm>
-              <a:off x="0" y="1515892"/>
-              <a:ext cx="12192000" cy="2594491"/>
-            </a:xfrm>
-            <a:prstGeom prst="rect">
-              <a:avLst/>
-            </a:prstGeom>
-            <a:solidFill>
-              <a:schemeClr val="dk1">
-                <a:alpha val="30000"/>
-              </a:schemeClr>
-            </a:solidFill>
-            <a:ln>
-              <a:noFill/>
-            </a:ln>
-          </p:spPr>
-          <p:style>
-            <a:lnRef idx="2">
-              <a:schemeClr val="dk1">
-                <a:shade val="50000"/>
-              </a:schemeClr>
-            </a:lnRef>
-            <a:fillRef idx="1">
-              <a:schemeClr val="dk1"/>
-            </a:fillRef>
-            <a:effectRef idx="0">
-              <a:schemeClr val="dk1"/>
-            </a:effectRef>
-            <a:fontRef idx="minor">
-              <a:schemeClr val="lt1"/>
-            </a:fontRef>
-          </p:style>
-          <p:txBody>
-            <a:bodyPr rtlCol="0" anchor="ctr"/>
-            <a:lstStyle/>
-            <a:p>
-              <a:pPr algn="ctr"/>
-              <a:r>
-                <a:rPr lang="ko-KR" altLang="en-US" dirty="0"/>
-                <a:t>이미지 추가</a:t>
-              </a:r>
-            </a:p>
-          </p:txBody>
-        </p:sp>
-      </p:grpSp>
       <p:cxnSp>
         <p:nvCxnSpPr>
           <p:cNvPr id="5" name="직선 연결선 4">
@@ -25850,8 +26364,8 @@
         </p:nvSpPr>
         <p:spPr>
           <a:xfrm>
-            <a:off x="4911486" y="948596"/>
-            <a:ext cx="2369025" cy="523220"/>
+            <a:off x="5135445" y="963102"/>
+            <a:ext cx="1921106" cy="523220"/>
           </a:xfrm>
           <a:prstGeom prst="rect">
             <a:avLst/>
@@ -25951,8 +26465,8 @@
         </p:nvSpPr>
         <p:spPr>
           <a:xfrm>
-            <a:off x="2031998" y="4489843"/>
-            <a:ext cx="1696298" cy="461665"/>
+            <a:off x="1366020" y="1486322"/>
+            <a:ext cx="1858201" cy="461665"/>
           </a:xfrm>
           <a:prstGeom prst="rect">
             <a:avLst/>
@@ -25970,8 +26484,19 @@
                 <a:latin typeface="10X10 Bold" panose="020D0604000000000000" pitchFamily="50" charset="-127"/>
                 <a:ea typeface="10X10 Bold" panose="020D0604000000000000" pitchFamily="50" charset="-127"/>
               </a:rPr>
-              <a:t>이벤트 정보</a:t>
+              <a:t>이벤트 정보 </a:t>
             </a:r>
+            <a:r>
+              <a:rPr lang="en-US" altLang="ko-KR" sz="2400" b="1" dirty="0">
+                <a:latin typeface="10X10 Bold" panose="020D0604000000000000" pitchFamily="50" charset="-127"/>
+                <a:ea typeface="10X10 Bold" panose="020D0604000000000000" pitchFamily="50" charset="-127"/>
+              </a:rPr>
+              <a:t>1</a:t>
+            </a:r>
+            <a:endParaRPr lang="ko-KR" altLang="en-US" sz="2400" b="1" dirty="0">
+              <a:latin typeface="10X10 Bold" panose="020D0604000000000000" pitchFamily="50" charset="-127"/>
+              <a:ea typeface="10X10 Bold" panose="020D0604000000000000" pitchFamily="50" charset="-127"/>
+            </a:endParaRPr>
           </a:p>
         </p:txBody>
       </p:sp>
@@ -25990,14 +26515,14 @@
           <p:nvPr>
             <p:extLst>
               <p:ext uri="{D42A27DB-BD31-4B8C-83A1-F6EECF244321}">
-                <p14:modId xmlns:p14="http://schemas.microsoft.com/office/powerpoint/2010/main" val="764385369"/>
+                <p14:modId xmlns:p14="http://schemas.microsoft.com/office/powerpoint/2010/main" val="2433170572"/>
               </p:ext>
             </p:extLst>
           </p:nvPr>
         </p:nvGraphicFramePr>
         <p:xfrm>
-          <a:off x="2052316" y="4974857"/>
-          <a:ext cx="8128000" cy="1112520"/>
+          <a:off x="1366021" y="2072844"/>
+          <a:ext cx="9754862" cy="1483360"/>
         </p:xfrm>
         <a:graphic>
           <a:graphicData uri="http://schemas.openxmlformats.org/drawingml/2006/table">
@@ -26006,14 +26531,21 @@
                 <a:tableStyleId>{5C22544A-7EE6-4342-B048-85BDC9FD1C3A}</a:tableStyleId>
               </a:tblPr>
               <a:tblGrid>
-                <a:gridCol w="1703355">
+                <a:gridCol w="1690102">
+                  <a:extLst>
+                    <a:ext uri="{9D8B030D-6E8A-4147-A177-3AD203B41FA5}">
+                      <a16:colId xmlns:a16="http://schemas.microsoft.com/office/drawing/2014/main" val="184228287"/>
+                    </a:ext>
+                  </a:extLst>
+                </a:gridCol>
+                <a:gridCol w="1690102">
                   <a:extLst>
                     <a:ext uri="{9D8B030D-6E8A-4147-A177-3AD203B41FA5}">
                       <a16:colId xmlns:a16="http://schemas.microsoft.com/office/drawing/2014/main" val="4195413251"/>
                     </a:ext>
                   </a:extLst>
                 </a:gridCol>
-                <a:gridCol w="6424645">
+                <a:gridCol w="6374658">
                   <a:extLst>
                     <a:ext uri="{9D8B030D-6E8A-4147-A177-3AD203B41FA5}">
                       <a16:colId xmlns:a16="http://schemas.microsoft.com/office/drawing/2014/main" val="3816258382"/>
@@ -26022,6 +26554,85 @@
                 </a:gridCol>
               </a:tblGrid>
               <a:tr h="370840">
+                <a:tc rowSpan="4">
+                  <a:txBody>
+                    <a:bodyPr/>
+                    <a:lstStyle/>
+                    <a:p>
+                      <a:pPr algn="ctr" latinLnBrk="1"/>
+                      <a:endParaRPr lang="en-US" altLang="ko-KR" b="0" dirty="0">
+                        <a:solidFill>
+                          <a:schemeClr val="tx1"/>
+                        </a:solidFill>
+                      </a:endParaRPr>
+                    </a:p>
+                    <a:p>
+                      <a:pPr algn="ctr" latinLnBrk="1"/>
+                      <a:endParaRPr lang="en-US" altLang="ko-KR" b="0" dirty="0">
+                        <a:solidFill>
+                          <a:schemeClr val="tx1"/>
+                        </a:solidFill>
+                      </a:endParaRPr>
+                    </a:p>
+                    <a:p>
+                      <a:pPr algn="ctr" latinLnBrk="1"/>
+                      <a:r>
+                        <a:rPr lang="ko-KR" altLang="en-US" b="0" dirty="0">
+                          <a:solidFill>
+                            <a:schemeClr val="tx1"/>
+                          </a:solidFill>
+                        </a:rPr>
+                        <a:t>이미지</a:t>
+                      </a:r>
+                      <a:endParaRPr lang="en-US" altLang="ko-KR" b="0" dirty="0">
+                        <a:solidFill>
+                          <a:schemeClr val="tx1"/>
+                        </a:solidFill>
+                      </a:endParaRPr>
+                    </a:p>
+                  </a:txBody>
+                  <a:tcPr>
+                    <a:lnL w="12700" cap="flat" cmpd="sng" algn="ctr">
+                      <a:solidFill>
+                        <a:schemeClr val="tx1"/>
+                      </a:solidFill>
+                      <a:prstDash val="solid"/>
+                      <a:round/>
+                      <a:headEnd type="none" w="med" len="med"/>
+                      <a:tailEnd type="none" w="med" len="med"/>
+                    </a:lnL>
+                    <a:lnR w="12700" cap="flat" cmpd="sng" algn="ctr">
+                      <a:solidFill>
+                        <a:schemeClr val="tx1"/>
+                      </a:solidFill>
+                      <a:prstDash val="solid"/>
+                      <a:round/>
+                      <a:headEnd type="none" w="med" len="med"/>
+                      <a:tailEnd type="none" w="med" len="med"/>
+                    </a:lnR>
+                    <a:lnT w="12700" cap="flat" cmpd="sng" algn="ctr">
+                      <a:solidFill>
+                        <a:schemeClr val="tx1"/>
+                      </a:solidFill>
+                      <a:prstDash val="solid"/>
+                      <a:round/>
+                      <a:headEnd type="none" w="med" len="med"/>
+                      <a:tailEnd type="none" w="med" len="med"/>
+                    </a:lnT>
+                    <a:lnB w="12700" cap="flat" cmpd="sng" algn="ctr">
+                      <a:solidFill>
+                        <a:schemeClr val="tx1"/>
+                      </a:solidFill>
+                      <a:prstDash val="solid"/>
+                      <a:round/>
+                      <a:headEnd type="none" w="med" len="med"/>
+                      <a:tailEnd type="none" w="med" len="med"/>
+                    </a:lnB>
+                    <a:solidFill>
+                      <a:schemeClr val="bg1"/>
+                    </a:solidFill>
+                  </a:tcPr>
+                </a:tc>
                 <a:tc>
                   <a:txBody>
                     <a:bodyPr/>
@@ -26034,8 +26645,21 @@
                             <a:schemeClr val="tx1"/>
                           </a:solidFill>
                         </a:rPr>
-                        <a:t>이벤트 제목</a:t>
+                        <a:t>이벤트 제목 </a:t>
                       </a:r>
+                      <a:r>
+                        <a:rPr lang="en-US" altLang="ko-KR" b="0" dirty="0">
+                          <a:solidFill>
+                            <a:srgbClr val="FF0000"/>
+                          </a:solidFill>
+                        </a:rPr>
+                        <a:t>*</a:t>
+                      </a:r>
+                      <a:endParaRPr lang="ko-KR" altLang="en-US" b="0" dirty="0">
+                        <a:solidFill>
+                          <a:schemeClr val="tx1"/>
+                        </a:solidFill>
+                      </a:endParaRPr>
                     </a:p>
                   </a:txBody>
                   <a:tcPr>
@@ -26166,6 +26790,61 @@
                 </a:extLst>
               </a:tr>
               <a:tr h="370840">
+                <a:tc vMerge="1">
+                  <a:txBody>
+                    <a:bodyPr/>
+                    <a:lstStyle/>
+                    <a:p>
+                      <a:pPr latinLnBrk="1"/>
+                      <a:endParaRPr lang="ko-KR" altLang="en-US" b="0" dirty="0">
+                        <a:solidFill>
+                          <a:schemeClr val="tx1"/>
+                        </a:solidFill>
+                      </a:endParaRPr>
+                    </a:p>
+                  </a:txBody>
+                  <a:tcPr>
+                    <a:lnL w="12700" cap="flat" cmpd="sng" algn="ctr">
+                      <a:solidFill>
+                        <a:schemeClr val="tx1"/>
+                      </a:solidFill>
+                      <a:prstDash val="solid"/>
+                      <a:round/>
+                      <a:headEnd type="none" w="med" len="med"/>
+                      <a:tailEnd type="none" w="med" len="med"/>
+                    </a:lnL>
+                    <a:lnR w="12700" cap="flat" cmpd="sng" algn="ctr">
+                      <a:solidFill>
+                        <a:schemeClr val="tx1"/>
+                      </a:solidFill>
+                      <a:prstDash val="solid"/>
+                      <a:round/>
+                      <a:headEnd type="none" w="med" len="med"/>
+                      <a:tailEnd type="none" w="med" len="med"/>
+                    </a:lnR>
+                    <a:lnT w="12700" cap="flat" cmpd="sng" algn="ctr">
+                      <a:solidFill>
+                        <a:schemeClr val="tx1"/>
+                      </a:solidFill>
+                      <a:prstDash val="solid"/>
+                      <a:round/>
+                      <a:headEnd type="none" w="med" len="med"/>
+                      <a:tailEnd type="none" w="med" len="med"/>
+                    </a:lnT>
+                    <a:lnB w="12700" cap="flat" cmpd="sng" algn="ctr">
+                      <a:solidFill>
+                        <a:schemeClr val="tx1"/>
+                      </a:solidFill>
+                      <a:prstDash val="solid"/>
+                      <a:round/>
+                      <a:headEnd type="none" w="med" len="med"/>
+                      <a:tailEnd type="none" w="med" len="med"/>
+                    </a:lnB>
+                    <a:solidFill>
+                      <a:schemeClr val="bg1"/>
+                    </a:solidFill>
+                  </a:tcPr>
+                </a:tc>
                 <a:tc>
                   <a:txBody>
                     <a:bodyPr/>
@@ -26178,8 +26857,21 @@
                             <a:schemeClr val="tx1"/>
                           </a:solidFill>
                         </a:rPr>
-                        <a:t>이벤트 설명</a:t>
+                        <a:t>이벤트 설명 </a:t>
                       </a:r>
+                      <a:r>
+                        <a:rPr lang="en-US" altLang="ko-KR" b="0" dirty="0">
+                          <a:solidFill>
+                            <a:srgbClr val="FF0000"/>
+                          </a:solidFill>
+                        </a:rPr>
+                        <a:t>*</a:t>
+                      </a:r>
+                      <a:endParaRPr lang="ko-KR" altLang="en-US" b="0" dirty="0">
+                        <a:solidFill>
+                          <a:schemeClr val="tx1"/>
+                        </a:solidFill>
+                      </a:endParaRPr>
                     </a:p>
                   </a:txBody>
                   <a:tcPr>
@@ -26345,6 +27037,61 @@
                 </a:extLst>
               </a:tr>
               <a:tr h="370840">
+                <a:tc vMerge="1">
+                  <a:txBody>
+                    <a:bodyPr/>
+                    <a:lstStyle/>
+                    <a:p>
+                      <a:pPr latinLnBrk="1"/>
+                      <a:endParaRPr lang="ko-KR" altLang="en-US" b="0" dirty="0">
+                        <a:solidFill>
+                          <a:schemeClr val="tx1"/>
+                        </a:solidFill>
+                      </a:endParaRPr>
+                    </a:p>
+                  </a:txBody>
+                  <a:tcPr>
+                    <a:lnL w="12700" cap="flat" cmpd="sng" algn="ctr">
+                      <a:solidFill>
+                        <a:schemeClr val="tx1"/>
+                      </a:solidFill>
+                      <a:prstDash val="solid"/>
+                      <a:round/>
+                      <a:headEnd type="none" w="med" len="med"/>
+                      <a:tailEnd type="none" w="med" len="med"/>
+                    </a:lnL>
+                    <a:lnR w="12700" cap="flat" cmpd="sng" algn="ctr">
+                      <a:solidFill>
+                        <a:schemeClr val="tx1"/>
+                      </a:solidFill>
+                      <a:prstDash val="solid"/>
+                      <a:round/>
+                      <a:headEnd type="none" w="med" len="med"/>
+                      <a:tailEnd type="none" w="med" len="med"/>
+                    </a:lnR>
+                    <a:lnT w="12700" cap="flat" cmpd="sng" algn="ctr">
+                      <a:solidFill>
+                        <a:schemeClr val="tx1"/>
+                      </a:solidFill>
+                      <a:prstDash val="solid"/>
+                      <a:round/>
+                      <a:headEnd type="none" w="med" len="med"/>
+                      <a:tailEnd type="none" w="med" len="med"/>
+                    </a:lnT>
+                    <a:lnB w="12700" cap="flat" cmpd="sng" algn="ctr">
+                      <a:solidFill>
+                        <a:schemeClr val="tx1"/>
+                      </a:solidFill>
+                      <a:prstDash val="solid"/>
+                      <a:round/>
+                      <a:headEnd type="none" w="med" len="med"/>
+                      <a:tailEnd type="none" w="med" len="med"/>
+                    </a:lnB>
+                    <a:solidFill>
+                      <a:schemeClr val="bg1"/>
+                    </a:solidFill>
+                  </a:tcPr>
+                </a:tc>
                 <a:tc>
                   <a:txBody>
                     <a:bodyPr/>
@@ -26357,8 +27104,21 @@
                             <a:schemeClr val="tx1"/>
                           </a:solidFill>
                         </a:rPr>
-                        <a:t>링크</a:t>
+                        <a:t>링크 </a:t>
                       </a:r>
+                      <a:r>
+                        <a:rPr lang="en-US" altLang="ko-KR" b="0" dirty="0">
+                          <a:solidFill>
+                            <a:srgbClr val="FF0000"/>
+                          </a:solidFill>
+                        </a:rPr>
+                        <a:t>*</a:t>
+                      </a:r>
+                      <a:endParaRPr lang="ko-KR" altLang="en-US" b="0" dirty="0">
+                        <a:solidFill>
+                          <a:schemeClr val="tx1"/>
+                        </a:solidFill>
+                      </a:endParaRPr>
                     </a:p>
                   </a:txBody>
                   <a:tcPr>
@@ -26472,6 +27232,189 @@
                   </a:ext>
                 </a:extLst>
               </a:tr>
+              <a:tr h="370840">
+                <a:tc vMerge="1">
+                  <a:txBody>
+                    <a:bodyPr/>
+                    <a:lstStyle/>
+                    <a:p>
+                      <a:pPr latinLnBrk="1"/>
+                      <a:endParaRPr lang="ko-KR" altLang="en-US" b="0" dirty="0">
+                        <a:solidFill>
+                          <a:schemeClr val="tx1"/>
+                        </a:solidFill>
+                      </a:endParaRPr>
+                    </a:p>
+                  </a:txBody>
+                  <a:tcPr>
+                    <a:lnL w="12700" cap="flat" cmpd="sng" algn="ctr">
+                      <a:solidFill>
+                        <a:schemeClr val="tx1"/>
+                      </a:solidFill>
+                      <a:prstDash val="solid"/>
+                      <a:round/>
+                      <a:headEnd type="none" w="med" len="med"/>
+                      <a:tailEnd type="none" w="med" len="med"/>
+                    </a:lnL>
+                    <a:lnR w="12700" cap="flat" cmpd="sng" algn="ctr">
+                      <a:solidFill>
+                        <a:schemeClr val="tx1"/>
+                      </a:solidFill>
+                      <a:prstDash val="solid"/>
+                      <a:round/>
+                      <a:headEnd type="none" w="med" len="med"/>
+                      <a:tailEnd type="none" w="med" len="med"/>
+                    </a:lnR>
+                    <a:lnT w="12700" cap="flat" cmpd="sng" algn="ctr">
+                      <a:solidFill>
+                        <a:schemeClr val="tx1"/>
+                      </a:solidFill>
+                      <a:prstDash val="solid"/>
+                      <a:round/>
+                      <a:headEnd type="none" w="med" len="med"/>
+                      <a:tailEnd type="none" w="med" len="med"/>
+                    </a:lnT>
+                    <a:lnB w="12700" cap="flat" cmpd="sng" algn="ctr">
+                      <a:solidFill>
+                        <a:schemeClr val="tx1"/>
+                      </a:solidFill>
+                      <a:prstDash val="solid"/>
+                      <a:round/>
+                      <a:headEnd type="none" w="med" len="med"/>
+                      <a:tailEnd type="none" w="med" len="med"/>
+                    </a:lnB>
+                    <a:solidFill>
+                      <a:schemeClr val="bg1"/>
+                    </a:solidFill>
+                  </a:tcPr>
+                </a:tc>
+                <a:tc>
+                  <a:txBody>
+                    <a:bodyPr/>
+                    <a:lstStyle/>
+                    <a:p>
+                      <a:pPr latinLnBrk="1"/>
+                      <a:r>
+                        <a:rPr lang="ko-KR" altLang="en-US" b="0" dirty="0">
+                          <a:solidFill>
+                            <a:schemeClr val="tx1"/>
+                          </a:solidFill>
+                        </a:rPr>
+                        <a:t>이미지</a:t>
+                      </a:r>
+                    </a:p>
+                  </a:txBody>
+                  <a:tcPr>
+                    <a:lnL w="12700" cap="flat" cmpd="sng" algn="ctr">
+                      <a:solidFill>
+                        <a:schemeClr val="tx1"/>
+                      </a:solidFill>
+                      <a:prstDash val="solid"/>
+                      <a:round/>
+                      <a:headEnd type="none" w="med" len="med"/>
+                      <a:tailEnd type="none" w="med" len="med"/>
+                    </a:lnL>
+                    <a:lnR w="12700" cap="flat" cmpd="sng" algn="ctr">
+                      <a:solidFill>
+                        <a:schemeClr val="tx1"/>
+                      </a:solidFill>
+                      <a:prstDash val="solid"/>
+                      <a:round/>
+                      <a:headEnd type="none" w="med" len="med"/>
+                      <a:tailEnd type="none" w="med" len="med"/>
+                    </a:lnR>
+                    <a:lnT w="12700" cap="flat" cmpd="sng" algn="ctr">
+                      <a:solidFill>
+                        <a:schemeClr val="tx1"/>
+                      </a:solidFill>
+                      <a:prstDash val="solid"/>
+                      <a:round/>
+                      <a:headEnd type="none" w="med" len="med"/>
+                      <a:tailEnd type="none" w="med" len="med"/>
+                    </a:lnT>
+                    <a:lnB w="12700" cap="flat" cmpd="sng" algn="ctr">
+                      <a:solidFill>
+                        <a:schemeClr val="tx1"/>
+                      </a:solidFill>
+                      <a:prstDash val="solid"/>
+                      <a:round/>
+                      <a:headEnd type="none" w="med" len="med"/>
+                      <a:tailEnd type="none" w="med" len="med"/>
+                    </a:lnB>
+                    <a:solidFill>
+                      <a:schemeClr val="bg1"/>
+                    </a:solidFill>
+                  </a:tcPr>
+                </a:tc>
+                <a:tc>
+                  <a:txBody>
+                    <a:bodyPr/>
+                    <a:lstStyle/>
+                    <a:p>
+                      <a:pPr latinLnBrk="1"/>
+                      <a:r>
+                        <a:rPr lang="en-US" altLang="ko-KR" b="0" dirty="0">
+                          <a:solidFill>
+                            <a:schemeClr val="tx1"/>
+                          </a:solidFill>
+                        </a:rPr>
+                        <a:t>C:\hagdong\event.jpg</a:t>
+                      </a:r>
+                      <a:endParaRPr lang="ko-KR" altLang="en-US" b="0" dirty="0">
+                        <a:solidFill>
+                          <a:schemeClr val="tx1"/>
+                        </a:solidFill>
+                      </a:endParaRPr>
+                    </a:p>
+                  </a:txBody>
+                  <a:tcPr>
+                    <a:lnL w="12700" cap="flat" cmpd="sng" algn="ctr">
+                      <a:solidFill>
+                        <a:schemeClr val="tx1"/>
+                      </a:solidFill>
+                      <a:prstDash val="solid"/>
+                      <a:round/>
+                      <a:headEnd type="none" w="med" len="med"/>
+                      <a:tailEnd type="none" w="med" len="med"/>
+                    </a:lnL>
+                    <a:lnR w="12700" cap="flat" cmpd="sng" algn="ctr">
+                      <a:solidFill>
+                        <a:schemeClr val="tx1"/>
+                      </a:solidFill>
+                      <a:prstDash val="solid"/>
+                      <a:round/>
+                      <a:headEnd type="none" w="med" len="med"/>
+                      <a:tailEnd type="none" w="med" len="med"/>
+                    </a:lnR>
+                    <a:lnT w="12700" cap="flat" cmpd="sng" algn="ctr">
+                      <a:solidFill>
+                        <a:schemeClr val="tx1"/>
+                      </a:solidFill>
+                      <a:prstDash val="solid"/>
+                      <a:round/>
+                      <a:headEnd type="none" w="med" len="med"/>
+                      <a:tailEnd type="none" w="med" len="med"/>
+                    </a:lnT>
+                    <a:lnB w="12700" cap="flat" cmpd="sng" algn="ctr">
+                      <a:solidFill>
+                        <a:schemeClr val="tx1"/>
+                      </a:solidFill>
+                      <a:prstDash val="solid"/>
+                      <a:round/>
+                      <a:headEnd type="none" w="med" len="med"/>
+                      <a:tailEnd type="none" w="med" len="med"/>
+                    </a:lnB>
+                    <a:solidFill>
+                      <a:schemeClr val="bg1"/>
+                    </a:solidFill>
+                  </a:tcPr>
+                </a:tc>
+                <a:extLst>
+                  <a:ext uri="{0D108BD9-81ED-4DB2-BD59-A6C34878D82A}">
+                    <a16:rowId xmlns:a16="http://schemas.microsoft.com/office/drawing/2014/main" val="3755999744"/>
+                  </a:ext>
+                </a:extLst>
+              </a:tr>
             </a:tbl>
           </a:graphicData>
         </a:graphic>
@@ -26490,7 +27433,7 @@
         </p:nvSpPr>
         <p:spPr>
           <a:xfrm>
-            <a:off x="9570720" y="5710422"/>
+            <a:off x="10501990" y="2487908"/>
             <a:ext cx="719387" cy="276999"/>
           </a:xfrm>
           <a:prstGeom prst="rect">
@@ -26509,6 +27452,1165 @@
               <a:t>14/50</a:t>
             </a:r>
             <a:endParaRPr lang="ko-KR" altLang="en-US" sz="1200" dirty="0"/>
+          </a:p>
+        </p:txBody>
+      </p:sp>
+      <p:sp>
+        <p:nvSpPr>
+          <p:cNvPr id="9" name="TextBox 8">
+            <a:extLst>
+              <a:ext uri="{FF2B5EF4-FFF2-40B4-BE49-F238E27FC236}">
+                <a16:creationId xmlns:a16="http://schemas.microsoft.com/office/drawing/2014/main" id="{7C30E079-BB5F-4C0D-91FC-58DEFCB0EAEB}"/>
+              </a:ext>
+            </a:extLst>
+          </p:cNvPr>
+          <p:cNvSpPr txBox="1"/>
+          <p:nvPr/>
+        </p:nvSpPr>
+        <p:spPr>
+          <a:xfrm>
+            <a:off x="10489857" y="1680646"/>
+            <a:ext cx="731520" cy="369332"/>
+          </a:xfrm>
+          <a:prstGeom prst="rect">
+            <a:avLst/>
+          </a:prstGeom>
+          <a:noFill/>
+        </p:spPr>
+        <p:txBody>
+          <a:bodyPr wrap="square" rtlCol="0">
+            <a:spAutoFit/>
+          </a:bodyPr>
+          <a:lstStyle/>
+          <a:p>
+            <a:r>
+              <a:rPr lang="ko-KR" altLang="en-US" u="sng" dirty="0"/>
+              <a:t>삭제</a:t>
+            </a:r>
+          </a:p>
+        </p:txBody>
+      </p:sp>
+      <p:graphicFrame>
+        <p:nvGraphicFramePr>
+          <p:cNvPr id="25" name="표 11">
+            <a:extLst>
+              <a:ext uri="{FF2B5EF4-FFF2-40B4-BE49-F238E27FC236}">
+                <a16:creationId xmlns:a16="http://schemas.microsoft.com/office/drawing/2014/main" id="{4EB1E6E1-26DD-4593-A8B5-AF886CA5E8CC}"/>
+              </a:ext>
+            </a:extLst>
+          </p:cNvPr>
+          <p:cNvGraphicFramePr>
+            <a:graphicFrameLocks noGrp="1"/>
+          </p:cNvGraphicFramePr>
+          <p:nvPr>
+            <p:extLst>
+              <p:ext uri="{D42A27DB-BD31-4B8C-83A1-F6EECF244321}">
+                <p14:modId xmlns:p14="http://schemas.microsoft.com/office/powerpoint/2010/main" val="574577145"/>
+              </p:ext>
+            </p:extLst>
+          </p:nvPr>
+        </p:nvGraphicFramePr>
+        <p:xfrm>
+          <a:off x="1366021" y="4322675"/>
+          <a:ext cx="9754862" cy="1483360"/>
+        </p:xfrm>
+        <a:graphic>
+          <a:graphicData uri="http://schemas.openxmlformats.org/drawingml/2006/table">
+            <a:tbl>
+              <a:tblPr firstRow="1" bandRow="1">
+                <a:tableStyleId>{5C22544A-7EE6-4342-B048-85BDC9FD1C3A}</a:tableStyleId>
+              </a:tblPr>
+              <a:tblGrid>
+                <a:gridCol w="1690102">
+                  <a:extLst>
+                    <a:ext uri="{9D8B030D-6E8A-4147-A177-3AD203B41FA5}">
+                      <a16:colId xmlns:a16="http://schemas.microsoft.com/office/drawing/2014/main" val="184228287"/>
+                    </a:ext>
+                  </a:extLst>
+                </a:gridCol>
+                <a:gridCol w="1690102">
+                  <a:extLst>
+                    <a:ext uri="{9D8B030D-6E8A-4147-A177-3AD203B41FA5}">
+                      <a16:colId xmlns:a16="http://schemas.microsoft.com/office/drawing/2014/main" val="4195413251"/>
+                    </a:ext>
+                  </a:extLst>
+                </a:gridCol>
+                <a:gridCol w="6374658">
+                  <a:extLst>
+                    <a:ext uri="{9D8B030D-6E8A-4147-A177-3AD203B41FA5}">
+                      <a16:colId xmlns:a16="http://schemas.microsoft.com/office/drawing/2014/main" val="3816258382"/>
+                    </a:ext>
+                  </a:extLst>
+                </a:gridCol>
+              </a:tblGrid>
+              <a:tr h="370840">
+                <a:tc rowSpan="4">
+                  <a:txBody>
+                    <a:bodyPr/>
+                    <a:lstStyle/>
+                    <a:p>
+                      <a:pPr algn="ctr" latinLnBrk="1"/>
+                      <a:endParaRPr lang="en-US" altLang="ko-KR" b="0" dirty="0">
+                        <a:solidFill>
+                          <a:schemeClr val="tx1"/>
+                        </a:solidFill>
+                      </a:endParaRPr>
+                    </a:p>
+                    <a:p>
+                      <a:pPr algn="ctr" latinLnBrk="1"/>
+                      <a:endParaRPr lang="en-US" altLang="ko-KR" b="0" dirty="0">
+                        <a:solidFill>
+                          <a:schemeClr val="tx1"/>
+                        </a:solidFill>
+                      </a:endParaRPr>
+                    </a:p>
+                    <a:p>
+                      <a:pPr algn="ctr" latinLnBrk="1"/>
+                      <a:r>
+                        <a:rPr lang="ko-KR" altLang="en-US" b="0" dirty="0">
+                          <a:solidFill>
+                            <a:schemeClr val="tx1"/>
+                          </a:solidFill>
+                        </a:rPr>
+                        <a:t>이미지</a:t>
+                      </a:r>
+                      <a:endParaRPr lang="en-US" altLang="ko-KR" b="0" dirty="0">
+                        <a:solidFill>
+                          <a:schemeClr val="tx1"/>
+                        </a:solidFill>
+                      </a:endParaRPr>
+                    </a:p>
+                  </a:txBody>
+                  <a:tcPr>
+                    <a:lnL w="12700" cap="flat" cmpd="sng" algn="ctr">
+                      <a:solidFill>
+                        <a:schemeClr val="tx1"/>
+                      </a:solidFill>
+                      <a:prstDash val="solid"/>
+                      <a:round/>
+                      <a:headEnd type="none" w="med" len="med"/>
+                      <a:tailEnd type="none" w="med" len="med"/>
+                    </a:lnL>
+                    <a:lnR w="12700" cap="flat" cmpd="sng" algn="ctr">
+                      <a:solidFill>
+                        <a:schemeClr val="tx1"/>
+                      </a:solidFill>
+                      <a:prstDash val="solid"/>
+                      <a:round/>
+                      <a:headEnd type="none" w="med" len="med"/>
+                      <a:tailEnd type="none" w="med" len="med"/>
+                    </a:lnR>
+                    <a:lnT w="12700" cap="flat" cmpd="sng" algn="ctr">
+                      <a:solidFill>
+                        <a:schemeClr val="tx1"/>
+                      </a:solidFill>
+                      <a:prstDash val="solid"/>
+                      <a:round/>
+                      <a:headEnd type="none" w="med" len="med"/>
+                      <a:tailEnd type="none" w="med" len="med"/>
+                    </a:lnT>
+                    <a:lnB w="12700" cap="flat" cmpd="sng" algn="ctr">
+                      <a:solidFill>
+                        <a:schemeClr val="tx1"/>
+                      </a:solidFill>
+                      <a:prstDash val="solid"/>
+                      <a:round/>
+                      <a:headEnd type="none" w="med" len="med"/>
+                      <a:tailEnd type="none" w="med" len="med"/>
+                    </a:lnB>
+                    <a:solidFill>
+                      <a:schemeClr val="bg1"/>
+                    </a:solidFill>
+                  </a:tcPr>
+                </a:tc>
+                <a:tc>
+                  <a:txBody>
+                    <a:bodyPr/>
+                    <a:lstStyle/>
+                    <a:p>
+                      <a:pPr latinLnBrk="1"/>
+                      <a:r>
+                        <a:rPr lang="ko-KR" altLang="en-US" b="0" dirty="0">
+                          <a:solidFill>
+                            <a:schemeClr val="tx1"/>
+                          </a:solidFill>
+                        </a:rPr>
+                        <a:t>이벤트 제목 </a:t>
+                      </a:r>
+                      <a:r>
+                        <a:rPr lang="en-US" altLang="ko-KR" b="0" dirty="0">
+                          <a:solidFill>
+                            <a:srgbClr val="FF0000"/>
+                          </a:solidFill>
+                        </a:rPr>
+                        <a:t>*</a:t>
+                      </a:r>
+                      <a:endParaRPr lang="ko-KR" altLang="en-US" b="0" dirty="0">
+                        <a:solidFill>
+                          <a:srgbClr val="FF0000"/>
+                        </a:solidFill>
+                      </a:endParaRPr>
+                    </a:p>
+                  </a:txBody>
+                  <a:tcPr>
+                    <a:lnL w="12700" cap="flat" cmpd="sng" algn="ctr">
+                      <a:solidFill>
+                        <a:schemeClr val="tx1"/>
+                      </a:solidFill>
+                      <a:prstDash val="solid"/>
+                      <a:round/>
+                      <a:headEnd type="none" w="med" len="med"/>
+                      <a:tailEnd type="none" w="med" len="med"/>
+                    </a:lnL>
+                    <a:lnR w="12700" cap="flat" cmpd="sng" algn="ctr">
+                      <a:solidFill>
+                        <a:schemeClr val="tx1"/>
+                      </a:solidFill>
+                      <a:prstDash val="solid"/>
+                      <a:round/>
+                      <a:headEnd type="none" w="med" len="med"/>
+                      <a:tailEnd type="none" w="med" len="med"/>
+                    </a:lnR>
+                    <a:lnT w="12700" cap="flat" cmpd="sng" algn="ctr">
+                      <a:solidFill>
+                        <a:schemeClr val="tx1"/>
+                      </a:solidFill>
+                      <a:prstDash val="solid"/>
+                      <a:round/>
+                      <a:headEnd type="none" w="med" len="med"/>
+                      <a:tailEnd type="none" w="med" len="med"/>
+                    </a:lnT>
+                    <a:lnB w="12700" cap="flat" cmpd="sng" algn="ctr">
+                      <a:solidFill>
+                        <a:schemeClr val="tx1"/>
+                      </a:solidFill>
+                      <a:prstDash val="solid"/>
+                      <a:round/>
+                      <a:headEnd type="none" w="med" len="med"/>
+                      <a:tailEnd type="none" w="med" len="med"/>
+                    </a:lnB>
+                    <a:solidFill>
+                      <a:schemeClr val="bg1"/>
+                    </a:solidFill>
+                  </a:tcPr>
+                </a:tc>
+                <a:tc>
+                  <a:txBody>
+                    <a:bodyPr/>
+                    <a:lstStyle/>
+                    <a:p>
+                      <a:pPr latinLnBrk="1"/>
+                      <a:endParaRPr lang="ko-KR" altLang="en-US" b="0" dirty="0">
+                        <a:solidFill>
+                          <a:schemeClr val="tx1"/>
+                        </a:solidFill>
+                      </a:endParaRPr>
+                    </a:p>
+                  </a:txBody>
+                  <a:tcPr>
+                    <a:lnL w="12700" cap="flat" cmpd="sng" algn="ctr">
+                      <a:solidFill>
+                        <a:schemeClr val="tx1"/>
+                      </a:solidFill>
+                      <a:prstDash val="solid"/>
+                      <a:round/>
+                      <a:headEnd type="none" w="med" len="med"/>
+                      <a:tailEnd type="none" w="med" len="med"/>
+                    </a:lnL>
+                    <a:lnR w="12700" cap="flat" cmpd="sng" algn="ctr">
+                      <a:solidFill>
+                        <a:schemeClr val="tx1"/>
+                      </a:solidFill>
+                      <a:prstDash val="solid"/>
+                      <a:round/>
+                      <a:headEnd type="none" w="med" len="med"/>
+                      <a:tailEnd type="none" w="med" len="med"/>
+                    </a:lnR>
+                    <a:lnT w="12700" cap="flat" cmpd="sng" algn="ctr">
+                      <a:solidFill>
+                        <a:schemeClr val="tx1"/>
+                      </a:solidFill>
+                      <a:prstDash val="solid"/>
+                      <a:round/>
+                      <a:headEnd type="none" w="med" len="med"/>
+                      <a:tailEnd type="none" w="med" len="med"/>
+                    </a:lnT>
+                    <a:lnB w="12700" cap="flat" cmpd="sng" algn="ctr">
+                      <a:solidFill>
+                        <a:schemeClr val="tx1"/>
+                      </a:solidFill>
+                      <a:prstDash val="solid"/>
+                      <a:round/>
+                      <a:headEnd type="none" w="med" len="med"/>
+                      <a:tailEnd type="none" w="med" len="med"/>
+                    </a:lnB>
+                    <a:solidFill>
+                      <a:schemeClr val="bg1"/>
+                    </a:solidFill>
+                  </a:tcPr>
+                </a:tc>
+                <a:extLst>
+                  <a:ext uri="{0D108BD9-81ED-4DB2-BD59-A6C34878D82A}">
+                    <a16:rowId xmlns:a16="http://schemas.microsoft.com/office/drawing/2014/main" val="2134700597"/>
+                  </a:ext>
+                </a:extLst>
+              </a:tr>
+              <a:tr h="370840">
+                <a:tc vMerge="1">
+                  <a:txBody>
+                    <a:bodyPr/>
+                    <a:lstStyle/>
+                    <a:p>
+                      <a:pPr latinLnBrk="1"/>
+                      <a:endParaRPr lang="ko-KR" altLang="en-US" b="0" dirty="0">
+                        <a:solidFill>
+                          <a:schemeClr val="tx1"/>
+                        </a:solidFill>
+                      </a:endParaRPr>
+                    </a:p>
+                  </a:txBody>
+                  <a:tcPr>
+                    <a:lnL w="12700" cap="flat" cmpd="sng" algn="ctr">
+                      <a:solidFill>
+                        <a:schemeClr val="tx1"/>
+                      </a:solidFill>
+                      <a:prstDash val="solid"/>
+                      <a:round/>
+                      <a:headEnd type="none" w="med" len="med"/>
+                      <a:tailEnd type="none" w="med" len="med"/>
+                    </a:lnL>
+                    <a:lnR w="12700" cap="flat" cmpd="sng" algn="ctr">
+                      <a:solidFill>
+                        <a:schemeClr val="tx1"/>
+                      </a:solidFill>
+                      <a:prstDash val="solid"/>
+                      <a:round/>
+                      <a:headEnd type="none" w="med" len="med"/>
+                      <a:tailEnd type="none" w="med" len="med"/>
+                    </a:lnR>
+                    <a:lnT w="12700" cap="flat" cmpd="sng" algn="ctr">
+                      <a:solidFill>
+                        <a:schemeClr val="tx1"/>
+                      </a:solidFill>
+                      <a:prstDash val="solid"/>
+                      <a:round/>
+                      <a:headEnd type="none" w="med" len="med"/>
+                      <a:tailEnd type="none" w="med" len="med"/>
+                    </a:lnT>
+                    <a:lnB w="12700" cap="flat" cmpd="sng" algn="ctr">
+                      <a:solidFill>
+                        <a:schemeClr val="tx1"/>
+                      </a:solidFill>
+                      <a:prstDash val="solid"/>
+                      <a:round/>
+                      <a:headEnd type="none" w="med" len="med"/>
+                      <a:tailEnd type="none" w="med" len="med"/>
+                    </a:lnB>
+                    <a:solidFill>
+                      <a:schemeClr val="bg1"/>
+                    </a:solidFill>
+                  </a:tcPr>
+                </a:tc>
+                <a:tc>
+                  <a:txBody>
+                    <a:bodyPr/>
+                    <a:lstStyle/>
+                    <a:p>
+                      <a:pPr latinLnBrk="1"/>
+                      <a:r>
+                        <a:rPr lang="ko-KR" altLang="en-US" b="0" dirty="0">
+                          <a:solidFill>
+                            <a:schemeClr val="tx1"/>
+                          </a:solidFill>
+                        </a:rPr>
+                        <a:t>이벤트 설명 </a:t>
+                      </a:r>
+                      <a:r>
+                        <a:rPr lang="en-US" altLang="ko-KR" b="0" dirty="0">
+                          <a:solidFill>
+                            <a:srgbClr val="FF0000"/>
+                          </a:solidFill>
+                        </a:rPr>
+                        <a:t>*</a:t>
+                      </a:r>
+                      <a:endParaRPr lang="ko-KR" altLang="en-US" b="0" dirty="0">
+                        <a:solidFill>
+                          <a:schemeClr val="tx1"/>
+                        </a:solidFill>
+                      </a:endParaRPr>
+                    </a:p>
+                  </a:txBody>
+                  <a:tcPr>
+                    <a:lnL w="12700" cap="flat" cmpd="sng" algn="ctr">
+                      <a:solidFill>
+                        <a:schemeClr val="tx1"/>
+                      </a:solidFill>
+                      <a:prstDash val="solid"/>
+                      <a:round/>
+                      <a:headEnd type="none" w="med" len="med"/>
+                      <a:tailEnd type="none" w="med" len="med"/>
+                    </a:lnL>
+                    <a:lnR w="12700" cap="flat" cmpd="sng" algn="ctr">
+                      <a:solidFill>
+                        <a:schemeClr val="tx1"/>
+                      </a:solidFill>
+                      <a:prstDash val="solid"/>
+                      <a:round/>
+                      <a:headEnd type="none" w="med" len="med"/>
+                      <a:tailEnd type="none" w="med" len="med"/>
+                    </a:lnR>
+                    <a:lnT w="12700" cap="flat" cmpd="sng" algn="ctr">
+                      <a:solidFill>
+                        <a:schemeClr val="tx1"/>
+                      </a:solidFill>
+                      <a:prstDash val="solid"/>
+                      <a:round/>
+                      <a:headEnd type="none" w="med" len="med"/>
+                      <a:tailEnd type="none" w="med" len="med"/>
+                    </a:lnT>
+                    <a:lnB w="12700" cap="flat" cmpd="sng" algn="ctr">
+                      <a:solidFill>
+                        <a:schemeClr val="tx1"/>
+                      </a:solidFill>
+                      <a:prstDash val="solid"/>
+                      <a:round/>
+                      <a:headEnd type="none" w="med" len="med"/>
+                      <a:tailEnd type="none" w="med" len="med"/>
+                    </a:lnB>
+                    <a:solidFill>
+                      <a:schemeClr val="bg1"/>
+                    </a:solidFill>
+                  </a:tcPr>
+                </a:tc>
+                <a:tc>
+                  <a:txBody>
+                    <a:bodyPr/>
+                    <a:lstStyle/>
+                    <a:p>
+                      <a:pPr latinLnBrk="1"/>
+                      <a:endParaRPr lang="ko-KR" altLang="en-US" b="0" dirty="0">
+                        <a:solidFill>
+                          <a:schemeClr val="tx1"/>
+                        </a:solidFill>
+                      </a:endParaRPr>
+                    </a:p>
+                  </a:txBody>
+                  <a:tcPr>
+                    <a:lnL w="12700" cap="flat" cmpd="sng" algn="ctr">
+                      <a:solidFill>
+                        <a:schemeClr val="tx1"/>
+                      </a:solidFill>
+                      <a:prstDash val="solid"/>
+                      <a:round/>
+                      <a:headEnd type="none" w="med" len="med"/>
+                      <a:tailEnd type="none" w="med" len="med"/>
+                    </a:lnL>
+                    <a:lnR w="12700" cap="flat" cmpd="sng" algn="ctr">
+                      <a:solidFill>
+                        <a:schemeClr val="tx1"/>
+                      </a:solidFill>
+                      <a:prstDash val="solid"/>
+                      <a:round/>
+                      <a:headEnd type="none" w="med" len="med"/>
+                      <a:tailEnd type="none" w="med" len="med"/>
+                    </a:lnR>
+                    <a:lnT w="12700" cap="flat" cmpd="sng" algn="ctr">
+                      <a:solidFill>
+                        <a:schemeClr val="tx1"/>
+                      </a:solidFill>
+                      <a:prstDash val="solid"/>
+                      <a:round/>
+                      <a:headEnd type="none" w="med" len="med"/>
+                      <a:tailEnd type="none" w="med" len="med"/>
+                    </a:lnT>
+                    <a:lnB w="12700" cap="flat" cmpd="sng" algn="ctr">
+                      <a:solidFill>
+                        <a:schemeClr val="tx1"/>
+                      </a:solidFill>
+                      <a:prstDash val="solid"/>
+                      <a:round/>
+                      <a:headEnd type="none" w="med" len="med"/>
+                      <a:tailEnd type="none" w="med" len="med"/>
+                    </a:lnB>
+                    <a:solidFill>
+                      <a:schemeClr val="bg1"/>
+                    </a:solidFill>
+                  </a:tcPr>
+                </a:tc>
+                <a:extLst>
+                  <a:ext uri="{0D108BD9-81ED-4DB2-BD59-A6C34878D82A}">
+                    <a16:rowId xmlns:a16="http://schemas.microsoft.com/office/drawing/2014/main" val="721107425"/>
+                  </a:ext>
+                </a:extLst>
+              </a:tr>
+              <a:tr h="370840">
+                <a:tc vMerge="1">
+                  <a:txBody>
+                    <a:bodyPr/>
+                    <a:lstStyle/>
+                    <a:p>
+                      <a:pPr latinLnBrk="1"/>
+                      <a:endParaRPr lang="ko-KR" altLang="en-US" b="0" dirty="0">
+                        <a:solidFill>
+                          <a:schemeClr val="tx1"/>
+                        </a:solidFill>
+                      </a:endParaRPr>
+                    </a:p>
+                  </a:txBody>
+                  <a:tcPr>
+                    <a:lnL w="12700" cap="flat" cmpd="sng" algn="ctr">
+                      <a:solidFill>
+                        <a:schemeClr val="tx1"/>
+                      </a:solidFill>
+                      <a:prstDash val="solid"/>
+                      <a:round/>
+                      <a:headEnd type="none" w="med" len="med"/>
+                      <a:tailEnd type="none" w="med" len="med"/>
+                    </a:lnL>
+                    <a:lnR w="12700" cap="flat" cmpd="sng" algn="ctr">
+                      <a:solidFill>
+                        <a:schemeClr val="tx1"/>
+                      </a:solidFill>
+                      <a:prstDash val="solid"/>
+                      <a:round/>
+                      <a:headEnd type="none" w="med" len="med"/>
+                      <a:tailEnd type="none" w="med" len="med"/>
+                    </a:lnR>
+                    <a:lnT w="12700" cap="flat" cmpd="sng" algn="ctr">
+                      <a:solidFill>
+                        <a:schemeClr val="tx1"/>
+                      </a:solidFill>
+                      <a:prstDash val="solid"/>
+                      <a:round/>
+                      <a:headEnd type="none" w="med" len="med"/>
+                      <a:tailEnd type="none" w="med" len="med"/>
+                    </a:lnT>
+                    <a:lnB w="12700" cap="flat" cmpd="sng" algn="ctr">
+                      <a:solidFill>
+                        <a:schemeClr val="tx1"/>
+                      </a:solidFill>
+                      <a:prstDash val="solid"/>
+                      <a:round/>
+                      <a:headEnd type="none" w="med" len="med"/>
+                      <a:tailEnd type="none" w="med" len="med"/>
+                    </a:lnB>
+                    <a:solidFill>
+                      <a:schemeClr val="bg1"/>
+                    </a:solidFill>
+                  </a:tcPr>
+                </a:tc>
+                <a:tc>
+                  <a:txBody>
+                    <a:bodyPr/>
+                    <a:lstStyle/>
+                    <a:p>
+                      <a:pPr latinLnBrk="1"/>
+                      <a:r>
+                        <a:rPr lang="ko-KR" altLang="en-US" b="0" dirty="0">
+                          <a:solidFill>
+                            <a:schemeClr val="tx1"/>
+                          </a:solidFill>
+                        </a:rPr>
+                        <a:t>링크 </a:t>
+                      </a:r>
+                      <a:r>
+                        <a:rPr lang="en-US" altLang="ko-KR" b="0" dirty="0">
+                          <a:solidFill>
+                            <a:srgbClr val="FF0000"/>
+                          </a:solidFill>
+                        </a:rPr>
+                        <a:t>*</a:t>
+                      </a:r>
+                      <a:endParaRPr lang="ko-KR" altLang="en-US" b="0" dirty="0">
+                        <a:solidFill>
+                          <a:schemeClr val="tx1"/>
+                        </a:solidFill>
+                      </a:endParaRPr>
+                    </a:p>
+                  </a:txBody>
+                  <a:tcPr>
+                    <a:lnL w="12700" cap="flat" cmpd="sng" algn="ctr">
+                      <a:solidFill>
+                        <a:schemeClr val="tx1"/>
+                      </a:solidFill>
+                      <a:prstDash val="solid"/>
+                      <a:round/>
+                      <a:headEnd type="none" w="med" len="med"/>
+                      <a:tailEnd type="none" w="med" len="med"/>
+                    </a:lnL>
+                    <a:lnR w="12700" cap="flat" cmpd="sng" algn="ctr">
+                      <a:solidFill>
+                        <a:schemeClr val="tx1"/>
+                      </a:solidFill>
+                      <a:prstDash val="solid"/>
+                      <a:round/>
+                      <a:headEnd type="none" w="med" len="med"/>
+                      <a:tailEnd type="none" w="med" len="med"/>
+                    </a:lnR>
+                    <a:lnT w="12700" cap="flat" cmpd="sng" algn="ctr">
+                      <a:solidFill>
+                        <a:schemeClr val="tx1"/>
+                      </a:solidFill>
+                      <a:prstDash val="solid"/>
+                      <a:round/>
+                      <a:headEnd type="none" w="med" len="med"/>
+                      <a:tailEnd type="none" w="med" len="med"/>
+                    </a:lnT>
+                    <a:lnB w="12700" cap="flat" cmpd="sng" algn="ctr">
+                      <a:solidFill>
+                        <a:schemeClr val="tx1"/>
+                      </a:solidFill>
+                      <a:prstDash val="solid"/>
+                      <a:round/>
+                      <a:headEnd type="none" w="med" len="med"/>
+                      <a:tailEnd type="none" w="med" len="med"/>
+                    </a:lnB>
+                    <a:solidFill>
+                      <a:schemeClr val="bg1"/>
+                    </a:solidFill>
+                  </a:tcPr>
+                </a:tc>
+                <a:tc>
+                  <a:txBody>
+                    <a:bodyPr/>
+                    <a:lstStyle/>
+                    <a:p>
+                      <a:pPr latinLnBrk="1"/>
+                      <a:endParaRPr lang="ko-KR" altLang="en-US" b="0" dirty="0">
+                        <a:solidFill>
+                          <a:schemeClr val="tx1"/>
+                        </a:solidFill>
+                      </a:endParaRPr>
+                    </a:p>
+                  </a:txBody>
+                  <a:tcPr>
+                    <a:lnL w="12700" cap="flat" cmpd="sng" algn="ctr">
+                      <a:solidFill>
+                        <a:schemeClr val="tx1"/>
+                      </a:solidFill>
+                      <a:prstDash val="solid"/>
+                      <a:round/>
+                      <a:headEnd type="none" w="med" len="med"/>
+                      <a:tailEnd type="none" w="med" len="med"/>
+                    </a:lnL>
+                    <a:lnR w="12700" cap="flat" cmpd="sng" algn="ctr">
+                      <a:solidFill>
+                        <a:schemeClr val="tx1"/>
+                      </a:solidFill>
+                      <a:prstDash val="solid"/>
+                      <a:round/>
+                      <a:headEnd type="none" w="med" len="med"/>
+                      <a:tailEnd type="none" w="med" len="med"/>
+                    </a:lnR>
+                    <a:lnT w="12700" cap="flat" cmpd="sng" algn="ctr">
+                      <a:solidFill>
+                        <a:schemeClr val="tx1"/>
+                      </a:solidFill>
+                      <a:prstDash val="solid"/>
+                      <a:round/>
+                      <a:headEnd type="none" w="med" len="med"/>
+                      <a:tailEnd type="none" w="med" len="med"/>
+                    </a:lnT>
+                    <a:lnB w="12700" cap="flat" cmpd="sng" algn="ctr">
+                      <a:solidFill>
+                        <a:schemeClr val="tx1"/>
+                      </a:solidFill>
+                      <a:prstDash val="solid"/>
+                      <a:round/>
+                      <a:headEnd type="none" w="med" len="med"/>
+                      <a:tailEnd type="none" w="med" len="med"/>
+                    </a:lnB>
+                    <a:solidFill>
+                      <a:schemeClr val="bg1"/>
+                    </a:solidFill>
+                  </a:tcPr>
+                </a:tc>
+                <a:extLst>
+                  <a:ext uri="{0D108BD9-81ED-4DB2-BD59-A6C34878D82A}">
+                    <a16:rowId xmlns:a16="http://schemas.microsoft.com/office/drawing/2014/main" val="4270330677"/>
+                  </a:ext>
+                </a:extLst>
+              </a:tr>
+              <a:tr h="370840">
+                <a:tc vMerge="1">
+                  <a:txBody>
+                    <a:bodyPr/>
+                    <a:lstStyle/>
+                    <a:p>
+                      <a:pPr latinLnBrk="1"/>
+                      <a:endParaRPr lang="ko-KR" altLang="en-US" b="0" dirty="0">
+                        <a:solidFill>
+                          <a:schemeClr val="tx1"/>
+                        </a:solidFill>
+                      </a:endParaRPr>
+                    </a:p>
+                  </a:txBody>
+                  <a:tcPr>
+                    <a:lnL w="12700" cap="flat" cmpd="sng" algn="ctr">
+                      <a:solidFill>
+                        <a:schemeClr val="tx1"/>
+                      </a:solidFill>
+                      <a:prstDash val="solid"/>
+                      <a:round/>
+                      <a:headEnd type="none" w="med" len="med"/>
+                      <a:tailEnd type="none" w="med" len="med"/>
+                    </a:lnL>
+                    <a:lnR w="12700" cap="flat" cmpd="sng" algn="ctr">
+                      <a:solidFill>
+                        <a:schemeClr val="tx1"/>
+                      </a:solidFill>
+                      <a:prstDash val="solid"/>
+                      <a:round/>
+                      <a:headEnd type="none" w="med" len="med"/>
+                      <a:tailEnd type="none" w="med" len="med"/>
+                    </a:lnR>
+                    <a:lnT w="12700" cap="flat" cmpd="sng" algn="ctr">
+                      <a:solidFill>
+                        <a:schemeClr val="tx1"/>
+                      </a:solidFill>
+                      <a:prstDash val="solid"/>
+                      <a:round/>
+                      <a:headEnd type="none" w="med" len="med"/>
+                      <a:tailEnd type="none" w="med" len="med"/>
+                    </a:lnT>
+                    <a:lnB w="12700" cap="flat" cmpd="sng" algn="ctr">
+                      <a:solidFill>
+                        <a:schemeClr val="tx1"/>
+                      </a:solidFill>
+                      <a:prstDash val="solid"/>
+                      <a:round/>
+                      <a:headEnd type="none" w="med" len="med"/>
+                      <a:tailEnd type="none" w="med" len="med"/>
+                    </a:lnB>
+                    <a:solidFill>
+                      <a:schemeClr val="bg1"/>
+                    </a:solidFill>
+                  </a:tcPr>
+                </a:tc>
+                <a:tc>
+                  <a:txBody>
+                    <a:bodyPr/>
+                    <a:lstStyle/>
+                    <a:p>
+                      <a:pPr latinLnBrk="1"/>
+                      <a:r>
+                        <a:rPr lang="ko-KR" altLang="en-US" b="0" dirty="0">
+                          <a:solidFill>
+                            <a:schemeClr val="tx1"/>
+                          </a:solidFill>
+                        </a:rPr>
+                        <a:t>이미지</a:t>
+                      </a:r>
+                    </a:p>
+                  </a:txBody>
+                  <a:tcPr>
+                    <a:lnL w="12700" cap="flat" cmpd="sng" algn="ctr">
+                      <a:solidFill>
+                        <a:schemeClr val="tx1"/>
+                      </a:solidFill>
+                      <a:prstDash val="solid"/>
+                      <a:round/>
+                      <a:headEnd type="none" w="med" len="med"/>
+                      <a:tailEnd type="none" w="med" len="med"/>
+                    </a:lnL>
+                    <a:lnR w="12700" cap="flat" cmpd="sng" algn="ctr">
+                      <a:solidFill>
+                        <a:schemeClr val="tx1"/>
+                      </a:solidFill>
+                      <a:prstDash val="solid"/>
+                      <a:round/>
+                      <a:headEnd type="none" w="med" len="med"/>
+                      <a:tailEnd type="none" w="med" len="med"/>
+                    </a:lnR>
+                    <a:lnT w="12700" cap="flat" cmpd="sng" algn="ctr">
+                      <a:solidFill>
+                        <a:schemeClr val="tx1"/>
+                      </a:solidFill>
+                      <a:prstDash val="solid"/>
+                      <a:round/>
+                      <a:headEnd type="none" w="med" len="med"/>
+                      <a:tailEnd type="none" w="med" len="med"/>
+                    </a:lnT>
+                    <a:lnB w="12700" cap="flat" cmpd="sng" algn="ctr">
+                      <a:solidFill>
+                        <a:schemeClr val="tx1"/>
+                      </a:solidFill>
+                      <a:prstDash val="solid"/>
+                      <a:round/>
+                      <a:headEnd type="none" w="med" len="med"/>
+                      <a:tailEnd type="none" w="med" len="med"/>
+                    </a:lnB>
+                    <a:solidFill>
+                      <a:schemeClr val="bg1"/>
+                    </a:solidFill>
+                  </a:tcPr>
+                </a:tc>
+                <a:tc>
+                  <a:txBody>
+                    <a:bodyPr/>
+                    <a:lstStyle/>
+                    <a:p>
+                      <a:pPr latinLnBrk="1"/>
+                      <a:endParaRPr lang="ko-KR" altLang="en-US" b="0" dirty="0">
+                        <a:solidFill>
+                          <a:schemeClr val="tx1"/>
+                        </a:solidFill>
+                      </a:endParaRPr>
+                    </a:p>
+                  </a:txBody>
+                  <a:tcPr>
+                    <a:lnL w="12700" cap="flat" cmpd="sng" algn="ctr">
+                      <a:solidFill>
+                        <a:schemeClr val="tx1"/>
+                      </a:solidFill>
+                      <a:prstDash val="solid"/>
+                      <a:round/>
+                      <a:headEnd type="none" w="med" len="med"/>
+                      <a:tailEnd type="none" w="med" len="med"/>
+                    </a:lnL>
+                    <a:lnR w="12700" cap="flat" cmpd="sng" algn="ctr">
+                      <a:solidFill>
+                        <a:schemeClr val="tx1"/>
+                      </a:solidFill>
+                      <a:prstDash val="solid"/>
+                      <a:round/>
+                      <a:headEnd type="none" w="med" len="med"/>
+                      <a:tailEnd type="none" w="med" len="med"/>
+                    </a:lnR>
+                    <a:lnT w="12700" cap="flat" cmpd="sng" algn="ctr">
+                      <a:solidFill>
+                        <a:schemeClr val="tx1"/>
+                      </a:solidFill>
+                      <a:prstDash val="solid"/>
+                      <a:round/>
+                      <a:headEnd type="none" w="med" len="med"/>
+                      <a:tailEnd type="none" w="med" len="med"/>
+                    </a:lnT>
+                    <a:lnB w="12700" cap="flat" cmpd="sng" algn="ctr">
+                      <a:solidFill>
+                        <a:schemeClr val="tx1"/>
+                      </a:solidFill>
+                      <a:prstDash val="solid"/>
+                      <a:round/>
+                      <a:headEnd type="none" w="med" len="med"/>
+                      <a:tailEnd type="none" w="med" len="med"/>
+                    </a:lnB>
+                    <a:solidFill>
+                      <a:schemeClr val="bg1"/>
+                    </a:solidFill>
+                  </a:tcPr>
+                </a:tc>
+                <a:extLst>
+                  <a:ext uri="{0D108BD9-81ED-4DB2-BD59-A6C34878D82A}">
+                    <a16:rowId xmlns:a16="http://schemas.microsoft.com/office/drawing/2014/main" val="3755999744"/>
+                  </a:ext>
+                </a:extLst>
+              </a:tr>
+            </a:tbl>
+          </a:graphicData>
+        </a:graphic>
+      </p:graphicFrame>
+      <p:sp>
+        <p:nvSpPr>
+          <p:cNvPr id="26" name="TextBox 25">
+            <a:extLst>
+              <a:ext uri="{FF2B5EF4-FFF2-40B4-BE49-F238E27FC236}">
+                <a16:creationId xmlns:a16="http://schemas.microsoft.com/office/drawing/2014/main" id="{244EDD32-A41F-44A2-829C-81E81DD53183}"/>
+              </a:ext>
+            </a:extLst>
+          </p:cNvPr>
+          <p:cNvSpPr txBox="1"/>
+          <p:nvPr/>
+        </p:nvSpPr>
+        <p:spPr>
+          <a:xfrm>
+            <a:off x="10501990" y="4737739"/>
+            <a:ext cx="719387" cy="276999"/>
+          </a:xfrm>
+          <a:prstGeom prst="rect">
+            <a:avLst/>
+          </a:prstGeom>
+          <a:noFill/>
+        </p:spPr>
+        <p:txBody>
+          <a:bodyPr wrap="square" rtlCol="0">
+            <a:spAutoFit/>
+          </a:bodyPr>
+          <a:lstStyle/>
+          <a:p>
+            <a:r>
+              <a:rPr lang="en-US" altLang="ko-KR" sz="1200" dirty="0"/>
+              <a:t>0/50</a:t>
+            </a:r>
+            <a:endParaRPr lang="ko-KR" altLang="en-US" sz="1200" dirty="0"/>
+          </a:p>
+        </p:txBody>
+      </p:sp>
+      <p:sp>
+        <p:nvSpPr>
+          <p:cNvPr id="27" name="TextBox 26">
+            <a:extLst>
+              <a:ext uri="{FF2B5EF4-FFF2-40B4-BE49-F238E27FC236}">
+                <a16:creationId xmlns:a16="http://schemas.microsoft.com/office/drawing/2014/main" id="{9B6C4DE8-62A8-4DAE-922A-7506B2581CCB}"/>
+              </a:ext>
+            </a:extLst>
+          </p:cNvPr>
+          <p:cNvSpPr txBox="1"/>
+          <p:nvPr/>
+        </p:nvSpPr>
+        <p:spPr>
+          <a:xfrm>
+            <a:off x="10547775" y="3920067"/>
+            <a:ext cx="673602" cy="369332"/>
+          </a:xfrm>
+          <a:prstGeom prst="rect">
+            <a:avLst/>
+          </a:prstGeom>
+          <a:noFill/>
+        </p:spPr>
+        <p:txBody>
+          <a:bodyPr wrap="square" rtlCol="0">
+            <a:spAutoFit/>
+          </a:bodyPr>
+          <a:lstStyle/>
+          <a:p>
+            <a:r>
+              <a:rPr lang="ko-KR" altLang="en-US" u="sng" dirty="0"/>
+              <a:t>삭제</a:t>
+            </a:r>
+          </a:p>
+        </p:txBody>
+      </p:sp>
+      <p:sp>
+        <p:nvSpPr>
+          <p:cNvPr id="29" name="TextBox 28">
+            <a:extLst>
+              <a:ext uri="{FF2B5EF4-FFF2-40B4-BE49-F238E27FC236}">
+                <a16:creationId xmlns:a16="http://schemas.microsoft.com/office/drawing/2014/main" id="{A383AC06-A8C0-4C7C-BA6D-0AACE0EB914F}"/>
+              </a:ext>
+            </a:extLst>
+          </p:cNvPr>
+          <p:cNvSpPr txBox="1"/>
+          <p:nvPr/>
+        </p:nvSpPr>
+        <p:spPr>
+          <a:xfrm>
+            <a:off x="1366020" y="3831351"/>
+            <a:ext cx="1898277" cy="461665"/>
+          </a:xfrm>
+          <a:prstGeom prst="rect">
+            <a:avLst/>
+          </a:prstGeom>
+          <a:noFill/>
+        </p:spPr>
+        <p:txBody>
+          <a:bodyPr wrap="none" rtlCol="0">
+            <a:spAutoFit/>
+          </a:bodyPr>
+          <a:lstStyle/>
+          <a:p>
+            <a:r>
+              <a:rPr lang="ko-KR" altLang="en-US" sz="2400" b="1" dirty="0">
+                <a:latin typeface="10X10 Bold" panose="020D0604000000000000" pitchFamily="50" charset="-127"/>
+                <a:ea typeface="10X10 Bold" panose="020D0604000000000000" pitchFamily="50" charset="-127"/>
+              </a:rPr>
+              <a:t>이벤트 정보 </a:t>
+            </a:r>
+            <a:r>
+              <a:rPr lang="en-US" altLang="ko-KR" sz="2400" b="1" dirty="0">
+                <a:latin typeface="10X10 Bold" panose="020D0604000000000000" pitchFamily="50" charset="-127"/>
+                <a:ea typeface="10X10 Bold" panose="020D0604000000000000" pitchFamily="50" charset="-127"/>
+              </a:rPr>
+              <a:t>2</a:t>
+            </a:r>
+            <a:endParaRPr lang="ko-KR" altLang="en-US" sz="2400" b="1" dirty="0">
+              <a:latin typeface="10X10 Bold" panose="020D0604000000000000" pitchFamily="50" charset="-127"/>
+              <a:ea typeface="10X10 Bold" panose="020D0604000000000000" pitchFamily="50" charset="-127"/>
+            </a:endParaRPr>
+          </a:p>
+        </p:txBody>
+      </p:sp>
+      <p:sp>
+        <p:nvSpPr>
+          <p:cNvPr id="30" name="직사각형 29">
+            <a:extLst>
+              <a:ext uri="{FF2B5EF4-FFF2-40B4-BE49-F238E27FC236}">
+                <a16:creationId xmlns:a16="http://schemas.microsoft.com/office/drawing/2014/main" id="{ADF02965-C601-4643-959E-0852D23DE01D}"/>
+              </a:ext>
+            </a:extLst>
+          </p:cNvPr>
+          <p:cNvSpPr/>
+          <p:nvPr/>
+        </p:nvSpPr>
+        <p:spPr>
+          <a:xfrm>
+            <a:off x="1366020" y="6102883"/>
+            <a:ext cx="9754862" cy="374638"/>
+          </a:xfrm>
+          <a:prstGeom prst="rect">
+            <a:avLst/>
+          </a:prstGeom>
+          <a:solidFill>
+            <a:schemeClr val="tx1">
+              <a:lumMod val="50000"/>
+              <a:lumOff val="50000"/>
+            </a:schemeClr>
+          </a:solidFill>
+          <a:ln>
+            <a:noFill/>
+          </a:ln>
+        </p:spPr>
+        <p:style>
+          <a:lnRef idx="2">
+            <a:schemeClr val="dk1">
+              <a:shade val="50000"/>
+            </a:schemeClr>
+          </a:lnRef>
+          <a:fillRef idx="1">
+            <a:schemeClr val="dk1"/>
+          </a:fillRef>
+          <a:effectRef idx="0">
+            <a:schemeClr val="dk1"/>
+          </a:effectRef>
+          <a:fontRef idx="minor">
+            <a:schemeClr val="lt1"/>
+          </a:fontRef>
+        </p:style>
+        <p:txBody>
+          <a:bodyPr rtlCol="0" anchor="ctr"/>
+          <a:lstStyle/>
+          <a:p>
+            <a:pPr algn="ctr"/>
+            <a:r>
+              <a:rPr lang="en-US" altLang="ko-KR" dirty="0">
+                <a:solidFill>
+                  <a:schemeClr val="bg1"/>
+                </a:solidFill>
+              </a:rPr>
+              <a:t>+ </a:t>
+            </a:r>
+            <a:r>
+              <a:rPr lang="ko-KR" altLang="en-US" dirty="0">
+                <a:solidFill>
+                  <a:schemeClr val="bg1"/>
+                </a:solidFill>
+              </a:rPr>
+              <a:t>추가</a:t>
+            </a:r>
+          </a:p>
+        </p:txBody>
+      </p:sp>
+      <p:sp>
+        <p:nvSpPr>
+          <p:cNvPr id="31" name="사각형: 둥근 모서리 30">
+            <a:extLst>
+              <a:ext uri="{FF2B5EF4-FFF2-40B4-BE49-F238E27FC236}">
+                <a16:creationId xmlns:a16="http://schemas.microsoft.com/office/drawing/2014/main" id="{3A1B2F2A-242B-46EF-993F-9ABE4FC1ABD8}"/>
+              </a:ext>
+            </a:extLst>
+          </p:cNvPr>
+          <p:cNvSpPr/>
+          <p:nvPr/>
+        </p:nvSpPr>
+        <p:spPr>
+          <a:xfrm>
+            <a:off x="4515401" y="6762147"/>
+            <a:ext cx="1465546" cy="463463"/>
+          </a:xfrm>
+          <a:prstGeom prst="roundRect">
+            <a:avLst/>
+          </a:prstGeom>
+          <a:solidFill>
+            <a:srgbClr val="AC3B61"/>
+          </a:solidFill>
+          <a:ln>
+            <a:solidFill>
+              <a:srgbClr val="AC3B61"/>
+            </a:solidFill>
+          </a:ln>
+        </p:spPr>
+        <p:style>
+          <a:lnRef idx="2">
+            <a:schemeClr val="accent1">
+              <a:shade val="50000"/>
+            </a:schemeClr>
+          </a:lnRef>
+          <a:fillRef idx="1">
+            <a:schemeClr val="accent1"/>
+          </a:fillRef>
+          <a:effectRef idx="0">
+            <a:schemeClr val="accent1"/>
+          </a:effectRef>
+          <a:fontRef idx="minor">
+            <a:schemeClr val="lt1"/>
+          </a:fontRef>
+        </p:style>
+        <p:txBody>
+          <a:bodyPr rtlCol="0" anchor="ctr"/>
+          <a:lstStyle/>
+          <a:p>
+            <a:pPr algn="ctr"/>
+            <a:r>
+              <a:rPr lang="ko-KR" altLang="en-US" dirty="0"/>
+              <a:t>수정</a:t>
+            </a:r>
+          </a:p>
+        </p:txBody>
+      </p:sp>
+      <p:sp>
+        <p:nvSpPr>
+          <p:cNvPr id="34" name="사각형: 둥근 모서리 33">
+            <a:extLst>
+              <a:ext uri="{FF2B5EF4-FFF2-40B4-BE49-F238E27FC236}">
+                <a16:creationId xmlns:a16="http://schemas.microsoft.com/office/drawing/2014/main" id="{9AD7F53E-4684-4A50-AFA4-4B30C8974057}"/>
+              </a:ext>
+            </a:extLst>
+          </p:cNvPr>
+          <p:cNvSpPr/>
+          <p:nvPr/>
+        </p:nvSpPr>
+        <p:spPr>
+          <a:xfrm>
+            <a:off x="6436513" y="6762147"/>
+            <a:ext cx="1465546" cy="463463"/>
+          </a:xfrm>
+          <a:prstGeom prst="roundRect">
+            <a:avLst/>
+          </a:prstGeom>
+          <a:solidFill>
+            <a:srgbClr val="B8AFB2"/>
+          </a:solidFill>
+          <a:ln>
+            <a:solidFill>
+              <a:srgbClr val="B8AFB2"/>
+            </a:solidFill>
+          </a:ln>
+        </p:spPr>
+        <p:style>
+          <a:lnRef idx="2">
+            <a:schemeClr val="accent1">
+              <a:shade val="50000"/>
+            </a:schemeClr>
+          </a:lnRef>
+          <a:fillRef idx="1">
+            <a:schemeClr val="accent1"/>
+          </a:fillRef>
+          <a:effectRef idx="0">
+            <a:schemeClr val="accent1"/>
+          </a:effectRef>
+          <a:fontRef idx="minor">
+            <a:schemeClr val="lt1"/>
+          </a:fontRef>
+        </p:style>
+        <p:txBody>
+          <a:bodyPr rtlCol="0" anchor="ctr"/>
+          <a:lstStyle/>
+          <a:p>
+            <a:pPr algn="ctr"/>
+            <a:r>
+              <a:rPr lang="ko-KR" altLang="en-US" dirty="0"/>
+              <a:t>취소</a:t>
+            </a:r>
           </a:p>
         </p:txBody>
       </p:sp>
@@ -30909,14 +33011,14 @@
           <p:nvPr>
             <p:extLst>
               <p:ext uri="{D42A27DB-BD31-4B8C-83A1-F6EECF244321}">
-                <p14:modId xmlns:p14="http://schemas.microsoft.com/office/powerpoint/2010/main" val="88657685"/>
+                <p14:modId xmlns:p14="http://schemas.microsoft.com/office/powerpoint/2010/main" val="2545168595"/>
               </p:ext>
             </p:extLst>
           </p:nvPr>
         </p:nvGraphicFramePr>
         <p:xfrm>
           <a:off x="1228589" y="1944980"/>
-          <a:ext cx="9734820" cy="4192835"/>
+          <a:ext cx="9734819" cy="4192835"/>
         </p:xfrm>
         <a:graphic>
           <a:graphicData uri="http://schemas.openxmlformats.org/drawingml/2006/table">
@@ -30925,31 +33027,38 @@
                 <a:tableStyleId>{5C22544A-7EE6-4342-B048-85BDC9FD1C3A}</a:tableStyleId>
               </a:tblPr>
               <a:tblGrid>
-                <a:gridCol w="972351">
+                <a:gridCol w="996451">
                   <a:extLst>
                     <a:ext uri="{9D8B030D-6E8A-4147-A177-3AD203B41FA5}">
                       <a16:colId xmlns:a16="http://schemas.microsoft.com/office/drawing/2014/main" val="4035976003"/>
                     </a:ext>
                   </a:extLst>
                 </a:gridCol>
-                <a:gridCol w="5857548">
+                <a:gridCol w="4950267">
                   <a:extLst>
                     <a:ext uri="{9D8B030D-6E8A-4147-A177-3AD203B41FA5}">
                       <a16:colId xmlns:a16="http://schemas.microsoft.com/office/drawing/2014/main" val="3778970971"/>
                     </a:ext>
                   </a:extLst>
                 </a:gridCol>
-                <a:gridCol w="1459149">
+                <a:gridCol w="1270465">
                   <a:extLst>
                     <a:ext uri="{9D8B030D-6E8A-4147-A177-3AD203B41FA5}">
                       <a16:colId xmlns:a16="http://schemas.microsoft.com/office/drawing/2014/main" val="990556793"/>
                     </a:ext>
                   </a:extLst>
                 </a:gridCol>
-                <a:gridCol w="1445772">
+                <a:gridCol w="1258818">
                   <a:extLst>
                     <a:ext uri="{9D8B030D-6E8A-4147-A177-3AD203B41FA5}">
                       <a16:colId xmlns:a16="http://schemas.microsoft.com/office/drawing/2014/main" val="3756802191"/>
+                    </a:ext>
+                  </a:extLst>
+                </a:gridCol>
+                <a:gridCol w="1258818">
+                  <a:extLst>
+                    <a:ext uri="{9D8B030D-6E8A-4147-A177-3AD203B41FA5}">
+                      <a16:colId xmlns:a16="http://schemas.microsoft.com/office/drawing/2014/main" val="2714620552"/>
                     </a:ext>
                   </a:extLst>
                 </a:gridCol>
@@ -31096,6 +33205,50 @@
                       <a:r>
                         <a:rPr lang="ko-KR" altLang="en-US" dirty="0"/>
                         <a:t>작성날짜</a:t>
+                      </a:r>
+                    </a:p>
+                  </a:txBody>
+                  <a:tcPr>
+                    <a:lnL w="12700" cmpd="sng">
+                      <a:noFill/>
+                    </a:lnL>
+                    <a:lnR w="12700" cmpd="sng">
+                      <a:noFill/>
+                    </a:lnR>
+                    <a:lnT w="12700" cmpd="sng">
+                      <a:noFill/>
+                    </a:lnT>
+                    <a:lnB w="12700" cap="flat" cmpd="sng" algn="ctr">
+                      <a:solidFill>
+                        <a:schemeClr val="tx1"/>
+                      </a:solidFill>
+                      <a:prstDash val="solid"/>
+                      <a:round/>
+                      <a:headEnd type="none" w="med" len="med"/>
+                      <a:tailEnd type="none" w="med" len="med"/>
+                    </a:lnB>
+                    <a:lnTlToBr w="12700" cmpd="sng">
+                      <a:noFill/>
+                      <a:prstDash val="solid"/>
+                    </a:lnTlToBr>
+                    <a:lnBlToTr w="12700" cmpd="sng">
+                      <a:noFill/>
+                      <a:prstDash val="solid"/>
+                    </a:lnBlToTr>
+                    <a:solidFill>
+                      <a:srgbClr val="E55A50"/>
+                    </a:solidFill>
+                  </a:tcPr>
+                </a:tc>
+                <a:tc>
+                  <a:txBody>
+                    <a:bodyPr/>
+                    <a:lstStyle/>
+                    <a:p>
+                      <a:pPr algn="ctr" latinLnBrk="1"/>
+                      <a:r>
+                        <a:rPr lang="ko-KR" altLang="en-US" dirty="0"/>
+                        <a:t>조회수</a:t>
                       </a:r>
                     </a:p>
                   </a:txBody>
@@ -31345,6 +33498,53 @@
                     </a:solidFill>
                   </a:tcPr>
                 </a:tc>
+                <a:tc>
+                  <a:txBody>
+                    <a:bodyPr/>
+                    <a:lstStyle/>
+                    <a:p>
+                      <a:pPr latinLnBrk="1"/>
+                      <a:endParaRPr lang="ko-KR" altLang="en-US" sz="1600" dirty="0"/>
+                    </a:p>
+                  </a:txBody>
+                  <a:tcPr>
+                    <a:lnL w="12700" cmpd="sng">
+                      <a:noFill/>
+                    </a:lnL>
+                    <a:lnR w="12700" cmpd="sng">
+                      <a:noFill/>
+                    </a:lnR>
+                    <a:lnT w="12700" cap="flat" cmpd="sng" algn="ctr">
+                      <a:solidFill>
+                        <a:schemeClr val="tx1"/>
+                      </a:solidFill>
+                      <a:prstDash val="solid"/>
+                      <a:round/>
+                      <a:headEnd type="none" w="med" len="med"/>
+                      <a:tailEnd type="none" w="med" len="med"/>
+                    </a:lnT>
+                    <a:lnB w="12700" cap="flat" cmpd="sng" algn="ctr">
+                      <a:solidFill>
+                        <a:schemeClr val="tx1"/>
+                      </a:solidFill>
+                      <a:prstDash val="solid"/>
+                      <a:round/>
+                      <a:headEnd type="none" w="med" len="med"/>
+                      <a:tailEnd type="none" w="med" len="med"/>
+                    </a:lnB>
+                    <a:lnTlToBr w="12700" cmpd="sng">
+                      <a:noFill/>
+                      <a:prstDash val="solid"/>
+                    </a:lnTlToBr>
+                    <a:lnBlToTr w="12700" cmpd="sng">
+                      <a:noFill/>
+                      <a:prstDash val="solid"/>
+                    </a:lnBlToTr>
+                    <a:solidFill>
+                      <a:srgbClr val="EBE0DA"/>
+                    </a:solidFill>
+                  </a:tcPr>
+                </a:tc>
                 <a:extLst>
                   <a:ext uri="{0D108BD9-81ED-4DB2-BD59-A6C34878D82A}">
                     <a16:rowId xmlns:a16="http://schemas.microsoft.com/office/drawing/2014/main" val="2865822783"/>
@@ -31514,6 +33714,53 @@
                         <a:rPr lang="en-US" altLang="ko-KR" sz="1600" dirty="0"/>
                         <a:t>2020.01.12</a:t>
                       </a:r>
+                      <a:endParaRPr lang="ko-KR" altLang="en-US" sz="1600" dirty="0"/>
+                    </a:p>
+                  </a:txBody>
+                  <a:tcPr>
+                    <a:lnL w="12700" cmpd="sng">
+                      <a:noFill/>
+                    </a:lnL>
+                    <a:lnR w="12700" cmpd="sng">
+                      <a:noFill/>
+                    </a:lnR>
+                    <a:lnT w="12700" cap="flat" cmpd="sng" algn="ctr">
+                      <a:solidFill>
+                        <a:schemeClr val="tx1"/>
+                      </a:solidFill>
+                      <a:prstDash val="solid"/>
+                      <a:round/>
+                      <a:headEnd type="none" w="med" len="med"/>
+                      <a:tailEnd type="none" w="med" len="med"/>
+                    </a:lnT>
+                    <a:lnB w="12700" cap="flat" cmpd="sng" algn="ctr">
+                      <a:solidFill>
+                        <a:schemeClr val="tx1"/>
+                      </a:solidFill>
+                      <a:prstDash val="solid"/>
+                      <a:round/>
+                      <a:headEnd type="none" w="med" len="med"/>
+                      <a:tailEnd type="none" w="med" len="med"/>
+                    </a:lnB>
+                    <a:lnTlToBr w="12700" cmpd="sng">
+                      <a:noFill/>
+                      <a:prstDash val="solid"/>
+                    </a:lnTlToBr>
+                    <a:lnBlToTr w="12700" cmpd="sng">
+                      <a:noFill/>
+                      <a:prstDash val="solid"/>
+                    </a:lnBlToTr>
+                    <a:solidFill>
+                      <a:srgbClr val="EBE0DA"/>
+                    </a:solidFill>
+                  </a:tcPr>
+                </a:tc>
+                <a:tc>
+                  <a:txBody>
+                    <a:bodyPr/>
+                    <a:lstStyle/>
+                    <a:p>
+                      <a:pPr latinLnBrk="1"/>
                       <a:endParaRPr lang="ko-KR" altLang="en-US" sz="1600" dirty="0"/>
                     </a:p>
                   </a:txBody>
@@ -31789,6 +34036,53 @@
                     </a:solidFill>
                   </a:tcPr>
                 </a:tc>
+                <a:tc>
+                  <a:txBody>
+                    <a:bodyPr/>
+                    <a:lstStyle/>
+                    <a:p>
+                      <a:pPr latinLnBrk="1"/>
+                      <a:endParaRPr lang="ko-KR" altLang="en-US" sz="1600" dirty="0"/>
+                    </a:p>
+                  </a:txBody>
+                  <a:tcPr>
+                    <a:lnL w="12700" cmpd="sng">
+                      <a:noFill/>
+                    </a:lnL>
+                    <a:lnR w="12700" cmpd="sng">
+                      <a:noFill/>
+                    </a:lnR>
+                    <a:lnT w="12700" cap="flat" cmpd="sng" algn="ctr">
+                      <a:solidFill>
+                        <a:schemeClr val="tx1"/>
+                      </a:solidFill>
+                      <a:prstDash val="solid"/>
+                      <a:round/>
+                      <a:headEnd type="none" w="med" len="med"/>
+                      <a:tailEnd type="none" w="med" len="med"/>
+                    </a:lnT>
+                    <a:lnB w="12700" cap="flat" cmpd="sng" algn="ctr">
+                      <a:solidFill>
+                        <a:schemeClr val="tx1"/>
+                      </a:solidFill>
+                      <a:prstDash val="solid"/>
+                      <a:round/>
+                      <a:headEnd type="none" w="med" len="med"/>
+                      <a:tailEnd type="none" w="med" len="med"/>
+                    </a:lnB>
+                    <a:lnTlToBr w="12700" cmpd="sng">
+                      <a:noFill/>
+                      <a:prstDash val="solid"/>
+                    </a:lnTlToBr>
+                    <a:lnBlToTr w="12700" cmpd="sng">
+                      <a:noFill/>
+                      <a:prstDash val="solid"/>
+                    </a:lnBlToTr>
+                    <a:solidFill>
+                      <a:srgbClr val="EBE0DA"/>
+                    </a:solidFill>
+                  </a:tcPr>
+                </a:tc>
                 <a:extLst>
                   <a:ext uri="{0D108BD9-81ED-4DB2-BD59-A6C34878D82A}">
                     <a16:rowId xmlns:a16="http://schemas.microsoft.com/office/drawing/2014/main" val="2967334376"/>
@@ -31897,6 +34191,53 @@
                     <a:p>
                       <a:pPr latinLnBrk="1"/>
                       <a:endParaRPr lang="ko-KR" altLang="en-US" sz="1600"/>
+                    </a:p>
+                  </a:txBody>
+                  <a:tcPr>
+                    <a:lnL w="12700" cmpd="sng">
+                      <a:noFill/>
+                    </a:lnL>
+                    <a:lnR w="12700" cmpd="sng">
+                      <a:noFill/>
+                    </a:lnR>
+                    <a:lnT w="12700" cap="flat" cmpd="sng" algn="ctr">
+                      <a:solidFill>
+                        <a:schemeClr val="tx1"/>
+                      </a:solidFill>
+                      <a:prstDash val="solid"/>
+                      <a:round/>
+                      <a:headEnd type="none" w="med" len="med"/>
+                      <a:tailEnd type="none" w="med" len="med"/>
+                    </a:lnT>
+                    <a:lnB w="12700" cap="flat" cmpd="sng" algn="ctr">
+                      <a:solidFill>
+                        <a:schemeClr val="tx1"/>
+                      </a:solidFill>
+                      <a:prstDash val="solid"/>
+                      <a:round/>
+                      <a:headEnd type="none" w="med" len="med"/>
+                      <a:tailEnd type="none" w="med" len="med"/>
+                    </a:lnB>
+                    <a:lnTlToBr w="12700" cmpd="sng">
+                      <a:noFill/>
+                      <a:prstDash val="solid"/>
+                    </a:lnTlToBr>
+                    <a:lnBlToTr w="12700" cmpd="sng">
+                      <a:noFill/>
+                      <a:prstDash val="solid"/>
+                    </a:lnBlToTr>
+                    <a:solidFill>
+                      <a:srgbClr val="EBE0DA"/>
+                    </a:solidFill>
+                  </a:tcPr>
+                </a:tc>
+                <a:tc>
+                  <a:txBody>
+                    <a:bodyPr/>
+                    <a:lstStyle/>
+                    <a:p>
+                      <a:pPr latinLnBrk="1"/>
+                      <a:endParaRPr lang="ko-KR" altLang="en-US" sz="1600" dirty="0"/>
                     </a:p>
                   </a:txBody>
                   <a:tcPr>
@@ -32179,6 +34520,53 @@
                     </a:solidFill>
                   </a:tcPr>
                 </a:tc>
+                <a:tc>
+                  <a:txBody>
+                    <a:bodyPr/>
+                    <a:lstStyle/>
+                    <a:p>
+                      <a:pPr latinLnBrk="1"/>
+                      <a:endParaRPr lang="ko-KR" altLang="en-US" sz="1600"/>
+                    </a:p>
+                  </a:txBody>
+                  <a:tcPr>
+                    <a:lnL w="12700" cmpd="sng">
+                      <a:noFill/>
+                    </a:lnL>
+                    <a:lnR w="12700" cmpd="sng">
+                      <a:noFill/>
+                    </a:lnR>
+                    <a:lnT w="12700" cap="flat" cmpd="sng" algn="ctr">
+                      <a:solidFill>
+                        <a:schemeClr val="tx1"/>
+                      </a:solidFill>
+                      <a:prstDash val="solid"/>
+                      <a:round/>
+                      <a:headEnd type="none" w="med" len="med"/>
+                      <a:tailEnd type="none" w="med" len="med"/>
+                    </a:lnT>
+                    <a:lnB w="12700" cap="flat" cmpd="sng" algn="ctr">
+                      <a:solidFill>
+                        <a:schemeClr val="tx1"/>
+                      </a:solidFill>
+                      <a:prstDash val="solid"/>
+                      <a:round/>
+                      <a:headEnd type="none" w="med" len="med"/>
+                      <a:tailEnd type="none" w="med" len="med"/>
+                    </a:lnB>
+                    <a:lnTlToBr w="12700" cmpd="sng">
+                      <a:noFill/>
+                      <a:prstDash val="solid"/>
+                    </a:lnTlToBr>
+                    <a:lnBlToTr w="12700" cmpd="sng">
+                      <a:noFill/>
+                      <a:prstDash val="solid"/>
+                    </a:lnBlToTr>
+                    <a:solidFill>
+                      <a:srgbClr val="EBE0DA"/>
+                    </a:solidFill>
+                  </a:tcPr>
+                </a:tc>
                 <a:extLst>
                   <a:ext uri="{0D108BD9-81ED-4DB2-BD59-A6C34878D82A}">
                     <a16:rowId xmlns:a16="http://schemas.microsoft.com/office/drawing/2014/main" val="2288678737"/>
@@ -32186,6 +34574,53 @@
                 </a:extLst>
               </a:tr>
               <a:tr h="382205">
+                <a:tc>
+                  <a:txBody>
+                    <a:bodyPr/>
+                    <a:lstStyle/>
+                    <a:p>
+                      <a:pPr latinLnBrk="1"/>
+                      <a:endParaRPr lang="ko-KR" altLang="en-US" sz="1600" dirty="0"/>
+                    </a:p>
+                  </a:txBody>
+                  <a:tcPr>
+                    <a:lnL w="12700" cmpd="sng">
+                      <a:noFill/>
+                    </a:lnL>
+                    <a:lnR w="12700" cmpd="sng">
+                      <a:noFill/>
+                    </a:lnR>
+                    <a:lnT w="12700" cap="flat" cmpd="sng" algn="ctr">
+                      <a:solidFill>
+                        <a:schemeClr val="tx1"/>
+                      </a:solidFill>
+                      <a:prstDash val="solid"/>
+                      <a:round/>
+                      <a:headEnd type="none" w="med" len="med"/>
+                      <a:tailEnd type="none" w="med" len="med"/>
+                    </a:lnT>
+                    <a:lnB w="12700" cap="flat" cmpd="sng" algn="ctr">
+                      <a:solidFill>
+                        <a:schemeClr val="tx1"/>
+                      </a:solidFill>
+                      <a:prstDash val="solid"/>
+                      <a:round/>
+                      <a:headEnd type="none" w="med" len="med"/>
+                      <a:tailEnd type="none" w="med" len="med"/>
+                    </a:lnB>
+                    <a:lnTlToBr w="12700" cmpd="sng">
+                      <a:noFill/>
+                      <a:prstDash val="solid"/>
+                    </a:lnTlToBr>
+                    <a:lnBlToTr w="12700" cmpd="sng">
+                      <a:noFill/>
+                      <a:prstDash val="solid"/>
+                    </a:lnBlToTr>
+                    <a:solidFill>
+                      <a:srgbClr val="EBE0DA"/>
+                    </a:solidFill>
+                  </a:tcPr>
+                </a:tc>
                 <a:tc>
                   <a:txBody>
                     <a:bodyPr/>
@@ -32569,6 +35004,53 @@
                     </a:solidFill>
                   </a:tcPr>
                 </a:tc>
+                <a:tc>
+                  <a:txBody>
+                    <a:bodyPr/>
+                    <a:lstStyle/>
+                    <a:p>
+                      <a:pPr latinLnBrk="1"/>
+                      <a:endParaRPr lang="ko-KR" altLang="en-US" sz="1600" dirty="0"/>
+                    </a:p>
+                  </a:txBody>
+                  <a:tcPr>
+                    <a:lnL w="12700" cmpd="sng">
+                      <a:noFill/>
+                    </a:lnL>
+                    <a:lnR w="12700" cmpd="sng">
+                      <a:noFill/>
+                    </a:lnR>
+                    <a:lnT w="12700" cap="flat" cmpd="sng" algn="ctr">
+                      <a:solidFill>
+                        <a:schemeClr val="tx1"/>
+                      </a:solidFill>
+                      <a:prstDash val="solid"/>
+                      <a:round/>
+                      <a:headEnd type="none" w="med" len="med"/>
+                      <a:tailEnd type="none" w="med" len="med"/>
+                    </a:lnT>
+                    <a:lnB w="12700" cap="flat" cmpd="sng" algn="ctr">
+                      <a:solidFill>
+                        <a:schemeClr val="tx1"/>
+                      </a:solidFill>
+                      <a:prstDash val="solid"/>
+                      <a:round/>
+                      <a:headEnd type="none" w="med" len="med"/>
+                      <a:tailEnd type="none" w="med" len="med"/>
+                    </a:lnB>
+                    <a:lnTlToBr w="12700" cmpd="sng">
+                      <a:noFill/>
+                      <a:prstDash val="solid"/>
+                    </a:lnTlToBr>
+                    <a:lnBlToTr w="12700" cmpd="sng">
+                      <a:noFill/>
+                      <a:prstDash val="solid"/>
+                    </a:lnBlToTr>
+                    <a:solidFill>
+                      <a:srgbClr val="EBE0DA"/>
+                    </a:solidFill>
+                  </a:tcPr>
+                </a:tc>
                 <a:extLst>
                   <a:ext uri="{0D108BD9-81ED-4DB2-BD59-A6C34878D82A}">
                     <a16:rowId xmlns:a16="http://schemas.microsoft.com/office/drawing/2014/main" val="1132402144"/>
@@ -32576,6 +35058,53 @@
                 </a:extLst>
               </a:tr>
               <a:tr h="382205">
+                <a:tc>
+                  <a:txBody>
+                    <a:bodyPr/>
+                    <a:lstStyle/>
+                    <a:p>
+                      <a:pPr latinLnBrk="1"/>
+                      <a:endParaRPr lang="ko-KR" altLang="en-US" sz="1600" dirty="0"/>
+                    </a:p>
+                  </a:txBody>
+                  <a:tcPr>
+                    <a:lnL w="12700" cmpd="sng">
+                      <a:noFill/>
+                    </a:lnL>
+                    <a:lnR w="12700" cmpd="sng">
+                      <a:noFill/>
+                    </a:lnR>
+                    <a:lnT w="12700" cap="flat" cmpd="sng" algn="ctr">
+                      <a:solidFill>
+                        <a:schemeClr val="tx1"/>
+                      </a:solidFill>
+                      <a:prstDash val="solid"/>
+                      <a:round/>
+                      <a:headEnd type="none" w="med" len="med"/>
+                      <a:tailEnd type="none" w="med" len="med"/>
+                    </a:lnT>
+                    <a:lnB w="12700" cap="flat" cmpd="sng" algn="ctr">
+                      <a:solidFill>
+                        <a:schemeClr val="tx1"/>
+                      </a:solidFill>
+                      <a:prstDash val="solid"/>
+                      <a:round/>
+                      <a:headEnd type="none" w="med" len="med"/>
+                      <a:tailEnd type="none" w="med" len="med"/>
+                    </a:lnB>
+                    <a:lnTlToBr w="12700" cmpd="sng">
+                      <a:noFill/>
+                      <a:prstDash val="solid"/>
+                    </a:lnTlToBr>
+                    <a:lnBlToTr w="12700" cmpd="sng">
+                      <a:noFill/>
+                      <a:prstDash val="solid"/>
+                    </a:lnBlToTr>
+                    <a:solidFill>
+                      <a:srgbClr val="EBE0DA"/>
+                    </a:solidFill>
+                  </a:tcPr>
+                </a:tc>
                 <a:tc>
                   <a:txBody>
                     <a:bodyPr/>
@@ -32959,6 +35488,53 @@
                     </a:solidFill>
                   </a:tcPr>
                 </a:tc>
+                <a:tc>
+                  <a:txBody>
+                    <a:bodyPr/>
+                    <a:lstStyle/>
+                    <a:p>
+                      <a:pPr latinLnBrk="1"/>
+                      <a:endParaRPr lang="ko-KR" altLang="en-US" sz="1600" dirty="0"/>
+                    </a:p>
+                  </a:txBody>
+                  <a:tcPr>
+                    <a:lnL w="12700" cmpd="sng">
+                      <a:noFill/>
+                    </a:lnL>
+                    <a:lnR w="12700" cmpd="sng">
+                      <a:noFill/>
+                    </a:lnR>
+                    <a:lnT w="12700" cap="flat" cmpd="sng" algn="ctr">
+                      <a:solidFill>
+                        <a:schemeClr val="tx1"/>
+                      </a:solidFill>
+                      <a:prstDash val="solid"/>
+                      <a:round/>
+                      <a:headEnd type="none" w="med" len="med"/>
+                      <a:tailEnd type="none" w="med" len="med"/>
+                    </a:lnT>
+                    <a:lnB w="12700" cap="flat" cmpd="sng" algn="ctr">
+                      <a:solidFill>
+                        <a:schemeClr val="tx1"/>
+                      </a:solidFill>
+                      <a:prstDash val="solid"/>
+                      <a:round/>
+                      <a:headEnd type="none" w="med" len="med"/>
+                      <a:tailEnd type="none" w="med" len="med"/>
+                    </a:lnB>
+                    <a:lnTlToBr w="12700" cmpd="sng">
+                      <a:noFill/>
+                      <a:prstDash val="solid"/>
+                    </a:lnTlToBr>
+                    <a:lnBlToTr w="12700" cmpd="sng">
+                      <a:noFill/>
+                      <a:prstDash val="solid"/>
+                    </a:lnBlToTr>
+                    <a:solidFill>
+                      <a:srgbClr val="EBE0DA"/>
+                    </a:solidFill>
+                  </a:tcPr>
+                </a:tc>
                 <a:extLst>
                   <a:ext uri="{0D108BD9-81ED-4DB2-BD59-A6C34878D82A}">
                     <a16:rowId xmlns:a16="http://schemas.microsoft.com/office/drawing/2014/main" val="1981364120"/>
@@ -32966,6 +35542,51 @@
                 </a:extLst>
               </a:tr>
               <a:tr h="382205">
+                <a:tc>
+                  <a:txBody>
+                    <a:bodyPr/>
+                    <a:lstStyle/>
+                    <a:p>
+                      <a:pPr latinLnBrk="1"/>
+                      <a:endParaRPr lang="ko-KR" altLang="en-US" sz="1600" dirty="0"/>
+                    </a:p>
+                  </a:txBody>
+                  <a:tcPr>
+                    <a:lnL w="12700" cmpd="sng">
+                      <a:noFill/>
+                    </a:lnL>
+                    <a:lnR w="12700" cmpd="sng">
+                      <a:noFill/>
+                    </a:lnR>
+                    <a:lnT w="12700" cap="flat" cmpd="sng" algn="ctr">
+                      <a:solidFill>
+                        <a:schemeClr val="tx1"/>
+                      </a:solidFill>
+                      <a:prstDash val="solid"/>
+                      <a:round/>
+                      <a:headEnd type="none" w="med" len="med"/>
+                      <a:tailEnd type="none" w="med" len="med"/>
+                    </a:lnT>
+                    <a:lnB w="12700" cap="flat" cmpd="sng" algn="ctr">
+                      <a:noFill/>
+                      <a:prstDash val="solid"/>
+                      <a:round/>
+                      <a:headEnd type="none" w="med" len="med"/>
+                      <a:tailEnd type="none" w="med" len="med"/>
+                    </a:lnB>
+                    <a:lnTlToBr w="12700" cmpd="sng">
+                      <a:noFill/>
+                      <a:prstDash val="solid"/>
+                    </a:lnTlToBr>
+                    <a:lnBlToTr w="12700" cmpd="sng">
+                      <a:noFill/>
+                      <a:prstDash val="solid"/>
+                    </a:lnBlToTr>
+                    <a:solidFill>
+                      <a:srgbClr val="EBE0DA"/>
+                    </a:solidFill>
+                  </a:tcPr>
+                </a:tc>
                 <a:tc>
                   <a:txBody>
                     <a:bodyPr/>

--- a/document/와이어프레임/우학동_와이어프레임.pptx
+++ b/document/와이어프레임/우학동_와이어프레임.pptx
@@ -279,7 +279,7 @@
   <pc:docChgLst>
     <pc:chgData name="이 현정" userId="2260549c9764b7a4" providerId="LiveId" clId="{01A99E41-209A-4154-9667-CF2A73BB7372}"/>
     <pc:docChg chg="undo redo custSel addSld delSld modSld sldOrd modSection">
-      <pc:chgData name="이 현정" userId="2260549c9764b7a4" providerId="LiveId" clId="{01A99E41-209A-4154-9667-CF2A73BB7372}" dt="2021-01-20T13:13:49.159" v="1611" actId="5900"/>
+      <pc:chgData name="이 현정" userId="2260549c9764b7a4" providerId="LiveId" clId="{01A99E41-209A-4154-9667-CF2A73BB7372}" dt="2021-01-25T09:40:23.492" v="1706" actId="1076"/>
       <pc:docMkLst>
         <pc:docMk/>
       </pc:docMkLst>
@@ -306,12 +306,36 @@
           </ac:spMkLst>
         </pc:spChg>
       </pc:sldChg>
-      <pc:sldChg chg="addCm modCm">
-        <pc:chgData name="이 현정" userId="2260549c9764b7a4" providerId="LiveId" clId="{01A99E41-209A-4154-9667-CF2A73BB7372}" dt="2021-01-19T12:23:55.320" v="680"/>
+      <pc:sldChg chg="delSp modSp mod addCm modCm">
+        <pc:chgData name="이 현정" userId="2260549c9764b7a4" providerId="LiveId" clId="{01A99E41-209A-4154-9667-CF2A73BB7372}" dt="2021-01-25T09:40:23.492" v="1706" actId="1076"/>
         <pc:sldMkLst>
           <pc:docMk/>
           <pc:sldMk cId="1007902617" sldId="257"/>
         </pc:sldMkLst>
+        <pc:spChg chg="del mod">
+          <ac:chgData name="이 현정" userId="2260549c9764b7a4" providerId="LiveId" clId="{01A99E41-209A-4154-9667-CF2A73BB7372}" dt="2021-01-25T09:40:18.432" v="1703" actId="478"/>
+          <ac:spMkLst>
+            <pc:docMk/>
+            <pc:sldMk cId="1007902617" sldId="257"/>
+            <ac:spMk id="10" creationId="{561F3E61-2FA5-4F66-B1A2-AADD0567D63F}"/>
+          </ac:spMkLst>
+        </pc:spChg>
+        <pc:spChg chg="mod">
+          <ac:chgData name="이 현정" userId="2260549c9764b7a4" providerId="LiveId" clId="{01A99E41-209A-4154-9667-CF2A73BB7372}" dt="2021-01-25T09:40:23.492" v="1706" actId="1076"/>
+          <ac:spMkLst>
+            <pc:docMk/>
+            <pc:sldMk cId="1007902617" sldId="257"/>
+            <ac:spMk id="16" creationId="{EC327158-6A26-48FB-B104-5774805D8C0E}"/>
+          </ac:spMkLst>
+        </pc:spChg>
+        <pc:graphicFrameChg chg="mod modGraphic">
+          <ac:chgData name="이 현정" userId="2260549c9764b7a4" providerId="LiveId" clId="{01A99E41-209A-4154-9667-CF2A73BB7372}" dt="2021-01-25T09:40:20.522" v="1705" actId="20577"/>
+          <ac:graphicFrameMkLst>
+            <pc:docMk/>
+            <pc:sldMk cId="1007902617" sldId="257"/>
+            <ac:graphicFrameMk id="2" creationId="{FB0472FF-3070-4B77-BCEF-20956D7E8EE1}"/>
+          </ac:graphicFrameMkLst>
+        </pc:graphicFrameChg>
       </pc:sldChg>
       <pc:sldChg chg="modSp mod ord">
         <pc:chgData name="이 현정" userId="2260549c9764b7a4" providerId="LiveId" clId="{01A99E41-209A-4154-9667-CF2A73BB7372}" dt="2021-01-20T12:22:58.219" v="1349"/>
@@ -2024,7 +2048,7 @@
           <a:p>
             <a:fld id="{DD946905-D856-463D-A673-F48CB0EB0794}" type="datetimeFigureOut">
               <a:rPr lang="ko-KR" altLang="en-US" smtClean="0"/>
-              <a:t>2021-01-20</a:t>
+              <a:t>2021-01-25</a:t>
             </a:fld>
             <a:endParaRPr lang="ko-KR" altLang="en-US"/>
           </a:p>
@@ -2438,7 +2462,7 @@
           <a:p>
             <a:fld id="{1F8A5F81-C9E2-4636-AA08-E62651847CC4}" type="datetimeFigureOut">
               <a:rPr lang="ko-KR" altLang="en-US" smtClean="0"/>
-              <a:t>2021-01-20</a:t>
+              <a:t>2021-01-25</a:t>
             </a:fld>
             <a:endParaRPr lang="ko-KR" altLang="en-US"/>
           </a:p>
@@ -2636,7 +2660,7 @@
           <a:p>
             <a:fld id="{1F8A5F81-C9E2-4636-AA08-E62651847CC4}" type="datetimeFigureOut">
               <a:rPr lang="ko-KR" altLang="en-US" smtClean="0"/>
-              <a:t>2021-01-20</a:t>
+              <a:t>2021-01-25</a:t>
             </a:fld>
             <a:endParaRPr lang="ko-KR" altLang="en-US"/>
           </a:p>
@@ -2844,7 +2868,7 @@
           <a:p>
             <a:fld id="{1F8A5F81-C9E2-4636-AA08-E62651847CC4}" type="datetimeFigureOut">
               <a:rPr lang="ko-KR" altLang="en-US" smtClean="0"/>
-              <a:t>2021-01-20</a:t>
+              <a:t>2021-01-25</a:t>
             </a:fld>
             <a:endParaRPr lang="ko-KR" altLang="en-US"/>
           </a:p>
@@ -3042,7 +3066,7 @@
           <a:p>
             <a:fld id="{1F8A5F81-C9E2-4636-AA08-E62651847CC4}" type="datetimeFigureOut">
               <a:rPr lang="ko-KR" altLang="en-US" smtClean="0"/>
-              <a:t>2021-01-20</a:t>
+              <a:t>2021-01-25</a:t>
             </a:fld>
             <a:endParaRPr lang="ko-KR" altLang="en-US"/>
           </a:p>
@@ -3317,7 +3341,7 @@
           <a:p>
             <a:fld id="{1F8A5F81-C9E2-4636-AA08-E62651847CC4}" type="datetimeFigureOut">
               <a:rPr lang="ko-KR" altLang="en-US" smtClean="0"/>
-              <a:t>2021-01-20</a:t>
+              <a:t>2021-01-25</a:t>
             </a:fld>
             <a:endParaRPr lang="ko-KR" altLang="en-US"/>
           </a:p>
@@ -3582,7 +3606,7 @@
           <a:p>
             <a:fld id="{1F8A5F81-C9E2-4636-AA08-E62651847CC4}" type="datetimeFigureOut">
               <a:rPr lang="ko-KR" altLang="en-US" smtClean="0"/>
-              <a:t>2021-01-20</a:t>
+              <a:t>2021-01-25</a:t>
             </a:fld>
             <a:endParaRPr lang="ko-KR" altLang="en-US"/>
           </a:p>
@@ -3994,7 +4018,7 @@
           <a:p>
             <a:fld id="{1F8A5F81-C9E2-4636-AA08-E62651847CC4}" type="datetimeFigureOut">
               <a:rPr lang="ko-KR" altLang="en-US" smtClean="0"/>
-              <a:t>2021-01-20</a:t>
+              <a:t>2021-01-25</a:t>
             </a:fld>
             <a:endParaRPr lang="ko-KR" altLang="en-US"/>
           </a:p>
@@ -4135,7 +4159,7 @@
           <a:p>
             <a:fld id="{1F8A5F81-C9E2-4636-AA08-E62651847CC4}" type="datetimeFigureOut">
               <a:rPr lang="ko-KR" altLang="en-US" smtClean="0"/>
-              <a:t>2021-01-20</a:t>
+              <a:t>2021-01-25</a:t>
             </a:fld>
             <a:endParaRPr lang="ko-KR" altLang="en-US"/>
           </a:p>
@@ -4248,7 +4272,7 @@
           <a:p>
             <a:fld id="{1F8A5F81-C9E2-4636-AA08-E62651847CC4}" type="datetimeFigureOut">
               <a:rPr lang="ko-KR" altLang="en-US" smtClean="0"/>
-              <a:t>2021-01-20</a:t>
+              <a:t>2021-01-25</a:t>
             </a:fld>
             <a:endParaRPr lang="ko-KR" altLang="en-US"/>
           </a:p>
@@ -4559,7 +4583,7 @@
           <a:p>
             <a:fld id="{1F8A5F81-C9E2-4636-AA08-E62651847CC4}" type="datetimeFigureOut">
               <a:rPr lang="ko-KR" altLang="en-US" smtClean="0"/>
-              <a:t>2021-01-20</a:t>
+              <a:t>2021-01-25</a:t>
             </a:fld>
             <a:endParaRPr lang="ko-KR" altLang="en-US"/>
           </a:p>
@@ -4847,7 +4871,7 @@
           <a:p>
             <a:fld id="{1F8A5F81-C9E2-4636-AA08-E62651847CC4}" type="datetimeFigureOut">
               <a:rPr lang="ko-KR" altLang="en-US" smtClean="0"/>
-              <a:t>2021-01-20</a:t>
+              <a:t>2021-01-25</a:t>
             </a:fld>
             <a:endParaRPr lang="ko-KR" altLang="en-US"/>
           </a:p>
@@ -5088,7 +5112,7 @@
           <a:p>
             <a:fld id="{1F8A5F81-C9E2-4636-AA08-E62651847CC4}" type="datetimeFigureOut">
               <a:rPr lang="ko-KR" altLang="en-US" smtClean="0"/>
-              <a:t>2021-01-20</a:t>
+              <a:t>2021-01-25</a:t>
             </a:fld>
             <a:endParaRPr lang="ko-KR" altLang="en-US"/>
           </a:p>
@@ -33512,7 +33536,7 @@
           <p:nvPr>
             <p:extLst>
               <p:ext uri="{D42A27DB-BD31-4B8C-83A1-F6EECF244321}">
-                <p14:modId xmlns:p14="http://schemas.microsoft.com/office/powerpoint/2010/main" val="1254541185"/>
+                <p14:modId xmlns:p14="http://schemas.microsoft.com/office/powerpoint/2010/main" val="2474371903"/>
               </p:ext>
             </p:extLst>
           </p:nvPr>
@@ -33559,6 +33583,14 @@
                       <a:pPr algn="ctr" latinLnBrk="1"/>
                       <a:endParaRPr lang="en-US" altLang="ko-KR" dirty="0"/>
                     </a:p>
+                    <a:p>
+                      <a:pPr algn="ctr" latinLnBrk="1"/>
+                      <a:endParaRPr lang="en-US" altLang="ko-KR" dirty="0"/>
+                    </a:p>
+                    <a:p>
+                      <a:pPr algn="ctr" latinLnBrk="1"/>
+                      <a:endParaRPr lang="en-US" altLang="ko-KR" dirty="0"/>
+                    </a:p>
                   </a:txBody>
                   <a:tcPr>
                     <a:lnL w="12700" cap="flat" cmpd="sng" algn="ctr">
@@ -33659,7 +33691,22 @@
                     <a:lstStyle/>
                     <a:p>
                       <a:pPr latinLnBrk="1"/>
-                      <a:endParaRPr lang="ko-KR" altLang="en-US" dirty="0"/>
+                      <a:endParaRPr lang="en-US" altLang="ko-KR" dirty="0"/>
+                    </a:p>
+                    <a:p>
+                      <a:pPr latinLnBrk="1"/>
+                      <a:endParaRPr lang="en-US" altLang="ko-KR" dirty="0"/>
+                    </a:p>
+                    <a:p>
+                      <a:pPr latinLnBrk="1"/>
+                      <a:endParaRPr lang="en-US" altLang="ko-KR" dirty="0"/>
+                    </a:p>
+                    <a:p>
+                      <a:pPr latinLnBrk="1"/>
+                      <a:r>
+                        <a:rPr lang="ko-KR" altLang="en-US" dirty="0"/>
+                        <a:t>문화 레저</a:t>
+                      </a:r>
                     </a:p>
                   </a:txBody>
                   <a:tcPr>
@@ -33717,7 +33764,19 @@
                     <a:lstStyle/>
                     <a:p>
                       <a:pPr latinLnBrk="1"/>
-                      <a:endParaRPr lang="ko-KR" altLang="en-US" dirty="0"/>
+                      <a:endParaRPr lang="en-US" altLang="ko-KR" dirty="0"/>
+                    </a:p>
+                    <a:p>
+                      <a:pPr latinLnBrk="1"/>
+                      <a:endParaRPr lang="en-US" altLang="ko-KR" dirty="0"/>
+                    </a:p>
+                    <a:p>
+                      <a:pPr latinLnBrk="1"/>
+                      <a:r>
+                        <a:rPr lang="ko-KR" altLang="en-US" dirty="0"/>
+                        <a:t>체육</a:t>
+                      </a:r>
+                      <a:endParaRPr lang="en-US" altLang="ko-KR" dirty="0"/>
                     </a:p>
                   </a:txBody>
                   <a:tcPr>
@@ -33768,7 +33827,18 @@
                     <a:lstStyle/>
                     <a:p>
                       <a:pPr latinLnBrk="1"/>
-                      <a:endParaRPr lang="ko-KR" altLang="en-US" dirty="0"/>
+                      <a:endParaRPr lang="en-US" altLang="ko-KR" dirty="0"/>
+                    </a:p>
+                    <a:p>
+                      <a:pPr latinLnBrk="1"/>
+                      <a:endParaRPr lang="en-US" altLang="ko-KR" dirty="0"/>
+                    </a:p>
+                    <a:p>
+                      <a:pPr latinLnBrk="1"/>
+                      <a:r>
+                        <a:rPr lang="ko-KR" altLang="en-US" dirty="0"/>
+                        <a:t>봉사</a:t>
+                      </a:r>
                     </a:p>
                   </a:txBody>
                   <a:tcPr>
@@ -33819,7 +33889,19 @@
                     <a:lstStyle/>
                     <a:p>
                       <a:pPr latinLnBrk="1"/>
-                      <a:endParaRPr lang="ko-KR" altLang="en-US" dirty="0"/>
+                      <a:endParaRPr lang="en-US" altLang="ko-KR" dirty="0"/>
+                    </a:p>
+                    <a:p>
+                      <a:pPr latinLnBrk="1"/>
+                      <a:endParaRPr lang="en-US" altLang="ko-KR" dirty="0"/>
+                    </a:p>
+                    <a:p>
+                      <a:pPr latinLnBrk="1"/>
+                      <a:r>
+                        <a:rPr lang="ko-KR" altLang="en-US" dirty="0"/>
+                        <a:t>종교</a:t>
+                      </a:r>
+                      <a:endParaRPr lang="en-US" altLang="ko-KR" dirty="0"/>
                     </a:p>
                   </a:txBody>
                   <a:tcPr>
@@ -33888,7 +33970,7 @@
         </p:nvSpPr>
         <p:spPr>
           <a:xfrm>
-            <a:off x="852180" y="2479003"/>
+            <a:off x="852181" y="2565186"/>
             <a:ext cx="2228295" cy="707886"/>
           </a:xfrm>
           <a:prstGeom prst="rect">
@@ -33982,41 +34064,6 @@
                 <a:ea typeface="아임크리수진" panose="00000500000000000000" pitchFamily="2" charset="-127"/>
               </a:rPr>
               <a:t>우 학 동</a:t>
-            </a:r>
-          </a:p>
-        </p:txBody>
-      </p:sp>
-      <p:sp>
-        <p:nvSpPr>
-          <p:cNvPr id="10" name="TextBox 9">
-            <a:extLst>
-              <a:ext uri="{FF2B5EF4-FFF2-40B4-BE49-F238E27FC236}">
-                <a16:creationId xmlns:a16="http://schemas.microsoft.com/office/drawing/2014/main" id="{561F3E61-2FA5-4F66-B1A2-AADD0567D63F}"/>
-              </a:ext>
-            </a:extLst>
-          </p:cNvPr>
-          <p:cNvSpPr txBox="1"/>
-          <p:nvPr/>
-        </p:nvSpPr>
-        <p:spPr>
-          <a:xfrm>
-            <a:off x="905408" y="3147892"/>
-            <a:ext cx="2121838" cy="523220"/>
-          </a:xfrm>
-          <a:prstGeom prst="rect">
-            <a:avLst/>
-          </a:prstGeom>
-          <a:noFill/>
-        </p:spPr>
-        <p:txBody>
-          <a:bodyPr wrap="square" rtlCol="0">
-            <a:spAutoFit/>
-          </a:bodyPr>
-          <a:lstStyle/>
-          <a:p>
-            <a:r>
-              <a:rPr lang="ko-KR" altLang="en-US" sz="1400" b="1" dirty="0"/>
-              <a:t>무대에서 축제를 즐기는 사람들</a:t>
             </a:r>
           </a:p>
         </p:txBody>

--- a/document/와이어프레임/우학동_와이어프레임.pptx
+++ b/document/와이어프레임/우학동_와이어프레임.pptx
@@ -48,13 +48,13 @@
       <p:regular r:id="rId34"/>
     </p:embeddedFont>
     <p:embeddedFont>
-      <p:font typeface="아임크리수진" panose="020B0600000101010101" charset="-127"/>
+      <p:font typeface="맑은 고딕" panose="020B0503020000020004" pitchFamily="50" charset="-127"/>
       <p:regular r:id="rId35"/>
+      <p:bold r:id="rId36"/>
     </p:embeddedFont>
     <p:embeddedFont>
-      <p:font typeface="맑은 고딕" panose="020B0503020000020004" pitchFamily="50" charset="-127"/>
-      <p:regular r:id="rId36"/>
-      <p:bold r:id="rId37"/>
+      <p:font typeface="아임크리수진" panose="00000500000000000000" pitchFamily="2" charset="-127"/>
+      <p:regular r:id="rId37"/>
     </p:embeddedFont>
   </p:embeddedFontLst>
   <p:defaultTextStyle>
@@ -2167,7 +2167,7 @@
           <a:p>
             <a:fld id="{DD946905-D856-463D-A673-F48CB0EB0794}" type="datetimeFigureOut">
               <a:rPr lang="ko-KR" altLang="en-US" smtClean="0"/>
-              <a:t>2021-01-27</a:t>
+              <a:t>2021-01-28</a:t>
             </a:fld>
             <a:endParaRPr lang="ko-KR" altLang="en-US"/>
           </a:p>
@@ -2581,7 +2581,7 @@
           <a:p>
             <a:fld id="{1F8A5F81-C9E2-4636-AA08-E62651847CC4}" type="datetimeFigureOut">
               <a:rPr lang="ko-KR" altLang="en-US" smtClean="0"/>
-              <a:t>2021-01-27</a:t>
+              <a:t>2021-01-28</a:t>
             </a:fld>
             <a:endParaRPr lang="ko-KR" altLang="en-US"/>
           </a:p>
@@ -2779,7 +2779,7 @@
           <a:p>
             <a:fld id="{1F8A5F81-C9E2-4636-AA08-E62651847CC4}" type="datetimeFigureOut">
               <a:rPr lang="ko-KR" altLang="en-US" smtClean="0"/>
-              <a:t>2021-01-27</a:t>
+              <a:t>2021-01-28</a:t>
             </a:fld>
             <a:endParaRPr lang="ko-KR" altLang="en-US"/>
           </a:p>
@@ -2987,7 +2987,7 @@
           <a:p>
             <a:fld id="{1F8A5F81-C9E2-4636-AA08-E62651847CC4}" type="datetimeFigureOut">
               <a:rPr lang="ko-KR" altLang="en-US" smtClean="0"/>
-              <a:t>2021-01-27</a:t>
+              <a:t>2021-01-28</a:t>
             </a:fld>
             <a:endParaRPr lang="ko-KR" altLang="en-US"/>
           </a:p>
@@ -3185,7 +3185,7 @@
           <a:p>
             <a:fld id="{1F8A5F81-C9E2-4636-AA08-E62651847CC4}" type="datetimeFigureOut">
               <a:rPr lang="ko-KR" altLang="en-US" smtClean="0"/>
-              <a:t>2021-01-27</a:t>
+              <a:t>2021-01-28</a:t>
             </a:fld>
             <a:endParaRPr lang="ko-KR" altLang="en-US"/>
           </a:p>
@@ -3460,7 +3460,7 @@
           <a:p>
             <a:fld id="{1F8A5F81-C9E2-4636-AA08-E62651847CC4}" type="datetimeFigureOut">
               <a:rPr lang="ko-KR" altLang="en-US" smtClean="0"/>
-              <a:t>2021-01-27</a:t>
+              <a:t>2021-01-28</a:t>
             </a:fld>
             <a:endParaRPr lang="ko-KR" altLang="en-US"/>
           </a:p>
@@ -3725,7 +3725,7 @@
           <a:p>
             <a:fld id="{1F8A5F81-C9E2-4636-AA08-E62651847CC4}" type="datetimeFigureOut">
               <a:rPr lang="ko-KR" altLang="en-US" smtClean="0"/>
-              <a:t>2021-01-27</a:t>
+              <a:t>2021-01-28</a:t>
             </a:fld>
             <a:endParaRPr lang="ko-KR" altLang="en-US"/>
           </a:p>
@@ -4137,7 +4137,7 @@
           <a:p>
             <a:fld id="{1F8A5F81-C9E2-4636-AA08-E62651847CC4}" type="datetimeFigureOut">
               <a:rPr lang="ko-KR" altLang="en-US" smtClean="0"/>
-              <a:t>2021-01-27</a:t>
+              <a:t>2021-01-28</a:t>
             </a:fld>
             <a:endParaRPr lang="ko-KR" altLang="en-US"/>
           </a:p>
@@ -4278,7 +4278,7 @@
           <a:p>
             <a:fld id="{1F8A5F81-C9E2-4636-AA08-E62651847CC4}" type="datetimeFigureOut">
               <a:rPr lang="ko-KR" altLang="en-US" smtClean="0"/>
-              <a:t>2021-01-27</a:t>
+              <a:t>2021-01-28</a:t>
             </a:fld>
             <a:endParaRPr lang="ko-KR" altLang="en-US"/>
           </a:p>
@@ -4391,7 +4391,7 @@
           <a:p>
             <a:fld id="{1F8A5F81-C9E2-4636-AA08-E62651847CC4}" type="datetimeFigureOut">
               <a:rPr lang="ko-KR" altLang="en-US" smtClean="0"/>
-              <a:t>2021-01-27</a:t>
+              <a:t>2021-01-28</a:t>
             </a:fld>
             <a:endParaRPr lang="ko-KR" altLang="en-US"/>
           </a:p>
@@ -4702,7 +4702,7 @@
           <a:p>
             <a:fld id="{1F8A5F81-C9E2-4636-AA08-E62651847CC4}" type="datetimeFigureOut">
               <a:rPr lang="ko-KR" altLang="en-US" smtClean="0"/>
-              <a:t>2021-01-27</a:t>
+              <a:t>2021-01-28</a:t>
             </a:fld>
             <a:endParaRPr lang="ko-KR" altLang="en-US"/>
           </a:p>
@@ -4990,7 +4990,7 @@
           <a:p>
             <a:fld id="{1F8A5F81-C9E2-4636-AA08-E62651847CC4}" type="datetimeFigureOut">
               <a:rPr lang="ko-KR" altLang="en-US" smtClean="0"/>
-              <a:t>2021-01-27</a:t>
+              <a:t>2021-01-28</a:t>
             </a:fld>
             <a:endParaRPr lang="ko-KR" altLang="en-US"/>
           </a:p>
@@ -5231,7 +5231,7 @@
           <a:p>
             <a:fld id="{1F8A5F81-C9E2-4636-AA08-E62651847CC4}" type="datetimeFigureOut">
               <a:rPr lang="ko-KR" altLang="en-US" smtClean="0"/>
-              <a:t>2021-01-27</a:t>
+              <a:t>2021-01-28</a:t>
             </a:fld>
             <a:endParaRPr lang="ko-KR" altLang="en-US"/>
           </a:p>
@@ -35998,7 +35998,7 @@
           <p:nvPr>
             <p:extLst>
               <p:ext uri="{D42A27DB-BD31-4B8C-83A1-F6EECF244321}">
-                <p14:modId xmlns:p14="http://schemas.microsoft.com/office/powerpoint/2010/main" val="4271165869"/>
+                <p14:modId xmlns:p14="http://schemas.microsoft.com/office/powerpoint/2010/main" val="372670489"/>
               </p:ext>
             </p:extLst>
           </p:nvPr>
@@ -36014,21 +36014,21 @@
                 <a:tableStyleId>{5C22544A-7EE6-4342-B048-85BDC9FD1C3A}</a:tableStyleId>
               </a:tblPr>
               <a:tblGrid>
-                <a:gridCol w="1903491">
+                <a:gridCol w="1728416">
                   <a:extLst>
                     <a:ext uri="{9D8B030D-6E8A-4147-A177-3AD203B41FA5}">
                       <a16:colId xmlns:a16="http://schemas.microsoft.com/office/drawing/2014/main" val="3778970971"/>
                     </a:ext>
                   </a:extLst>
                 </a:gridCol>
-                <a:gridCol w="995119">
+                <a:gridCol w="1065320">
                   <a:extLst>
                     <a:ext uri="{9D8B030D-6E8A-4147-A177-3AD203B41FA5}">
                       <a16:colId xmlns:a16="http://schemas.microsoft.com/office/drawing/2014/main" val="990556793"/>
                     </a:ext>
                   </a:extLst>
                 </a:gridCol>
-                <a:gridCol w="724793">
+                <a:gridCol w="829667">
                   <a:extLst>
                     <a:ext uri="{9D8B030D-6E8A-4147-A177-3AD203B41FA5}">
                       <a16:colId xmlns:a16="http://schemas.microsoft.com/office/drawing/2014/main" val="3756802191"/>
@@ -36182,7 +36182,10 @@
                     <a:lstStyle/>
                     <a:p>
                       <a:pPr latinLnBrk="1"/>
-                      <a:endParaRPr lang="ko-KR" altLang="en-US" dirty="0"/>
+                      <a:r>
+                        <a:rPr lang="ko-KR" altLang="en-US" sz="1000" dirty="0"/>
+                        <a:t>이벤트 배너 신청서 작성법</a:t>
+                      </a:r>
                     </a:p>
                   </a:txBody>
                   <a:tcPr>
@@ -39733,7 +39736,7 @@
           <p:nvPr>
             <p:extLst>
               <p:ext uri="{D42A27DB-BD31-4B8C-83A1-F6EECF244321}">
-                <p14:modId xmlns:p14="http://schemas.microsoft.com/office/powerpoint/2010/main" val="463283782"/>
+                <p14:modId xmlns:p14="http://schemas.microsoft.com/office/powerpoint/2010/main" val="3876557531"/>
               </p:ext>
             </p:extLst>
           </p:nvPr>
@@ -39777,13 +39780,8 @@
                       <a:pPr algn="ctr" latinLnBrk="1"/>
                       <a:r>
                         <a:rPr lang="ko-KR" altLang="en-US" dirty="0"/>
-                        <a:t>이벤트 </a:t>
+                        <a:t>이벤트 배너</a:t>
                       </a:r>
-                      <a:r>
-                        <a:rPr lang="ko-KR" altLang="en-US" dirty="0" err="1"/>
-                        <a:t>베너</a:t>
-                      </a:r>
-                      <a:endParaRPr lang="ko-KR" altLang="en-US" dirty="0"/>
                     </a:p>
                   </a:txBody>
                   <a:tcPr>
@@ -40175,7 +40173,7 @@
           <p:nvPr>
             <p:extLst>
               <p:ext uri="{D42A27DB-BD31-4B8C-83A1-F6EECF244321}">
-                <p14:modId xmlns:p14="http://schemas.microsoft.com/office/powerpoint/2010/main" val="3610076861"/>
+                <p14:modId xmlns:p14="http://schemas.microsoft.com/office/powerpoint/2010/main" val="148460570"/>
               </p:ext>
             </p:extLst>
           </p:nvPr>
@@ -40219,13 +40217,8 @@
                       <a:pPr algn="ctr" latinLnBrk="1"/>
                       <a:r>
                         <a:rPr lang="ko-KR" altLang="en-US" dirty="0"/>
-                        <a:t>이벤트 </a:t>
+                        <a:t>이벤트 배너</a:t>
                       </a:r>
-                      <a:r>
-                        <a:rPr lang="ko-KR" altLang="en-US" dirty="0" err="1"/>
-                        <a:t>베너</a:t>
-                      </a:r>
-                      <a:endParaRPr lang="ko-KR" altLang="en-US" dirty="0"/>
                     </a:p>
                   </a:txBody>
                   <a:tcPr>
